--- a/trunk/Presentazione/Atsilo2/Durante/Atsilo_M_PresentazioneFinale.pptx
+++ b/trunk/Presentazione/Atsilo2/Durante/Atsilo_M_PresentazioneFinale.pptx
@@ -5,7 +5,7 @@
     <p:sldMasterId id="2147483684" r:id="rId1"/>
   </p:sldMasterIdLst>
   <p:notesMasterIdLst>
-    <p:notesMasterId r:id="rId17"/>
+    <p:notesMasterId r:id="rId18"/>
   </p:notesMasterIdLst>
   <p:sldIdLst>
     <p:sldId id="256" r:id="rId2"/>
@@ -16,13 +16,14 @@
     <p:sldId id="266" r:id="rId7"/>
     <p:sldId id="265" r:id="rId8"/>
     <p:sldId id="268" r:id="rId9"/>
-    <p:sldId id="267" r:id="rId10"/>
-    <p:sldId id="269" r:id="rId11"/>
-    <p:sldId id="270" r:id="rId12"/>
-    <p:sldId id="271" r:id="rId13"/>
-    <p:sldId id="272" r:id="rId14"/>
-    <p:sldId id="273" r:id="rId15"/>
-    <p:sldId id="274" r:id="rId16"/>
+    <p:sldId id="275" r:id="rId10"/>
+    <p:sldId id="267" r:id="rId11"/>
+    <p:sldId id="269" r:id="rId12"/>
+    <p:sldId id="270" r:id="rId13"/>
+    <p:sldId id="271" r:id="rId14"/>
+    <p:sldId id="272" r:id="rId15"/>
+    <p:sldId id="273" r:id="rId16"/>
+    <p:sldId id="274" r:id="rId17"/>
   </p:sldIdLst>
   <p:sldSz cx="9144000" cy="6858000" type="screen4x3"/>
   <p:notesSz cx="6858000" cy="9144000"/>
@@ -206,7 +207,7 @@
           <a:p>
             <a:fld id="{38D78F4D-402C-46E0-A4BB-DF91EA86B14C}" type="datetimeFigureOut">
               <a:rPr lang="it-IT" smtClean="0"/>
-              <a:t>27/12/2012</a:t>
+              <a:t>29/12/2012</a:t>
             </a:fld>
             <a:endParaRPr lang="it-IT"/>
           </a:p>
@@ -639,7 +640,7 @@
           <a:p>
             <a:fld id="{63CABBC0-75E4-43BB-A6A6-84C2A96BDB82}" type="datetimeFigureOut">
               <a:rPr lang="it-IT" smtClean="0"/>
-              <a:t>27/12/2012</a:t>
+              <a:t>29/12/2012</a:t>
             </a:fld>
             <a:endParaRPr lang="it-IT"/>
           </a:p>
@@ -819,7 +820,7 @@
           <a:p>
             <a:fld id="{63CABBC0-75E4-43BB-A6A6-84C2A96BDB82}" type="datetimeFigureOut">
               <a:rPr lang="it-IT" smtClean="0"/>
-              <a:t>27/12/2012</a:t>
+              <a:t>29/12/2012</a:t>
             </a:fld>
             <a:endParaRPr lang="it-IT"/>
           </a:p>
@@ -1009,7 +1010,7 @@
           <a:p>
             <a:fld id="{63CABBC0-75E4-43BB-A6A6-84C2A96BDB82}" type="datetimeFigureOut">
               <a:rPr lang="it-IT" smtClean="0"/>
-              <a:t>27/12/2012</a:t>
+              <a:t>29/12/2012</a:t>
             </a:fld>
             <a:endParaRPr lang="it-IT"/>
           </a:p>
@@ -1189,7 +1190,7 @@
           <a:p>
             <a:fld id="{63CABBC0-75E4-43BB-A6A6-84C2A96BDB82}" type="datetimeFigureOut">
               <a:rPr lang="it-IT" smtClean="0"/>
-              <a:t>27/12/2012</a:t>
+              <a:t>29/12/2012</a:t>
             </a:fld>
             <a:endParaRPr lang="it-IT"/>
           </a:p>
@@ -1430,7 +1431,7 @@
           <a:p>
             <a:fld id="{63CABBC0-75E4-43BB-A6A6-84C2A96BDB82}" type="datetimeFigureOut">
               <a:rPr lang="it-IT" smtClean="0"/>
-              <a:t>27/12/2012</a:t>
+              <a:t>29/12/2012</a:t>
             </a:fld>
             <a:endParaRPr lang="it-IT"/>
           </a:p>
@@ -1709,7 +1710,7 @@
           <a:p>
             <a:fld id="{63CABBC0-75E4-43BB-A6A6-84C2A96BDB82}" type="datetimeFigureOut">
               <a:rPr lang="it-IT" smtClean="0"/>
-              <a:t>27/12/2012</a:t>
+              <a:t>29/12/2012</a:t>
             </a:fld>
             <a:endParaRPr lang="it-IT"/>
           </a:p>
@@ -2098,7 +2099,7 @@
           <a:p>
             <a:fld id="{63CABBC0-75E4-43BB-A6A6-84C2A96BDB82}" type="datetimeFigureOut">
               <a:rPr lang="it-IT" smtClean="0"/>
-              <a:t>27/12/2012</a:t>
+              <a:t>29/12/2012</a:t>
             </a:fld>
             <a:endParaRPr lang="it-IT"/>
           </a:p>
@@ -2255,7 +2256,7 @@
           <a:p>
             <a:fld id="{63CABBC0-75E4-43BB-A6A6-84C2A96BDB82}" type="datetimeFigureOut">
               <a:rPr lang="it-IT" smtClean="0"/>
-              <a:t>27/12/2012</a:t>
+              <a:t>29/12/2012</a:t>
             </a:fld>
             <a:endParaRPr lang="it-IT"/>
           </a:p>
@@ -2352,7 +2353,7 @@
           <a:p>
             <a:fld id="{63CABBC0-75E4-43BB-A6A6-84C2A96BDB82}" type="datetimeFigureOut">
               <a:rPr lang="it-IT" smtClean="0"/>
-              <a:t>27/12/2012</a:t>
+              <a:t>29/12/2012</a:t>
             </a:fld>
             <a:endParaRPr lang="it-IT"/>
           </a:p>
@@ -2620,7 +2621,7 @@
           <a:p>
             <a:fld id="{63CABBC0-75E4-43BB-A6A6-84C2A96BDB82}" type="datetimeFigureOut">
               <a:rPr lang="it-IT" smtClean="0"/>
-              <a:t>27/12/2012</a:t>
+              <a:t>29/12/2012</a:t>
             </a:fld>
             <a:endParaRPr lang="it-IT"/>
           </a:p>
@@ -2915,7 +2916,7 @@
           <a:p>
             <a:fld id="{63CABBC0-75E4-43BB-A6A6-84C2A96BDB82}" type="datetimeFigureOut">
               <a:rPr lang="it-IT" smtClean="0"/>
-              <a:t>27/12/2012</a:t>
+              <a:t>29/12/2012</a:t>
             </a:fld>
             <a:endParaRPr lang="it-IT"/>
           </a:p>
@@ -3693,7 +3694,7 @@
           <a:p>
             <a:fld id="{63CABBC0-75E4-43BB-A6A6-84C2A96BDB82}" type="datetimeFigureOut">
               <a:rPr lang="it-IT" smtClean="0"/>
-              <a:t>27/12/2012</a:t>
+              <a:t>29/12/2012</a:t>
             </a:fld>
             <a:endParaRPr lang="it-IT"/>
           </a:p>
@@ -4657,14 +4658,14 @@
       </p:grpSpPr>
       <p:sp>
         <p:nvSpPr>
-          <p:cNvPr id="3" name="CasellaDiTesto 2"/>
+          <p:cNvPr id="2" name="CasellaDiTesto 1"/>
           <p:cNvSpPr txBox="1"/>
           <p:nvPr/>
         </p:nvSpPr>
         <p:spPr>
           <a:xfrm>
-            <a:off x="0" y="1052736"/>
-            <a:ext cx="9144000" cy="707886"/>
+            <a:off x="0" y="908720"/>
+            <a:ext cx="9144000" cy="984885"/>
           </a:xfrm>
           <a:prstGeom prst="rect">
             <a:avLst/>
@@ -4688,15 +4689,53 @@
             </a:r>
             <a:r>
               <a:rPr lang="it-IT" sz="4000" b="1" dirty="0" smtClean="0"/>
-              <a:t> 2</a:t>
-            </a:r>
-            <a:endParaRPr lang="it-IT" sz="4000" b="1" dirty="0"/>
+              <a:t> </a:t>
+            </a:r>
+            <a:r>
+              <a:rPr lang="it-IT" sz="4000" b="1" dirty="0" smtClean="0"/>
+              <a:t>1 – RAD 4.0</a:t>
+            </a:r>
+            <a:endParaRPr lang="it-IT" sz="4000" dirty="0"/>
+          </a:p>
+          <a:p>
+            <a:endParaRPr lang="it-IT" dirty="0"/>
+          </a:p>
+        </p:txBody>
+      </p:sp>
+      <p:sp>
+        <p:nvSpPr>
+          <p:cNvPr id="5" name="CasellaDiTesto 4"/>
+          <p:cNvSpPr txBox="1"/>
+          <p:nvPr/>
+        </p:nvSpPr>
+        <p:spPr>
+          <a:xfrm>
+            <a:off x="539552" y="5589240"/>
+            <a:ext cx="7848872" cy="369332"/>
+          </a:xfrm>
+          <a:prstGeom prst="rect">
+            <a:avLst/>
+          </a:prstGeom>
+          <a:noFill/>
+        </p:spPr>
+        <p:txBody>
+          <a:bodyPr wrap="square" rtlCol="0">
+            <a:spAutoFit/>
+          </a:bodyPr>
+          <a:lstStyle/>
+          <a:p>
+            <a:pPr algn="ctr"/>
+            <a:r>
+              <a:rPr lang="it-IT" dirty="0" err="1"/>
+              <a:t>UCD_Tirocinanti_Registro</a:t>
+            </a:r>
+            <a:endParaRPr lang="it-IT" dirty="0"/>
           </a:p>
         </p:txBody>
       </p:sp>
       <p:pic>
         <p:nvPicPr>
-          <p:cNvPr id="4" name="Immagine 3"/>
+          <p:cNvPr id="6" name="Immagine 5"/>
           <p:cNvPicPr>
             <a:picLocks noChangeAspect="1"/>
           </p:cNvPicPr>
@@ -4716,8 +4755,8 @@
         </p:blipFill>
         <p:spPr>
           <a:xfrm>
-            <a:off x="539552" y="1628801"/>
-            <a:ext cx="8278381" cy="4752528"/>
+            <a:off x="267639" y="1579568"/>
+            <a:ext cx="8392697" cy="4379004"/>
           </a:xfrm>
           <a:prstGeom prst="rect">
             <a:avLst/>
@@ -4726,14 +4765,14 @@
       </p:pic>
       <p:sp>
         <p:nvSpPr>
-          <p:cNvPr id="5" name="CasellaDiTesto 4"/>
+          <p:cNvPr id="7" name="CasellaDiTesto 6"/>
           <p:cNvSpPr txBox="1"/>
           <p:nvPr/>
         </p:nvSpPr>
         <p:spPr>
           <a:xfrm>
-            <a:off x="1475656" y="6165304"/>
-            <a:ext cx="6048672" cy="369332"/>
+            <a:off x="1547664" y="5958572"/>
+            <a:ext cx="5040560" cy="369332"/>
           </a:xfrm>
           <a:prstGeom prst="rect">
             <a:avLst/>
@@ -4753,16 +4792,15 @@
             </a:r>
             <a:r>
               <a:rPr lang="it-IT" dirty="0" smtClean="0"/>
-              <a:t> 2</a:t>
-            </a:r>
-            <a:endParaRPr lang="it-IT" dirty="0"/>
+              <a:t> 1</a:t>
+            </a:r>
           </a:p>
         </p:txBody>
       </p:sp>
     </p:spTree>
     <p:extLst>
       <p:ext uri="{BB962C8B-B14F-4D97-AF65-F5344CB8AC3E}">
-        <p14:creationId xmlns:p14="http://schemas.microsoft.com/office/powerpoint/2010/main" val="1376204328"/>
+        <p14:creationId xmlns:p14="http://schemas.microsoft.com/office/powerpoint/2010/main" val="247169405"/>
       </p:ext>
     </p:extLst>
   </p:cSld>
@@ -4798,13 +4836,13 @@
       </p:grpSpPr>
       <p:sp>
         <p:nvSpPr>
-          <p:cNvPr id="2" name="CasellaDiTesto 1"/>
+          <p:cNvPr id="3" name="CasellaDiTesto 2"/>
           <p:cNvSpPr txBox="1"/>
           <p:nvPr/>
         </p:nvSpPr>
         <p:spPr>
           <a:xfrm>
-            <a:off x="0" y="692696"/>
+            <a:off x="0" y="1052736"/>
             <a:ext cx="9144000" cy="707886"/>
           </a:xfrm>
           <a:prstGeom prst="rect">
@@ -4829,7 +4867,156 @@
             </a:r>
             <a:r>
               <a:rPr lang="it-IT" sz="4000" b="1" dirty="0" smtClean="0"/>
-              <a:t> 3</a:t>
+              <a:t> </a:t>
+            </a:r>
+            <a:r>
+              <a:rPr lang="it-IT" sz="4000" b="1" dirty="0" smtClean="0"/>
+              <a:t>2 – RAD 4.0</a:t>
+            </a:r>
+            <a:endParaRPr lang="it-IT" sz="4000" b="1" dirty="0"/>
+          </a:p>
+        </p:txBody>
+      </p:sp>
+      <p:pic>
+        <p:nvPicPr>
+          <p:cNvPr id="4" name="Immagine 3"/>
+          <p:cNvPicPr>
+            <a:picLocks noChangeAspect="1"/>
+          </p:cNvPicPr>
+          <p:nvPr/>
+        </p:nvPicPr>
+        <p:blipFill>
+          <a:blip r:embed="rId2">
+            <a:extLst>
+              <a:ext uri="{28A0092B-C50C-407E-A947-70E740481C1C}">
+                <a14:useLocalDpi xmlns:a14="http://schemas.microsoft.com/office/drawing/2010/main" val="0"/>
+              </a:ext>
+            </a:extLst>
+          </a:blip>
+          <a:stretch>
+            <a:fillRect/>
+          </a:stretch>
+        </p:blipFill>
+        <p:spPr>
+          <a:xfrm>
+            <a:off x="539552" y="1628801"/>
+            <a:ext cx="8278381" cy="4752528"/>
+          </a:xfrm>
+          <a:prstGeom prst="rect">
+            <a:avLst/>
+          </a:prstGeom>
+        </p:spPr>
+      </p:pic>
+      <p:sp>
+        <p:nvSpPr>
+          <p:cNvPr id="5" name="CasellaDiTesto 4"/>
+          <p:cNvSpPr txBox="1"/>
+          <p:nvPr/>
+        </p:nvSpPr>
+        <p:spPr>
+          <a:xfrm>
+            <a:off x="1475656" y="6165304"/>
+            <a:ext cx="6048672" cy="369332"/>
+          </a:xfrm>
+          <a:prstGeom prst="rect">
+            <a:avLst/>
+          </a:prstGeom>
+          <a:noFill/>
+        </p:spPr>
+        <p:txBody>
+          <a:bodyPr wrap="square" rtlCol="0">
+            <a:spAutoFit/>
+          </a:bodyPr>
+          <a:lstStyle/>
+          <a:p>
+            <a:pPr algn="ctr"/>
+            <a:r>
+              <a:rPr lang="it-IT" dirty="0" err="1" smtClean="0"/>
+              <a:t>UCD_Tirocinanti</a:t>
+            </a:r>
+            <a:r>
+              <a:rPr lang="it-IT" dirty="0" smtClean="0"/>
+              <a:t> 2</a:t>
+            </a:r>
+            <a:endParaRPr lang="it-IT" dirty="0"/>
+          </a:p>
+        </p:txBody>
+      </p:sp>
+    </p:spTree>
+    <p:extLst>
+      <p:ext uri="{BB962C8B-B14F-4D97-AF65-F5344CB8AC3E}">
+        <p14:creationId xmlns:p14="http://schemas.microsoft.com/office/powerpoint/2010/main" val="1376204328"/>
+      </p:ext>
+    </p:extLst>
+  </p:cSld>
+  <p:clrMapOvr>
+    <a:masterClrMapping/>
+  </p:clrMapOvr>
+  <p:timing>
+    <p:tnLst>
+      <p:par>
+        <p:cTn id="1" dur="indefinite" restart="never" nodeType="tmRoot"/>
+      </p:par>
+    </p:tnLst>
+  </p:timing>
+</p:sld>
+</file>
+
+<file path=ppt/slides/slide12.xml><?xml version="1.0" encoding="utf-8"?>
+<p:sld xmlns:a="http://schemas.openxmlformats.org/drawingml/2006/main" xmlns:r="http://schemas.openxmlformats.org/officeDocument/2006/relationships" xmlns:p="http://schemas.openxmlformats.org/presentationml/2006/main">
+  <p:cSld>
+    <p:spTree>
+      <p:nvGrpSpPr>
+        <p:cNvPr id="1" name=""/>
+        <p:cNvGrpSpPr/>
+        <p:nvPr/>
+      </p:nvGrpSpPr>
+      <p:grpSpPr>
+        <a:xfrm>
+          <a:off x="0" y="0"/>
+          <a:ext cx="0" cy="0"/>
+          <a:chOff x="0" y="0"/>
+          <a:chExt cx="0" cy="0"/>
+        </a:xfrm>
+      </p:grpSpPr>
+      <p:sp>
+        <p:nvSpPr>
+          <p:cNvPr id="2" name="CasellaDiTesto 1"/>
+          <p:cNvSpPr txBox="1"/>
+          <p:nvPr/>
+        </p:nvSpPr>
+        <p:spPr>
+          <a:xfrm>
+            <a:off x="0" y="692696"/>
+            <a:ext cx="9144000" cy="707886"/>
+          </a:xfrm>
+          <a:prstGeom prst="rect">
+            <a:avLst/>
+          </a:prstGeom>
+          <a:noFill/>
+        </p:spPr>
+        <p:txBody>
+          <a:bodyPr wrap="square" rtlCol="0">
+            <a:spAutoFit/>
+          </a:bodyPr>
+          <a:lstStyle/>
+          <a:p>
+            <a:pPr algn="ctr"/>
+            <a:r>
+              <a:rPr lang="it-IT" sz="4000" b="1" dirty="0" smtClean="0"/>
+              <a:t>Use Case </a:t>
+            </a:r>
+            <a:r>
+              <a:rPr lang="it-IT" sz="4000" b="1" dirty="0" err="1" smtClean="0"/>
+              <a:t>Diagram</a:t>
+            </a:r>
+            <a:r>
+              <a:rPr lang="it-IT" sz="4000" b="1" smtClean="0"/>
+              <a:t> </a:t>
+            </a:r>
+            <a:r>
+              <a:rPr lang="it-IT" sz="4000" b="1" smtClean="0"/>
+              <a:t>3 – RAD 4.0</a:t>
             </a:r>
             <a:endParaRPr lang="it-IT" sz="4000" b="1" dirty="0"/>
           </a:p>
@@ -4907,136 +5094,6 @@
     <p:extLst>
       <p:ext uri="{BB962C8B-B14F-4D97-AF65-F5344CB8AC3E}">
         <p14:creationId xmlns:p14="http://schemas.microsoft.com/office/powerpoint/2010/main" val="1545582615"/>
-      </p:ext>
-    </p:extLst>
-  </p:cSld>
-  <p:clrMapOvr>
-    <a:masterClrMapping/>
-  </p:clrMapOvr>
-</p:sld>
-</file>
-
-<file path=ppt/slides/slide12.xml><?xml version="1.0" encoding="utf-8"?>
-<p:sld xmlns:a="http://schemas.openxmlformats.org/drawingml/2006/main" xmlns:r="http://schemas.openxmlformats.org/officeDocument/2006/relationships" xmlns:p="http://schemas.openxmlformats.org/presentationml/2006/main">
-  <p:cSld>
-    <p:spTree>
-      <p:nvGrpSpPr>
-        <p:cNvPr id="1" name=""/>
-        <p:cNvGrpSpPr/>
-        <p:nvPr/>
-      </p:nvGrpSpPr>
-      <p:grpSpPr>
-        <a:xfrm>
-          <a:off x="0" y="0"/>
-          <a:ext cx="0" cy="0"/>
-          <a:chOff x="0" y="0"/>
-          <a:chExt cx="0" cy="0"/>
-        </a:xfrm>
-      </p:grpSpPr>
-      <p:sp>
-        <p:nvSpPr>
-          <p:cNvPr id="2" name="CasellaDiTesto 1"/>
-          <p:cNvSpPr txBox="1"/>
-          <p:nvPr/>
-        </p:nvSpPr>
-        <p:spPr>
-          <a:xfrm>
-            <a:off x="0" y="764704"/>
-            <a:ext cx="9144000" cy="707886"/>
-          </a:xfrm>
-          <a:prstGeom prst="rect">
-            <a:avLst/>
-          </a:prstGeom>
-          <a:noFill/>
-        </p:spPr>
-        <p:txBody>
-          <a:bodyPr wrap="square" rtlCol="0">
-            <a:spAutoFit/>
-          </a:bodyPr>
-          <a:lstStyle/>
-          <a:p>
-            <a:pPr algn="ctr"/>
-            <a:r>
-              <a:rPr lang="it-IT" sz="4000" b="1" dirty="0" err="1" smtClean="0"/>
-              <a:t>Sequence</a:t>
-            </a:r>
-            <a:r>
-              <a:rPr lang="it-IT" sz="4000" b="1" dirty="0" smtClean="0"/>
-              <a:t> </a:t>
-            </a:r>
-            <a:r>
-              <a:rPr lang="it-IT" sz="4000" b="1" dirty="0" err="1" smtClean="0"/>
-              <a:t>Diagram</a:t>
-            </a:r>
-            <a:endParaRPr lang="it-IT" sz="4000" b="1" dirty="0"/>
-          </a:p>
-        </p:txBody>
-      </p:sp>
-      <p:pic>
-        <p:nvPicPr>
-          <p:cNvPr id="3" name="Immagine 2"/>
-          <p:cNvPicPr>
-            <a:picLocks noChangeAspect="1"/>
-          </p:cNvPicPr>
-          <p:nvPr/>
-        </p:nvPicPr>
-        <p:blipFill>
-          <a:blip r:embed="rId2">
-            <a:extLst>
-              <a:ext uri="{28A0092B-C50C-407E-A947-70E740481C1C}">
-                <a14:useLocalDpi xmlns:a14="http://schemas.microsoft.com/office/drawing/2010/main" val="0"/>
-              </a:ext>
-            </a:extLst>
-          </a:blip>
-          <a:stretch>
-            <a:fillRect/>
-          </a:stretch>
-        </p:blipFill>
-        <p:spPr>
-          <a:xfrm>
-            <a:off x="1032967" y="1472590"/>
-            <a:ext cx="7078063" cy="4692714"/>
-          </a:xfrm>
-          <a:prstGeom prst="rect">
-            <a:avLst/>
-          </a:prstGeom>
-        </p:spPr>
-      </p:pic>
-      <p:sp>
-        <p:nvSpPr>
-          <p:cNvPr id="4" name="CasellaDiTesto 3"/>
-          <p:cNvSpPr txBox="1"/>
-          <p:nvPr/>
-        </p:nvSpPr>
-        <p:spPr>
-          <a:xfrm>
-            <a:off x="755576" y="6165304"/>
-            <a:ext cx="7632848" cy="369332"/>
-          </a:xfrm>
-          <a:prstGeom prst="rect">
-            <a:avLst/>
-          </a:prstGeom>
-          <a:noFill/>
-        </p:spPr>
-        <p:txBody>
-          <a:bodyPr wrap="square" rtlCol="0">
-            <a:spAutoFit/>
-          </a:bodyPr>
-          <a:lstStyle/>
-          <a:p>
-            <a:pPr algn="ctr"/>
-            <a:r>
-              <a:rPr lang="it-IT" dirty="0" err="1" smtClean="0"/>
-              <a:t>SD_Tirocinanti</a:t>
-            </a:r>
-            <a:endParaRPr lang="it-IT" dirty="0"/>
-          </a:p>
-        </p:txBody>
-      </p:sp>
-    </p:spTree>
-    <p:extLst>
-      <p:ext uri="{BB962C8B-B14F-4D97-AF65-F5344CB8AC3E}">
-        <p14:creationId xmlns:p14="http://schemas.microsoft.com/office/powerpoint/2010/main" val="2535709406"/>
       </p:ext>
     </p:extLst>
   </p:cSld>
@@ -5071,8 +5128,8 @@
         </p:nvSpPr>
         <p:spPr>
           <a:xfrm>
-            <a:off x="6540" y="692696"/>
-            <a:ext cx="9144000" cy="646331"/>
+            <a:off x="0" y="764704"/>
+            <a:ext cx="9144000" cy="707886"/>
           </a:xfrm>
           <a:prstGeom prst="rect">
             <a:avLst/>
@@ -5087,23 +5144,61 @@
           <a:p>
             <a:pPr algn="ctr"/>
             <a:r>
-              <a:rPr lang="it-IT" sz="3600" b="1" dirty="0" smtClean="0"/>
-              <a:t>Problemi riscontrati nella stesura del RAD</a:t>
-            </a:r>
-            <a:endParaRPr lang="it-IT" sz="3600" b="1" dirty="0"/>
-          </a:p>
-        </p:txBody>
-      </p:sp>
-      <p:sp>
-        <p:nvSpPr>
-          <p:cNvPr id="3" name="CasellaDiTesto 2"/>
+              <a:rPr lang="it-IT" sz="4000" b="1" dirty="0" err="1" smtClean="0"/>
+              <a:t>Sequence</a:t>
+            </a:r>
+            <a:r>
+              <a:rPr lang="it-IT" sz="4000" b="1" dirty="0" smtClean="0"/>
+              <a:t> </a:t>
+            </a:r>
+            <a:r>
+              <a:rPr lang="it-IT" sz="4000" b="1" dirty="0" err="1" smtClean="0"/>
+              <a:t>Diagram</a:t>
+            </a:r>
+            <a:endParaRPr lang="it-IT" sz="4000" b="1" dirty="0"/>
+          </a:p>
+        </p:txBody>
+      </p:sp>
+      <p:pic>
+        <p:nvPicPr>
+          <p:cNvPr id="3" name="Immagine 2"/>
+          <p:cNvPicPr>
+            <a:picLocks noChangeAspect="1"/>
+          </p:cNvPicPr>
+          <p:nvPr/>
+        </p:nvPicPr>
+        <p:blipFill>
+          <a:blip r:embed="rId2">
+            <a:extLst>
+              <a:ext uri="{28A0092B-C50C-407E-A947-70E740481C1C}">
+                <a14:useLocalDpi xmlns:a14="http://schemas.microsoft.com/office/drawing/2010/main" val="0"/>
+              </a:ext>
+            </a:extLst>
+          </a:blip>
+          <a:stretch>
+            <a:fillRect/>
+          </a:stretch>
+        </p:blipFill>
+        <p:spPr>
+          <a:xfrm>
+            <a:off x="1032967" y="1472590"/>
+            <a:ext cx="7078063" cy="4692714"/>
+          </a:xfrm>
+          <a:prstGeom prst="rect">
+            <a:avLst/>
+          </a:prstGeom>
+        </p:spPr>
+      </p:pic>
+      <p:sp>
+        <p:nvSpPr>
+          <p:cNvPr id="4" name="CasellaDiTesto 3"/>
           <p:cNvSpPr txBox="1"/>
           <p:nvPr/>
         </p:nvSpPr>
         <p:spPr>
           <a:xfrm>
-            <a:off x="0" y="1700808"/>
-            <a:ext cx="9144000" cy="3785652"/>
+            <a:off x="755576" y="6165304"/>
+            <a:ext cx="7632848" cy="369332"/>
           </a:xfrm>
           <a:prstGeom prst="rect">
             <a:avLst/>
@@ -5116,80 +5211,19 @@
           </a:bodyPr>
           <a:lstStyle/>
           <a:p>
-            <a:r>
-              <a:rPr lang="it-IT" sz="2400" dirty="0" smtClean="0">
-                <a:solidFill>
-                  <a:srgbClr val="FF0000"/>
-                </a:solidFill>
-              </a:rPr>
-              <a:t>Contro</a:t>
-            </a:r>
-          </a:p>
-          <a:p>
-            <a:r>
-              <a:rPr lang="it-IT" sz="2400" dirty="0" smtClean="0"/>
-              <a:t>Come detto già in precedenza in una diapositiva, un problema che abbiamo riscontrato nella stesura del RAD, è stato quello dei tirocinanti.</a:t>
-            </a:r>
-          </a:p>
-          <a:p>
-            <a:r>
-              <a:rPr lang="it-IT" sz="2400" dirty="0" smtClean="0"/>
-              <a:t>In corso d’opera quando abbiamo appreso meglio tutti i requisiti riguardanti i tirocinanti, abbiamo dovuto modificare tutto quello che avevamo fatto in precedenza.  Aggiungere altri </a:t>
-            </a:r>
-            <a:r>
-              <a:rPr lang="it-IT" sz="2400" u="sng" dirty="0" smtClean="0"/>
-              <a:t>casi d’uso</a:t>
-            </a:r>
-            <a:r>
-              <a:rPr lang="it-IT" sz="2400" dirty="0" smtClean="0"/>
-              <a:t>, modificare i </a:t>
-            </a:r>
-            <a:r>
-              <a:rPr lang="it-IT" sz="2400" u="sng" dirty="0" smtClean="0"/>
-              <a:t>requisiti</a:t>
-            </a:r>
-            <a:r>
-              <a:rPr lang="it-IT" sz="2400" dirty="0" smtClean="0"/>
-              <a:t> esistenti, aggiornare gli </a:t>
-            </a:r>
-            <a:r>
-              <a:rPr lang="it-IT" sz="2400" u="sng" dirty="0" smtClean="0"/>
-              <a:t>use case </a:t>
-            </a:r>
-            <a:r>
-              <a:rPr lang="it-IT" sz="2400" u="sng" dirty="0" err="1" smtClean="0"/>
-              <a:t>diagram</a:t>
-            </a:r>
-            <a:r>
-              <a:rPr lang="it-IT" sz="2400" u="sng" dirty="0" smtClean="0"/>
-              <a:t> </a:t>
-            </a:r>
-            <a:r>
-              <a:rPr lang="it-IT" sz="2400" dirty="0" smtClean="0"/>
-              <a:t>e </a:t>
-            </a:r>
-            <a:r>
-              <a:rPr lang="it-IT" sz="2400" u="sng" dirty="0" err="1" smtClean="0"/>
-              <a:t>sequence</a:t>
-            </a:r>
-            <a:r>
-              <a:rPr lang="it-IT" sz="2400" dirty="0" smtClean="0"/>
-              <a:t>. Tutto questo ha richiesto un maggior impegno che all’inizio non era stato programmato.</a:t>
-            </a:r>
-          </a:p>
-          <a:p>
-            <a:r>
-              <a:rPr lang="it-IT" sz="2400" dirty="0" smtClean="0"/>
-              <a:t> </a:t>
-            </a:r>
-            <a:endParaRPr lang="it-IT" sz="2400" dirty="0"/>
+            <a:pPr algn="ctr"/>
+            <a:r>
+              <a:rPr lang="it-IT" dirty="0" err="1" smtClean="0"/>
+              <a:t>SD_Tirocinanti</a:t>
+            </a:r>
+            <a:endParaRPr lang="it-IT" dirty="0"/>
           </a:p>
         </p:txBody>
       </p:sp>
     </p:spTree>
     <p:extLst>
       <p:ext uri="{BB962C8B-B14F-4D97-AF65-F5344CB8AC3E}">
-        <p14:creationId xmlns:p14="http://schemas.microsoft.com/office/powerpoint/2010/main" val="2176004432"/>
+        <p14:creationId xmlns:p14="http://schemas.microsoft.com/office/powerpoint/2010/main" val="2535709406"/>
       </p:ext>
     </p:extLst>
   </p:cSld>
@@ -5218,14 +5252,14 @@
       </p:grpSpPr>
       <p:sp>
         <p:nvSpPr>
-          <p:cNvPr id="3" name="CasellaDiTesto 2"/>
+          <p:cNvPr id="2" name="CasellaDiTesto 1"/>
           <p:cNvSpPr txBox="1"/>
           <p:nvPr/>
         </p:nvSpPr>
         <p:spPr>
           <a:xfrm>
-            <a:off x="0" y="692696"/>
-            <a:ext cx="9144000" cy="707886"/>
+            <a:off x="6540" y="692696"/>
+            <a:ext cx="9144000" cy="646331"/>
           </a:xfrm>
           <a:prstGeom prst="rect">
             <a:avLst/>
@@ -5240,10 +5274,162 @@
           <a:p>
             <a:pPr algn="ctr"/>
             <a:r>
+              <a:rPr lang="it-IT" sz="3600" b="1" dirty="0" smtClean="0"/>
+              <a:t>Problemi riscontrati nella stesura del RAD</a:t>
+            </a:r>
+            <a:endParaRPr lang="it-IT" sz="3600" b="1" dirty="0"/>
+          </a:p>
+        </p:txBody>
+      </p:sp>
+      <p:sp>
+        <p:nvSpPr>
+          <p:cNvPr id="3" name="CasellaDiTesto 2"/>
+          <p:cNvSpPr txBox="1"/>
+          <p:nvPr/>
+        </p:nvSpPr>
+        <p:spPr>
+          <a:xfrm>
+            <a:off x="0" y="1700808"/>
+            <a:ext cx="9144000" cy="3785652"/>
+          </a:xfrm>
+          <a:prstGeom prst="rect">
+            <a:avLst/>
+          </a:prstGeom>
+          <a:noFill/>
+        </p:spPr>
+        <p:txBody>
+          <a:bodyPr wrap="square" rtlCol="0">
+            <a:spAutoFit/>
+          </a:bodyPr>
+          <a:lstStyle/>
+          <a:p>
+            <a:r>
+              <a:rPr lang="it-IT" sz="2400" dirty="0" smtClean="0">
+                <a:solidFill>
+                  <a:srgbClr val="FF0000"/>
+                </a:solidFill>
+              </a:rPr>
+              <a:t>Contro</a:t>
+            </a:r>
+          </a:p>
+          <a:p>
+            <a:r>
+              <a:rPr lang="it-IT" sz="2400" dirty="0" smtClean="0"/>
+              <a:t>Come detto già in precedenza in una diapositiva, un problema che abbiamo riscontrato nella stesura del RAD, è stato quello dei tirocinanti.</a:t>
+            </a:r>
+          </a:p>
+          <a:p>
+            <a:r>
+              <a:rPr lang="it-IT" sz="2400" dirty="0" smtClean="0"/>
+              <a:t>In corso d’opera quando abbiamo appreso meglio tutti i requisiti riguardanti i tirocinanti, abbiamo dovuto modificare tutto quello che avevamo fatto in precedenza.  Aggiungere altri </a:t>
+            </a:r>
+            <a:r>
+              <a:rPr lang="it-IT" sz="2400" u="sng" dirty="0" smtClean="0"/>
+              <a:t>casi d’uso</a:t>
+            </a:r>
+            <a:r>
+              <a:rPr lang="it-IT" sz="2400" dirty="0" smtClean="0"/>
+              <a:t>, modificare i </a:t>
+            </a:r>
+            <a:r>
+              <a:rPr lang="it-IT" sz="2400" u="sng" dirty="0" smtClean="0"/>
+              <a:t>requisiti</a:t>
+            </a:r>
+            <a:r>
+              <a:rPr lang="it-IT" sz="2400" dirty="0" smtClean="0"/>
+              <a:t> esistenti, aggiornare gli </a:t>
+            </a:r>
+            <a:r>
+              <a:rPr lang="it-IT" sz="2400" u="sng" dirty="0" smtClean="0"/>
+              <a:t>use case </a:t>
+            </a:r>
+            <a:r>
+              <a:rPr lang="it-IT" sz="2400" u="sng" dirty="0" err="1" smtClean="0"/>
+              <a:t>diagram</a:t>
+            </a:r>
+            <a:r>
+              <a:rPr lang="it-IT" sz="2400" u="sng" dirty="0" smtClean="0"/>
+              <a:t> </a:t>
+            </a:r>
+            <a:r>
+              <a:rPr lang="it-IT" sz="2400" dirty="0" smtClean="0"/>
+              <a:t>e </a:t>
+            </a:r>
+            <a:r>
+              <a:rPr lang="it-IT" sz="2400" u="sng" dirty="0" err="1" smtClean="0"/>
+              <a:t>sequence</a:t>
+            </a:r>
+            <a:r>
+              <a:rPr lang="it-IT" sz="2400" dirty="0" smtClean="0"/>
+              <a:t>. Tutto questo ha richiesto un maggior impegno che all’inizio non era stato programmato.</a:t>
+            </a:r>
+          </a:p>
+          <a:p>
+            <a:r>
+              <a:rPr lang="it-IT" sz="2400" dirty="0" smtClean="0"/>
+              <a:t> </a:t>
+            </a:r>
+            <a:endParaRPr lang="it-IT" sz="2400" dirty="0"/>
+          </a:p>
+        </p:txBody>
+      </p:sp>
+    </p:spTree>
+    <p:extLst>
+      <p:ext uri="{BB962C8B-B14F-4D97-AF65-F5344CB8AC3E}">
+        <p14:creationId xmlns:p14="http://schemas.microsoft.com/office/powerpoint/2010/main" val="2176004432"/>
+      </p:ext>
+    </p:extLst>
+  </p:cSld>
+  <p:clrMapOvr>
+    <a:masterClrMapping/>
+  </p:clrMapOvr>
+</p:sld>
+</file>
+
+<file path=ppt/slides/slide15.xml><?xml version="1.0" encoding="utf-8"?>
+<p:sld xmlns:a="http://schemas.openxmlformats.org/drawingml/2006/main" xmlns:r="http://schemas.openxmlformats.org/officeDocument/2006/relationships" xmlns:p="http://schemas.openxmlformats.org/presentationml/2006/main">
+  <p:cSld>
+    <p:spTree>
+      <p:nvGrpSpPr>
+        <p:cNvPr id="1" name=""/>
+        <p:cNvGrpSpPr/>
+        <p:nvPr/>
+      </p:nvGrpSpPr>
+      <p:grpSpPr>
+        <a:xfrm>
+          <a:off x="0" y="0"/>
+          <a:ext cx="0" cy="0"/>
+          <a:chOff x="0" y="0"/>
+          <a:chExt cx="0" cy="0"/>
+        </a:xfrm>
+      </p:grpSpPr>
+      <p:sp>
+        <p:nvSpPr>
+          <p:cNvPr id="3" name="CasellaDiTesto 2"/>
+          <p:cNvSpPr txBox="1"/>
+          <p:nvPr/>
+        </p:nvSpPr>
+        <p:spPr>
+          <a:xfrm>
+            <a:off x="0" y="692696"/>
+            <a:ext cx="9144000" cy="707886"/>
+          </a:xfrm>
+          <a:prstGeom prst="rect">
+            <a:avLst/>
+          </a:prstGeom>
+          <a:noFill/>
+        </p:spPr>
+        <p:txBody>
+          <a:bodyPr wrap="square" rtlCol="0">
+            <a:spAutoFit/>
+          </a:bodyPr>
+          <a:lstStyle/>
+          <a:p>
+            <a:pPr algn="ctr"/>
+            <a:r>
               <a:rPr lang="it-IT" sz="4000" b="1" dirty="0" smtClean="0"/>
               <a:t>  Conclusioni</a:t>
             </a:r>
-            <a:endParaRPr lang="it-IT" sz="4000" b="1" dirty="0" smtClean="0"/>
           </a:p>
         </p:txBody>
       </p:sp>
@@ -5465,7 +5651,7 @@
 </p:sld>
 </file>
 
-<file path=ppt/slides/slide15.xml><?xml version="1.0" encoding="utf-8"?>
+<file path=ppt/slides/slide16.xml><?xml version="1.0" encoding="utf-8"?>
 <p:sld xmlns:a="http://schemas.openxmlformats.org/drawingml/2006/main" xmlns:r="http://schemas.openxmlformats.org/officeDocument/2006/relationships" xmlns:p="http://schemas.openxmlformats.org/presentationml/2006/main">
   <p:cSld>
     <p:spTree>
@@ -6908,8 +7094,8 @@
         </p:nvSpPr>
         <p:spPr>
           <a:xfrm>
-            <a:off x="0" y="908720"/>
-            <a:ext cx="9144000" cy="984885"/>
+            <a:off x="0" y="548680"/>
+            <a:ext cx="9144000" cy="646331"/>
           </a:xfrm>
           <a:prstGeom prst="rect">
             <a:avLst/>
@@ -6924,58 +7110,24 @@
           <a:p>
             <a:pPr algn="ctr"/>
             <a:r>
-              <a:rPr lang="it-IT" sz="4000" b="1" dirty="0" smtClean="0"/>
+              <a:rPr lang="it-IT" sz="3600" b="1" dirty="0" smtClean="0"/>
               <a:t>Use Case </a:t>
             </a:r>
             <a:r>
-              <a:rPr lang="it-IT" sz="4000" b="1" dirty="0" err="1" smtClean="0"/>
+              <a:rPr lang="it-IT" sz="3600" b="1" dirty="0" err="1" smtClean="0"/>
               <a:t>Diagram</a:t>
             </a:r>
             <a:r>
-              <a:rPr lang="it-IT" sz="4000" b="1" dirty="0" smtClean="0"/>
-              <a:t> 1</a:t>
-            </a:r>
-            <a:endParaRPr lang="it-IT" sz="4000" dirty="0"/>
-          </a:p>
-          <a:p>
-            <a:endParaRPr lang="it-IT" dirty="0"/>
-          </a:p>
-        </p:txBody>
-      </p:sp>
-      <p:sp>
-        <p:nvSpPr>
-          <p:cNvPr id="5" name="CasellaDiTesto 4"/>
-          <p:cNvSpPr txBox="1"/>
-          <p:nvPr/>
-        </p:nvSpPr>
-        <p:spPr>
-          <a:xfrm>
-            <a:off x="539552" y="5589240"/>
-            <a:ext cx="7848872" cy="369332"/>
-          </a:xfrm>
-          <a:prstGeom prst="rect">
-            <a:avLst/>
-          </a:prstGeom>
-          <a:noFill/>
-        </p:spPr>
-        <p:txBody>
-          <a:bodyPr wrap="square" rtlCol="0">
-            <a:spAutoFit/>
-          </a:bodyPr>
-          <a:lstStyle/>
-          <a:p>
-            <a:pPr algn="ctr"/>
-            <a:r>
-              <a:rPr lang="it-IT" dirty="0" err="1"/>
-              <a:t>UCD_Tirocinanti_Registro</a:t>
-            </a:r>
-            <a:endParaRPr lang="it-IT" dirty="0"/>
+              <a:rPr lang="it-IT" sz="3600" b="1" dirty="0" smtClean="0"/>
+              <a:t> - RAD 1</a:t>
+            </a:r>
+            <a:endParaRPr lang="it-IT" sz="3600" b="1" dirty="0"/>
           </a:p>
         </p:txBody>
       </p:sp>
       <p:pic>
         <p:nvPicPr>
-          <p:cNvPr id="6" name="Immagine 5"/>
+          <p:cNvPr id="3" name="Immagine 2"/>
           <p:cNvPicPr>
             <a:picLocks noChangeAspect="1"/>
           </p:cNvPicPr>
@@ -6995,8 +7147,8 @@
         </p:blipFill>
         <p:spPr>
           <a:xfrm>
-            <a:off x="267639" y="1579568"/>
-            <a:ext cx="8392697" cy="4379004"/>
+            <a:off x="1125828" y="1481394"/>
+            <a:ext cx="6954221" cy="4020111"/>
           </a:xfrm>
           <a:prstGeom prst="rect">
             <a:avLst/>
@@ -7005,14 +7157,14 @@
       </p:pic>
       <p:sp>
         <p:nvSpPr>
-          <p:cNvPr id="7" name="CasellaDiTesto 6"/>
+          <p:cNvPr id="5" name="CasellaDiTesto 4"/>
           <p:cNvSpPr txBox="1"/>
           <p:nvPr/>
         </p:nvSpPr>
         <p:spPr>
           <a:xfrm>
-            <a:off x="1547664" y="5958572"/>
-            <a:ext cx="5040560" cy="369332"/>
+            <a:off x="2555776" y="5085184"/>
+            <a:ext cx="3600400" cy="369332"/>
           </a:xfrm>
           <a:prstGeom prst="rect">
             <a:avLst/>
@@ -7034,26 +7186,20 @@
               <a:rPr lang="it-IT" dirty="0" smtClean="0"/>
               <a:t> 1</a:t>
             </a:r>
+            <a:endParaRPr lang="it-IT" dirty="0"/>
           </a:p>
         </p:txBody>
       </p:sp>
     </p:spTree>
     <p:extLst>
       <p:ext uri="{BB962C8B-B14F-4D97-AF65-F5344CB8AC3E}">
-        <p14:creationId xmlns:p14="http://schemas.microsoft.com/office/powerpoint/2010/main" val="247169405"/>
+        <p14:creationId xmlns:p14="http://schemas.microsoft.com/office/powerpoint/2010/main" val="422123805"/>
       </p:ext>
     </p:extLst>
   </p:cSld>
   <p:clrMapOvr>
     <a:masterClrMapping/>
   </p:clrMapOvr>
-  <p:timing>
-    <p:tnLst>
-      <p:par>
-        <p:cTn id="1" dur="indefinite" restart="never" nodeType="tmRoot"/>
-      </p:par>
-    </p:tnLst>
-  </p:timing>
 </p:sld>
 </file>
 

--- a/trunk/Presentazione/Atsilo2/Durante/Atsilo_M_PresentazioneFinale.pptx
+++ b/trunk/Presentazione/Atsilo2/Durante/Atsilo_M_PresentazioneFinale.pptx
@@ -125,6 +125,83 @@
 </p:presentation>
 </file>
 
+<file path=ppt/commentAuthors.xml><?xml version="1.0" encoding="utf-8"?>
+<p:cmAuthorLst xmlns:a="http://schemas.openxmlformats.org/drawingml/2006/main" xmlns:r="http://schemas.openxmlformats.org/officeDocument/2006/relationships" xmlns:p="http://schemas.openxmlformats.org/presentationml/2006/main">
+  <p:cmAuthor id="0" name="Giulio" initials="GF" lastIdx="10" clrIdx="0"/>
+</p:cmAuthorLst>
+</file>
+
+<file path=ppt/comments/comment1.xml><?xml version="1.0" encoding="utf-8"?>
+<p:cmLst xmlns:a="http://schemas.openxmlformats.org/drawingml/2006/main" xmlns:r="http://schemas.openxmlformats.org/officeDocument/2006/relationships" xmlns:p="http://schemas.openxmlformats.org/presentationml/2006/main">
+  <p:cm authorId="0" dt="2012-12-30T13:42:20.156" idx="1">
+    <p:pos x="1265" y="2365"/>
+    <p:text>Degli attori del nostro sottosistema dovrebbe parlare già Luigi.
+Ad ogni modo, se possibile, usa una nuova immagine, con solo gli attori nostri. Questa qui è poco leggibile.</p:text>
+  </p:cm>
+</p:cmLst>
+</file>
+
+<file path=ppt/comments/comment2.xml><?xml version="1.0" encoding="utf-8"?>
+<p:cmLst xmlns:a="http://schemas.openxmlformats.org/drawingml/2006/main" xmlns:r="http://schemas.openxmlformats.org/officeDocument/2006/relationships" xmlns:p="http://schemas.openxmlformats.org/presentationml/2006/main">
+  <p:cm authorId="0" dt="2012-12-30T13:43:47.113" idx="2">
+    <p:pos x="10" y="10"/>
+    <p:text>Cerca di partire subito con un confronto diretto sui diagrammi dei casi d'uso, e poi passi al confronto sui casi d'uso veri e propri.</p:text>
+  </p:cm>
+</p:cmLst>
+</file>
+
+<file path=ppt/comments/comment3.xml><?xml version="1.0" encoding="utf-8"?>
+<p:cmLst xmlns:a="http://schemas.openxmlformats.org/drawingml/2006/main" xmlns:r="http://schemas.openxmlformats.org/officeDocument/2006/relationships" xmlns:p="http://schemas.openxmlformats.org/presentationml/2006/main">
+  <p:cm authorId="0" dt="2012-12-30T13:46:31.672" idx="3">
+    <p:pos x="10" y="10"/>
+    <p:text>E' buona l'idea di illustrare in pratica le funzionalità, però forse sarebbe più interessante se ci affiancassi i mockup, un sequence o anche la grafica finale.
+Inoltre, potresti far vedere a confronto due casi d'uso simili, prima e dopo.</p:text>
+  </p:cm>
+</p:cmLst>
+</file>
+
+<file path=ppt/comments/comment4.xml><?xml version="1.0" encoding="utf-8"?>
+<p:cmLst xmlns:a="http://schemas.openxmlformats.org/drawingml/2006/main" xmlns:r="http://schemas.openxmlformats.org/officeDocument/2006/relationships" xmlns:p="http://schemas.openxmlformats.org/presentationml/2006/main">
+  <p:cm authorId="0" dt="2012-12-30T13:48:06.710" idx="4">
+    <p:pos x="10" y="10"/>
+    <p:text>Dovresti scrivere, da qualche parte sulla slide, le informazioni di tracciabilità. Più in generale, questa slide dovrebbe stare vicino al caso d'uso o ai casi d'uso che rappresenta.</p:text>
+  </p:cm>
+</p:cmLst>
+</file>
+
+<file path=ppt/comments/comment5.xml><?xml version="1.0" encoding="utf-8"?>
+<p:cmLst xmlns:a="http://schemas.openxmlformats.org/drawingml/2006/main" xmlns:r="http://schemas.openxmlformats.org/officeDocument/2006/relationships" xmlns:p="http://schemas.openxmlformats.org/presentationml/2006/main">
+  <p:cm authorId="0" dt="2012-12-30T13:51:38.820" idx="6">
+    <p:pos x="2906" y="1909"/>
+    <p:text>Credo che qui dovresti esprimere le cose in un modo diverso. Fatto così, dici tutto e non dici niente...
+E' chiaro che è mancato il tempo, però forse dovresti includere qualche suggerimento su come si sarebbe potuto fare qualcosa di diverso.</p:text>
+  </p:cm>
+  <p:cm authorId="0" dt="2012-12-30T13:51:54.457" idx="7">
+    <p:pos x="10" y="10"/>
+    <p:text>Controlla la grammatica qui.
+La prof non te lo dice, ma ci fa caso.</p:text>
+  </p:cm>
+</p:cmLst>
+</file>
+
+<file path=ppt/comments/comment6.xml><?xml version="1.0" encoding="utf-8"?>
+<p:cmLst xmlns:a="http://schemas.openxmlformats.org/drawingml/2006/main" xmlns:r="http://schemas.openxmlformats.org/officeDocument/2006/relationships" xmlns:p="http://schemas.openxmlformats.org/presentationml/2006/main">
+  <p:cm authorId="0" dt="2012-12-30T13:52:24.075" idx="8">
+    <p:pos x="3662" y="1367"/>
+    <p:text>In realtà qui i Kids fanno meglio</p:text>
+  </p:cm>
+  <p:cm authorId="0" dt="2012-12-30T13:53:29.020" idx="9">
+    <p:pos x="5545" y="1883"/>
+    <p:text>Magari, potresti fare qualche slide, per giustificare questa affermazione, in cui fai vedere le checklist e i fogli di V&amp;V con relativi errori, e come questi errori sono stati corretti.</p:text>
+  </p:cm>
+  <p:cm authorId="0" dt="2012-12-30T13:55:16.680" idx="10">
+    <p:pos x="4969" y="2227"/>
+    <p:text>Anche qui, dovresti motivare la tua affermazione con qualche slide precedente, in cui fai vedere in pratica come questo si realizza.
+Se fai vedere la grafica finale, preparati anche alla domanda: "Non sarebbe stato meglio suddividere le funzionalità in categorie ed espanderle mano a mano? Come avete fatto voi può creare confusione, perché c'è un menù molto lungo"</p:text>
+  </p:cm>
+</p:cmLst>
+</file>
+
 <file path=ppt/notesMasters/notesMaster1.xml><?xml version="1.0" encoding="utf-8"?>
 <p:notesMaster xmlns:a="http://schemas.openxmlformats.org/drawingml/2006/main" xmlns:r="http://schemas.openxmlformats.org/officeDocument/2006/relationships" xmlns:p="http://schemas.openxmlformats.org/presentationml/2006/main">
   <p:cSld>
@@ -207,7 +284,8 @@
           <a:p>
             <a:fld id="{38D78F4D-402C-46E0-A4BB-DF91EA86B14C}" type="datetimeFigureOut">
               <a:rPr lang="it-IT" smtClean="0"/>
-              <a:t>29/12/2012</a:t>
+              <a:pPr/>
+              <a:t>30/12/2012</a:t>
             </a:fld>
             <a:endParaRPr lang="it-IT"/>
           </a:p>
@@ -366,6 +444,7 @@
           <a:p>
             <a:fld id="{D70604CA-7593-4640-8FA1-5523937B8510}" type="slidenum">
               <a:rPr lang="it-IT" smtClean="0"/>
+              <a:pPr/>
               <a:t>‹N›</a:t>
             </a:fld>
             <a:endParaRPr lang="it-IT"/>
@@ -375,7 +454,7 @@
     </p:spTree>
     <p:extLst>
       <p:ext uri="{BB962C8B-B14F-4D97-AF65-F5344CB8AC3E}">
-        <p14:creationId xmlns:p14="http://schemas.microsoft.com/office/powerpoint/2010/main" val="2126419590"/>
+        <p14:creationId xmlns:p14="http://schemas.microsoft.com/office/powerpoint/2010/main" xmlns="" val="2126419590"/>
       </p:ext>
     </p:extLst>
   </p:cSld>
@@ -640,7 +719,8 @@
           <a:p>
             <a:fld id="{63CABBC0-75E4-43BB-A6A6-84C2A96BDB82}" type="datetimeFigureOut">
               <a:rPr lang="it-IT" smtClean="0"/>
-              <a:t>29/12/2012</a:t>
+              <a:pPr/>
+              <a:t>30/12/2012</a:t>
             </a:fld>
             <a:endParaRPr lang="it-IT"/>
           </a:p>
@@ -682,6 +762,7 @@
           <a:p>
             <a:fld id="{F89AEA99-3E91-4C58-9AD4-045DB5619AC3}" type="slidenum">
               <a:rPr lang="it-IT" smtClean="0"/>
+              <a:pPr/>
               <a:t>‹N›</a:t>
             </a:fld>
             <a:endParaRPr lang="it-IT"/>
@@ -820,7 +901,8 @@
           <a:p>
             <a:fld id="{63CABBC0-75E4-43BB-A6A6-84C2A96BDB82}" type="datetimeFigureOut">
               <a:rPr lang="it-IT" smtClean="0"/>
-              <a:t>29/12/2012</a:t>
+              <a:pPr/>
+              <a:t>30/12/2012</a:t>
             </a:fld>
             <a:endParaRPr lang="it-IT"/>
           </a:p>
@@ -862,6 +944,7 @@
           <a:p>
             <a:fld id="{F89AEA99-3E91-4C58-9AD4-045DB5619AC3}" type="slidenum">
               <a:rPr lang="it-IT" smtClean="0"/>
+              <a:pPr/>
               <a:t>‹N›</a:t>
             </a:fld>
             <a:endParaRPr lang="it-IT"/>
@@ -1010,7 +1093,8 @@
           <a:p>
             <a:fld id="{63CABBC0-75E4-43BB-A6A6-84C2A96BDB82}" type="datetimeFigureOut">
               <a:rPr lang="it-IT" smtClean="0"/>
-              <a:t>29/12/2012</a:t>
+              <a:pPr/>
+              <a:t>30/12/2012</a:t>
             </a:fld>
             <a:endParaRPr lang="it-IT"/>
           </a:p>
@@ -1052,6 +1136,7 @@
           <a:p>
             <a:fld id="{F89AEA99-3E91-4C58-9AD4-045DB5619AC3}" type="slidenum">
               <a:rPr lang="it-IT" smtClean="0"/>
+              <a:pPr/>
               <a:t>‹N›</a:t>
             </a:fld>
             <a:endParaRPr lang="it-IT"/>
@@ -1190,7 +1275,8 @@
           <a:p>
             <a:fld id="{63CABBC0-75E4-43BB-A6A6-84C2A96BDB82}" type="datetimeFigureOut">
               <a:rPr lang="it-IT" smtClean="0"/>
-              <a:t>29/12/2012</a:t>
+              <a:pPr/>
+              <a:t>30/12/2012</a:t>
             </a:fld>
             <a:endParaRPr lang="it-IT"/>
           </a:p>
@@ -1232,6 +1318,7 @@
           <a:p>
             <a:fld id="{F89AEA99-3E91-4C58-9AD4-045DB5619AC3}" type="slidenum">
               <a:rPr lang="it-IT" smtClean="0"/>
+              <a:pPr/>
               <a:t>‹N›</a:t>
             </a:fld>
             <a:endParaRPr lang="it-IT"/>
@@ -1431,7 +1518,8 @@
           <a:p>
             <a:fld id="{63CABBC0-75E4-43BB-A6A6-84C2A96BDB82}" type="datetimeFigureOut">
               <a:rPr lang="it-IT" smtClean="0"/>
-              <a:t>29/12/2012</a:t>
+              <a:pPr/>
+              <a:t>30/12/2012</a:t>
             </a:fld>
             <a:endParaRPr lang="it-IT"/>
           </a:p>
@@ -1473,6 +1561,7 @@
           <a:p>
             <a:fld id="{F89AEA99-3E91-4C58-9AD4-045DB5619AC3}" type="slidenum">
               <a:rPr lang="it-IT" smtClean="0"/>
+              <a:pPr/>
               <a:t>‹N›</a:t>
             </a:fld>
             <a:endParaRPr lang="it-IT"/>
@@ -1710,7 +1799,8 @@
           <a:p>
             <a:fld id="{63CABBC0-75E4-43BB-A6A6-84C2A96BDB82}" type="datetimeFigureOut">
               <a:rPr lang="it-IT" smtClean="0"/>
-              <a:t>29/12/2012</a:t>
+              <a:pPr/>
+              <a:t>30/12/2012</a:t>
             </a:fld>
             <a:endParaRPr lang="it-IT"/>
           </a:p>
@@ -1752,6 +1842,7 @@
           <a:p>
             <a:fld id="{F89AEA99-3E91-4C58-9AD4-045DB5619AC3}" type="slidenum">
               <a:rPr lang="it-IT" smtClean="0"/>
+              <a:pPr/>
               <a:t>‹N›</a:t>
             </a:fld>
             <a:endParaRPr lang="it-IT"/>
@@ -2099,7 +2190,8 @@
           <a:p>
             <a:fld id="{63CABBC0-75E4-43BB-A6A6-84C2A96BDB82}" type="datetimeFigureOut">
               <a:rPr lang="it-IT" smtClean="0"/>
-              <a:t>29/12/2012</a:t>
+              <a:pPr/>
+              <a:t>30/12/2012</a:t>
             </a:fld>
             <a:endParaRPr lang="it-IT"/>
           </a:p>
@@ -2141,6 +2233,7 @@
           <a:p>
             <a:fld id="{F89AEA99-3E91-4C58-9AD4-045DB5619AC3}" type="slidenum">
               <a:rPr lang="it-IT" smtClean="0"/>
+              <a:pPr/>
               <a:t>‹N›</a:t>
             </a:fld>
             <a:endParaRPr lang="it-IT"/>
@@ -2256,7 +2349,8 @@
           <a:p>
             <a:fld id="{63CABBC0-75E4-43BB-A6A6-84C2A96BDB82}" type="datetimeFigureOut">
               <a:rPr lang="it-IT" smtClean="0"/>
-              <a:t>29/12/2012</a:t>
+              <a:pPr/>
+              <a:t>30/12/2012</a:t>
             </a:fld>
             <a:endParaRPr lang="it-IT"/>
           </a:p>
@@ -2298,6 +2392,7 @@
           <a:p>
             <a:fld id="{F89AEA99-3E91-4C58-9AD4-045DB5619AC3}" type="slidenum">
               <a:rPr lang="it-IT" smtClean="0"/>
+              <a:pPr/>
               <a:t>‹N›</a:t>
             </a:fld>
             <a:endParaRPr lang="it-IT"/>
@@ -2353,7 +2448,8 @@
           <a:p>
             <a:fld id="{63CABBC0-75E4-43BB-A6A6-84C2A96BDB82}" type="datetimeFigureOut">
               <a:rPr lang="it-IT" smtClean="0"/>
-              <a:t>29/12/2012</a:t>
+              <a:pPr/>
+              <a:t>30/12/2012</a:t>
             </a:fld>
             <a:endParaRPr lang="it-IT"/>
           </a:p>
@@ -2395,6 +2491,7 @@
           <a:p>
             <a:fld id="{F89AEA99-3E91-4C58-9AD4-045DB5619AC3}" type="slidenum">
               <a:rPr lang="it-IT" smtClean="0"/>
+              <a:pPr/>
               <a:t>‹N›</a:t>
             </a:fld>
             <a:endParaRPr lang="it-IT"/>
@@ -2621,7 +2718,8 @@
           <a:p>
             <a:fld id="{63CABBC0-75E4-43BB-A6A6-84C2A96BDB82}" type="datetimeFigureOut">
               <a:rPr lang="it-IT" smtClean="0"/>
-              <a:t>29/12/2012</a:t>
+              <a:pPr/>
+              <a:t>30/12/2012</a:t>
             </a:fld>
             <a:endParaRPr lang="it-IT"/>
           </a:p>
@@ -2663,6 +2761,7 @@
           <a:p>
             <a:fld id="{F89AEA99-3E91-4C58-9AD4-045DB5619AC3}" type="slidenum">
               <a:rPr lang="it-IT" smtClean="0"/>
+              <a:pPr/>
               <a:t>‹N›</a:t>
             </a:fld>
             <a:endParaRPr lang="it-IT"/>
@@ -2916,7 +3015,8 @@
           <a:p>
             <a:fld id="{63CABBC0-75E4-43BB-A6A6-84C2A96BDB82}" type="datetimeFigureOut">
               <a:rPr lang="it-IT" smtClean="0"/>
-              <a:t>29/12/2012</a:t>
+              <a:pPr/>
+              <a:t>30/12/2012</a:t>
             </a:fld>
             <a:endParaRPr lang="it-IT"/>
           </a:p>
@@ -2963,6 +3063,7 @@
           <a:p>
             <a:fld id="{F89AEA99-3E91-4C58-9AD4-045DB5619AC3}" type="slidenum">
               <a:rPr lang="it-IT" smtClean="0"/>
+              <a:pPr/>
               <a:t>‹N›</a:t>
             </a:fld>
             <a:endParaRPr lang="it-IT"/>
@@ -3694,7 +3795,8 @@
           <a:p>
             <a:fld id="{63CABBC0-75E4-43BB-A6A6-84C2A96BDB82}" type="datetimeFigureOut">
               <a:rPr lang="it-IT" smtClean="0"/>
-              <a:t>29/12/2012</a:t>
+              <a:pPr/>
+              <a:t>30/12/2012</a:t>
             </a:fld>
             <a:endParaRPr lang="it-IT"/>
           </a:p>
@@ -3772,6 +3874,7 @@
           <a:p>
             <a:fld id="{F89AEA99-3E91-4C58-9AD4-045DB5619AC3}" type="slidenum">
               <a:rPr lang="it-IT" smtClean="0"/>
+              <a:pPr/>
               <a:t>‹N›</a:t>
             </a:fld>
             <a:endParaRPr lang="it-IT"/>
@@ -4376,13 +4479,13 @@
           <p:nvPr>
             <p:extLst>
               <p:ext uri="{D42A27DB-BD31-4B8C-83A1-F6EECF244321}">
-                <p14:modId xmlns:p14="http://schemas.microsoft.com/office/powerpoint/2010/main" val="1266527793"/>
+                <p14:modId xmlns:p14="http://schemas.microsoft.com/office/powerpoint/2010/main" xmlns="" val="1266527793"/>
               </p:ext>
             </p:extLst>
           </p:nvPr>
         </p:nvGraphicFramePr>
         <p:xfrm>
-          <a:off x="29313" y="5042215"/>
+          <a:off x="179512" y="5517232"/>
           <a:ext cx="2051720" cy="1188720"/>
         </p:xfrm>
         <a:graphic>
@@ -4500,13 +4603,13 @@
           <p:nvPr>
             <p:extLst>
               <p:ext uri="{D42A27DB-BD31-4B8C-83A1-F6EECF244321}">
-                <p14:modId xmlns:p14="http://schemas.microsoft.com/office/powerpoint/2010/main" val="3696521689"/>
+                <p14:modId xmlns:p14="http://schemas.microsoft.com/office/powerpoint/2010/main" xmlns="" val="3696521689"/>
               </p:ext>
             </p:extLst>
           </p:nvPr>
         </p:nvGraphicFramePr>
         <p:xfrm>
-          <a:off x="7092280" y="6060793"/>
+          <a:off x="6876256" y="5877272"/>
           <a:ext cx="2051720" cy="792480"/>
         </p:xfrm>
         <a:graphic>
@@ -4587,10 +4690,10 @@
           <p:nvPr/>
         </p:nvPicPr>
         <p:blipFill>
-          <a:blip r:embed="rId2">
+          <a:blip r:embed="rId2" cstate="print">
             <a:extLst>
               <a:ext uri="{28A0092B-C50C-407E-A947-70E740481C1C}">
-                <a14:useLocalDpi xmlns:a14="http://schemas.microsoft.com/office/drawing/2010/main" val="0"/>
+                <a14:useLocalDpi xmlns:a14="http://schemas.microsoft.com/office/drawing/2010/main" xmlns="" val="0"/>
               </a:ext>
             </a:extLst>
           </a:blip>
@@ -4610,7 +4713,7 @@
           <a:noFill/>
           <a:extLst>
             <a:ext uri="{909E8E84-426E-40DD-AFC4-6F175D3DCCD1}">
-              <a14:hiddenFill xmlns:a14="http://schemas.microsoft.com/office/drawing/2010/main">
+              <a14:hiddenFill xmlns:a14="http://schemas.microsoft.com/office/drawing/2010/main" xmlns="">
                 <a:solidFill>
                   <a:srgbClr val="FFFFFF"/>
                 </a:solidFill>
@@ -4622,7 +4725,7 @@
     </p:spTree>
     <p:extLst>
       <p:ext uri="{BB962C8B-B14F-4D97-AF65-F5344CB8AC3E}">
-        <p14:creationId xmlns:p14="http://schemas.microsoft.com/office/powerpoint/2010/main" val="4165334171"/>
+        <p14:creationId xmlns:p14="http://schemas.microsoft.com/office/powerpoint/2010/main" xmlns="" val="4165334171"/>
       </p:ext>
     </p:extLst>
   </p:cSld>
@@ -4689,11 +4792,7 @@
             </a:r>
             <a:r>
               <a:rPr lang="it-IT" sz="4000" b="1" dirty="0" smtClean="0"/>
-              <a:t> </a:t>
-            </a:r>
-            <a:r>
-              <a:rPr lang="it-IT" sz="4000" b="1" dirty="0" smtClean="0"/>
-              <a:t>1 – RAD 4.0</a:t>
+              <a:t> 1 – RAD 4.0</a:t>
             </a:r>
             <a:endParaRPr lang="it-IT" sz="4000" dirty="0"/>
           </a:p>
@@ -4742,10 +4841,10 @@
           <p:nvPr/>
         </p:nvPicPr>
         <p:blipFill>
-          <a:blip r:embed="rId2">
+          <a:blip r:embed="rId2" cstate="print">
             <a:extLst>
               <a:ext uri="{28A0092B-C50C-407E-A947-70E740481C1C}">
-                <a14:useLocalDpi xmlns:a14="http://schemas.microsoft.com/office/drawing/2010/main" val="0"/>
+                <a14:useLocalDpi xmlns:a14="http://schemas.microsoft.com/office/drawing/2010/main" xmlns="" val="0"/>
               </a:ext>
             </a:extLst>
           </a:blip>
@@ -4800,7 +4899,7 @@
     </p:spTree>
     <p:extLst>
       <p:ext uri="{BB962C8B-B14F-4D97-AF65-F5344CB8AC3E}">
-        <p14:creationId xmlns:p14="http://schemas.microsoft.com/office/powerpoint/2010/main" val="247169405"/>
+        <p14:creationId xmlns:p14="http://schemas.microsoft.com/office/powerpoint/2010/main" xmlns="" val="247169405"/>
       </p:ext>
     </p:extLst>
   </p:cSld>
@@ -4867,11 +4966,7 @@
             </a:r>
             <a:r>
               <a:rPr lang="it-IT" sz="4000" b="1" dirty="0" smtClean="0"/>
-              <a:t> </a:t>
-            </a:r>
-            <a:r>
-              <a:rPr lang="it-IT" sz="4000" b="1" dirty="0" smtClean="0"/>
-              <a:t>2 – RAD 4.0</a:t>
+              <a:t> 2 – RAD 4.0</a:t>
             </a:r>
             <a:endParaRPr lang="it-IT" sz="4000" b="1" dirty="0"/>
           </a:p>
@@ -4886,10 +4981,10 @@
           <p:nvPr/>
         </p:nvPicPr>
         <p:blipFill>
-          <a:blip r:embed="rId2">
+          <a:blip r:embed="rId2" cstate="print">
             <a:extLst>
               <a:ext uri="{28A0092B-C50C-407E-A947-70E740481C1C}">
-                <a14:useLocalDpi xmlns:a14="http://schemas.microsoft.com/office/drawing/2010/main" val="0"/>
+                <a14:useLocalDpi xmlns:a14="http://schemas.microsoft.com/office/drawing/2010/main" xmlns="" val="0"/>
               </a:ext>
             </a:extLst>
           </a:blip>
@@ -4945,7 +5040,7 @@
     </p:spTree>
     <p:extLst>
       <p:ext uri="{BB962C8B-B14F-4D97-AF65-F5344CB8AC3E}">
-        <p14:creationId xmlns:p14="http://schemas.microsoft.com/office/powerpoint/2010/main" val="1376204328"/>
+        <p14:creationId xmlns:p14="http://schemas.microsoft.com/office/powerpoint/2010/main" xmlns="" val="1376204328"/>
       </p:ext>
     </p:extLst>
   </p:cSld>
@@ -5012,11 +5107,7 @@
             </a:r>
             <a:r>
               <a:rPr lang="it-IT" sz="4000" b="1" smtClean="0"/>
-              <a:t> </a:t>
-            </a:r>
-            <a:r>
-              <a:rPr lang="it-IT" sz="4000" b="1" smtClean="0"/>
-              <a:t>3 – RAD 4.0</a:t>
+              <a:t> 3 – RAD 4.0</a:t>
             </a:r>
             <a:endParaRPr lang="it-IT" sz="4000" b="1" dirty="0"/>
           </a:p>
@@ -5031,10 +5122,10 @@
           <p:nvPr/>
         </p:nvPicPr>
         <p:blipFill>
-          <a:blip r:embed="rId2">
+          <a:blip r:embed="rId2" cstate="print">
             <a:extLst>
               <a:ext uri="{28A0092B-C50C-407E-A947-70E740481C1C}">
-                <a14:useLocalDpi xmlns:a14="http://schemas.microsoft.com/office/drawing/2010/main" val="0"/>
+                <a14:useLocalDpi xmlns:a14="http://schemas.microsoft.com/office/drawing/2010/main" xmlns="" val="0"/>
               </a:ext>
             </a:extLst>
           </a:blip>
@@ -5093,7 +5184,7 @@
     </p:spTree>
     <p:extLst>
       <p:ext uri="{BB962C8B-B14F-4D97-AF65-F5344CB8AC3E}">
-        <p14:creationId xmlns:p14="http://schemas.microsoft.com/office/powerpoint/2010/main" val="1545582615"/>
+        <p14:creationId xmlns:p14="http://schemas.microsoft.com/office/powerpoint/2010/main" xmlns="" val="1545582615"/>
       </p:ext>
     </p:extLst>
   </p:cSld>
@@ -5168,10 +5259,10 @@
           <p:nvPr/>
         </p:nvPicPr>
         <p:blipFill>
-          <a:blip r:embed="rId2">
+          <a:blip r:embed="rId2" cstate="print">
             <a:extLst>
               <a:ext uri="{28A0092B-C50C-407E-A947-70E740481C1C}">
-                <a14:useLocalDpi xmlns:a14="http://schemas.microsoft.com/office/drawing/2010/main" val="0"/>
+                <a14:useLocalDpi xmlns:a14="http://schemas.microsoft.com/office/drawing/2010/main" xmlns="" val="0"/>
               </a:ext>
             </a:extLst>
           </a:blip>
@@ -5223,7 +5314,7 @@
     </p:spTree>
     <p:extLst>
       <p:ext uri="{BB962C8B-B14F-4D97-AF65-F5344CB8AC3E}">
-        <p14:creationId xmlns:p14="http://schemas.microsoft.com/office/powerpoint/2010/main" val="2535709406"/>
+        <p14:creationId xmlns:p14="http://schemas.microsoft.com/office/powerpoint/2010/main" xmlns="" val="2535709406"/>
       </p:ext>
     </p:extLst>
   </p:cSld>
@@ -5376,7 +5467,7 @@
     </p:spTree>
     <p:extLst>
       <p:ext uri="{BB962C8B-B14F-4D97-AF65-F5344CB8AC3E}">
-        <p14:creationId xmlns:p14="http://schemas.microsoft.com/office/powerpoint/2010/main" val="2176004432"/>
+        <p14:creationId xmlns:p14="http://schemas.microsoft.com/office/powerpoint/2010/main" xmlns="" val="2176004432"/>
       </p:ext>
     </p:extLst>
   </p:cSld>
@@ -5632,7 +5723,21 @@
                 <a:latin typeface="Arial" pitchFamily="34" charset="0"/>
                 <a:cs typeface="Arial" pitchFamily="34" charset="0"/>
               </a:rPr>
-              <a:t> traumatico, ma una volta che si ha preso confidenza con gli strumenti in nostro possesso poi è stato tutto più facile e rapido. Per le problematiche spiegate in precedenza e per la mancanza di tempo necessario, tutto il lavoro su l’individuazione degli attori, con annesso tutte le difficoltà sul capire bene i requisiti da adottare, poteva essere fatta in modo migliore.</a:t>
+              <a:t> traumatico, ma una volta </a:t>
+            </a:r>
+            <a:r>
+              <a:rPr lang="it-IT" dirty="0" smtClean="0">
+                <a:latin typeface="Arial" pitchFamily="34" charset="0"/>
+                <a:cs typeface="Arial" pitchFamily="34" charset="0"/>
+              </a:rPr>
+              <a:t>che si ha preso confidenza </a:t>
+            </a:r>
+            <a:r>
+              <a:rPr lang="it-IT" dirty="0" smtClean="0">
+                <a:latin typeface="Arial" pitchFamily="34" charset="0"/>
+                <a:cs typeface="Arial" pitchFamily="34" charset="0"/>
+              </a:rPr>
+              <a:t>con gli strumenti in nostro possesso poi è stato tutto più facile e rapido. Per le problematiche spiegate in precedenza e per la mancanza di tempo necessario, tutto il lavoro su l’individuazione degli attori, con annesso tutte le difficoltà sul capire bene i requisiti da adottare, poteva essere fatta in modo migliore.</a:t>
             </a:r>
             <a:endParaRPr lang="it-IT" dirty="0"/>
           </a:p>
@@ -5641,7 +5746,7 @@
     </p:spTree>
     <p:extLst>
       <p:ext uri="{BB962C8B-B14F-4D97-AF65-F5344CB8AC3E}">
-        <p14:creationId xmlns:p14="http://schemas.microsoft.com/office/powerpoint/2010/main" val="957313322"/>
+        <p14:creationId xmlns:p14="http://schemas.microsoft.com/office/powerpoint/2010/main" xmlns="" val="957313322"/>
       </p:ext>
     </p:extLst>
   </p:cSld>
@@ -5769,13 +5874,8 @@
             </a:pPr>
             <a:r>
               <a:rPr lang="it-IT" dirty="0" smtClean="0"/>
-              <a:t>Perché scegliere @silo, perché è stato pensato anche per un utente poco esperto, che non vuole perdere tempo nel cercare quello che vuole, perché con pochi click può fare tutto </a:t>
-            </a:r>
-            <a:r>
-              <a:rPr lang="it-IT" smtClean="0"/>
-              <a:t>quello che deve fare.</a:t>
-            </a:r>
-            <a:endParaRPr lang="it-IT" dirty="0" smtClean="0"/>
+              <a:t>Perché scegliere @silo, perché è stato pensato anche per un utente poco esperto, che non vuole perdere tempo nel cercare quello che vuole, perché con pochi click può fare tutto quello che deve fare.</a:t>
+            </a:r>
           </a:p>
           <a:p>
             <a:r>
@@ -5792,7 +5892,7 @@
     </p:spTree>
     <p:extLst>
       <p:ext uri="{BB962C8B-B14F-4D97-AF65-F5344CB8AC3E}">
-        <p14:creationId xmlns:p14="http://schemas.microsoft.com/office/powerpoint/2010/main" val="2314765427"/>
+        <p14:creationId xmlns:p14="http://schemas.microsoft.com/office/powerpoint/2010/main" xmlns="" val="2314765427"/>
       </p:ext>
     </p:extLst>
   </p:cSld>
@@ -6345,18 +6445,18 @@
     </p:spTree>
     <p:extLst>
       <p:ext uri="{BB962C8B-B14F-4D97-AF65-F5344CB8AC3E}">
-        <p14:creationId xmlns:p14="http://schemas.microsoft.com/office/powerpoint/2010/main" val="155874689"/>
+        <p14:creationId xmlns:p14="http://schemas.microsoft.com/office/powerpoint/2010/main" xmlns="" val="155874689"/>
       </p:ext>
     </p:extLst>
   </p:cSld>
   <p:clrMapOvr>
     <a:masterClrMapping/>
   </p:clrMapOvr>
-  <mc:AlternateContent xmlns:mc="http://schemas.openxmlformats.org/markup-compatibility/2006" xmlns:p14="http://schemas.microsoft.com/office/powerpoint/2010/main">
-    <mc:Choice Requires="p14">
+  <mc:AlternateContent xmlns:mc="http://schemas.openxmlformats.org/markup-compatibility/2006">
+    <mc:Choice xmlns:p14="http://schemas.microsoft.com/office/powerpoint/2010/main" xmlns="" Requires="p14">
       <p:transition spd="slow" p14:dur="2000"/>
     </mc:Choice>
-    <mc:Fallback xmlns="">
+    <mc:Fallback>
       <p:transition spd="slow"/>
     </mc:Fallback>
   </mc:AlternateContent>
@@ -6427,10 +6527,10 @@
           <p:nvPr/>
         </p:nvPicPr>
         <p:blipFill>
-          <a:blip r:embed="rId2">
+          <a:blip r:embed="rId2" cstate="print">
             <a:extLst>
               <a:ext uri="{28A0092B-C50C-407E-A947-70E740481C1C}">
-                <a14:useLocalDpi xmlns:a14="http://schemas.microsoft.com/office/drawing/2010/main" val="0"/>
+                <a14:useLocalDpi xmlns:a14="http://schemas.microsoft.com/office/drawing/2010/main" xmlns="" val="0"/>
               </a:ext>
             </a:extLst>
           </a:blip>
@@ -6451,7 +6551,7 @@
     </p:spTree>
     <p:extLst>
       <p:ext uri="{BB962C8B-B14F-4D97-AF65-F5344CB8AC3E}">
-        <p14:creationId xmlns:p14="http://schemas.microsoft.com/office/powerpoint/2010/main" val="1421053857"/>
+        <p14:creationId xmlns:p14="http://schemas.microsoft.com/office/powerpoint/2010/main" xmlns="" val="1421053857"/>
       </p:ext>
     </p:extLst>
   </p:cSld>
@@ -6557,7 +6657,7 @@
     </p:spTree>
     <p:extLst>
       <p:ext uri="{BB962C8B-B14F-4D97-AF65-F5344CB8AC3E}">
-        <p14:creationId xmlns:p14="http://schemas.microsoft.com/office/powerpoint/2010/main" val="966444375"/>
+        <p14:creationId xmlns:p14="http://schemas.microsoft.com/office/powerpoint/2010/main" xmlns="" val="966444375"/>
       </p:ext>
     </p:extLst>
   </p:cSld>
@@ -6661,7 +6761,7 @@
     </p:spTree>
     <p:extLst>
       <p:ext uri="{BB962C8B-B14F-4D97-AF65-F5344CB8AC3E}">
-        <p14:creationId xmlns:p14="http://schemas.microsoft.com/office/powerpoint/2010/main" val="2537338845"/>
+        <p14:creationId xmlns:p14="http://schemas.microsoft.com/office/powerpoint/2010/main" xmlns="" val="2537338845"/>
       </p:ext>
     </p:extLst>
   </p:cSld>
@@ -6743,10 +6843,10 @@
           <p:nvPr/>
         </p:nvPicPr>
         <p:blipFill>
-          <a:blip r:embed="rId2">
+          <a:blip r:embed="rId2" cstate="print">
             <a:extLst>
               <a:ext uri="{28A0092B-C50C-407E-A947-70E740481C1C}">
-                <a14:useLocalDpi xmlns:a14="http://schemas.microsoft.com/office/drawing/2010/main" val="0"/>
+                <a14:useLocalDpi xmlns:a14="http://schemas.microsoft.com/office/drawing/2010/main" xmlns="" val="0"/>
               </a:ext>
             </a:extLst>
           </a:blip>
@@ -6767,7 +6867,7 @@
     </p:spTree>
     <p:extLst>
       <p:ext uri="{BB962C8B-B14F-4D97-AF65-F5344CB8AC3E}">
-        <p14:creationId xmlns:p14="http://schemas.microsoft.com/office/powerpoint/2010/main" val="1296864160"/>
+        <p14:creationId xmlns:p14="http://schemas.microsoft.com/office/powerpoint/2010/main" xmlns="" val="1296864160"/>
       </p:ext>
     </p:extLst>
   </p:cSld>
@@ -6844,10 +6944,10 @@
           <p:nvPr/>
         </p:nvPicPr>
         <p:blipFill>
-          <a:blip r:embed="rId2">
+          <a:blip r:embed="rId2" cstate="print">
             <a:extLst>
               <a:ext uri="{28A0092B-C50C-407E-A947-70E740481C1C}">
-                <a14:useLocalDpi xmlns:a14="http://schemas.microsoft.com/office/drawing/2010/main" val="0"/>
+                <a14:useLocalDpi xmlns:a14="http://schemas.microsoft.com/office/drawing/2010/main" xmlns="" val="0"/>
               </a:ext>
             </a:extLst>
           </a:blip>
@@ -6868,7 +6968,7 @@
     </p:spTree>
     <p:extLst>
       <p:ext uri="{BB962C8B-B14F-4D97-AF65-F5344CB8AC3E}">
-        <p14:creationId xmlns:p14="http://schemas.microsoft.com/office/powerpoint/2010/main" val="4136420094"/>
+        <p14:creationId xmlns:p14="http://schemas.microsoft.com/office/powerpoint/2010/main" xmlns="" val="4136420094"/>
       </p:ext>
     </p:extLst>
   </p:cSld>
@@ -7052,7 +7152,7 @@
     </p:spTree>
     <p:extLst>
       <p:ext uri="{BB962C8B-B14F-4D97-AF65-F5344CB8AC3E}">
-        <p14:creationId xmlns:p14="http://schemas.microsoft.com/office/powerpoint/2010/main" val="529095658"/>
+        <p14:creationId xmlns:p14="http://schemas.microsoft.com/office/powerpoint/2010/main" xmlns="" val="529095658"/>
       </p:ext>
     </p:extLst>
   </p:cSld>
@@ -7134,10 +7234,10 @@
           <p:nvPr/>
         </p:nvPicPr>
         <p:blipFill>
-          <a:blip r:embed="rId2">
+          <a:blip r:embed="rId2" cstate="print">
             <a:extLst>
               <a:ext uri="{28A0092B-C50C-407E-A947-70E740481C1C}">
-                <a14:useLocalDpi xmlns:a14="http://schemas.microsoft.com/office/drawing/2010/main" val="0"/>
+                <a14:useLocalDpi xmlns:a14="http://schemas.microsoft.com/office/drawing/2010/main" xmlns="" val="0"/>
               </a:ext>
             </a:extLst>
           </a:blip>
@@ -7193,7 +7293,7 @@
     </p:spTree>
     <p:extLst>
       <p:ext uri="{BB962C8B-B14F-4D97-AF65-F5344CB8AC3E}">
-        <p14:creationId xmlns:p14="http://schemas.microsoft.com/office/powerpoint/2010/main" val="422123805"/>
+        <p14:creationId xmlns:p14="http://schemas.microsoft.com/office/powerpoint/2010/main" xmlns="" val="422123805"/>
       </p:ext>
     </p:extLst>
   </p:cSld>

--- a/trunk/Presentazione/Atsilo2/Durante/Atsilo_M_PresentazioneFinale.pptx
+++ b/trunk/Presentazione/Atsilo2/Durante/Atsilo_M_PresentazioneFinale.pptx
@@ -127,7 +127,7 @@
 
 <file path=ppt/commentAuthors.xml><?xml version="1.0" encoding="utf-8"?>
 <p:cmAuthorLst xmlns:a="http://schemas.openxmlformats.org/drawingml/2006/main" xmlns:r="http://schemas.openxmlformats.org/officeDocument/2006/relationships" xmlns:p="http://schemas.openxmlformats.org/presentationml/2006/main">
-  <p:cmAuthor id="0" name="Giulio" initials="GF" lastIdx="10" clrIdx="0"/>
+  <p:cmAuthor id="0" name="Giulio" initials="GF" lastIdx="11" clrIdx="0"/>
 </p:cmAuthorLst>
 </file>
 
@@ -143,6 +143,16 @@
 
 <file path=ppt/comments/comment2.xml><?xml version="1.0" encoding="utf-8"?>
 <p:cmLst xmlns:a="http://schemas.openxmlformats.org/drawingml/2006/main" xmlns:r="http://schemas.openxmlformats.org/officeDocument/2006/relationships" xmlns:p="http://schemas.openxmlformats.org/presentationml/2006/main">
+  <p:cm authorId="0" dt="2012-12-30T15:13:57.837" idx="11">
+    <p:pos x="10" y="10"/>
+    <p:text>Ti consiglio di ispirarti alla slide di Marco, che ha messo proprio i requisiti funzionali presi dal RAD.
+Questa parte qui ti conviene comunque metterla, perché spiega perché stai parlando di questo.</p:text>
+  </p:cm>
+</p:cmLst>
+</file>
+
+<file path=ppt/comments/comment3.xml><?xml version="1.0" encoding="utf-8"?>
+<p:cmLst xmlns:a="http://schemas.openxmlformats.org/drawingml/2006/main" xmlns:r="http://schemas.openxmlformats.org/officeDocument/2006/relationships" xmlns:p="http://schemas.openxmlformats.org/presentationml/2006/main">
   <p:cm authorId="0" dt="2012-12-30T13:43:47.113" idx="2">
     <p:pos x="10" y="10"/>
     <p:text>Cerca di partire subito con un confronto diretto sui diagrammi dei casi d'uso, e poi passi al confronto sui casi d'uso veri e propri.</p:text>
@@ -150,7 +160,7 @@
 </p:cmLst>
 </file>
 
-<file path=ppt/comments/comment3.xml><?xml version="1.0" encoding="utf-8"?>
+<file path=ppt/comments/comment4.xml><?xml version="1.0" encoding="utf-8"?>
 <p:cmLst xmlns:a="http://schemas.openxmlformats.org/drawingml/2006/main" xmlns:r="http://schemas.openxmlformats.org/officeDocument/2006/relationships" xmlns:p="http://schemas.openxmlformats.org/presentationml/2006/main">
   <p:cm authorId="0" dt="2012-12-30T13:46:31.672" idx="3">
     <p:pos x="10" y="10"/>
@@ -160,7 +170,7 @@
 </p:cmLst>
 </file>
 
-<file path=ppt/comments/comment4.xml><?xml version="1.0" encoding="utf-8"?>
+<file path=ppt/comments/comment5.xml><?xml version="1.0" encoding="utf-8"?>
 <p:cmLst xmlns:a="http://schemas.openxmlformats.org/drawingml/2006/main" xmlns:r="http://schemas.openxmlformats.org/officeDocument/2006/relationships" xmlns:p="http://schemas.openxmlformats.org/presentationml/2006/main">
   <p:cm authorId="0" dt="2012-12-30T13:48:06.710" idx="4">
     <p:pos x="10" y="10"/>
@@ -169,7 +179,7 @@
 </p:cmLst>
 </file>
 
-<file path=ppt/comments/comment5.xml><?xml version="1.0" encoding="utf-8"?>
+<file path=ppt/comments/comment6.xml><?xml version="1.0" encoding="utf-8"?>
 <p:cmLst xmlns:a="http://schemas.openxmlformats.org/drawingml/2006/main" xmlns:r="http://schemas.openxmlformats.org/officeDocument/2006/relationships" xmlns:p="http://schemas.openxmlformats.org/presentationml/2006/main">
   <p:cm authorId="0" dt="2012-12-30T13:51:38.820" idx="6">
     <p:pos x="2906" y="1909"/>
@@ -184,7 +194,7 @@
 </p:cmLst>
 </file>
 
-<file path=ppt/comments/comment6.xml><?xml version="1.0" encoding="utf-8"?>
+<file path=ppt/comments/comment7.xml><?xml version="1.0" encoding="utf-8"?>
 <p:cmLst xmlns:a="http://schemas.openxmlformats.org/drawingml/2006/main" xmlns:r="http://schemas.openxmlformats.org/officeDocument/2006/relationships" xmlns:p="http://schemas.openxmlformats.org/presentationml/2006/main">
   <p:cm authorId="0" dt="2012-12-30T13:52:24.075" idx="8">
     <p:pos x="3662" y="1367"/>
@@ -454,7 +464,7 @@
     </p:spTree>
     <p:extLst>
       <p:ext uri="{BB962C8B-B14F-4D97-AF65-F5344CB8AC3E}">
-        <p14:creationId xmlns:p14="http://schemas.microsoft.com/office/powerpoint/2010/main" xmlns="" val="2126419590"/>
+        <p14:creationId xmlns="" xmlns:p14="http://schemas.microsoft.com/office/powerpoint/2010/main" val="2126419590"/>
       </p:ext>
     </p:extLst>
   </p:cSld>
@@ -4479,7 +4489,7 @@
           <p:nvPr>
             <p:extLst>
               <p:ext uri="{D42A27DB-BD31-4B8C-83A1-F6EECF244321}">
-                <p14:modId xmlns:p14="http://schemas.microsoft.com/office/powerpoint/2010/main" xmlns="" val="1266527793"/>
+                <p14:modId xmlns="" xmlns:p14="http://schemas.microsoft.com/office/powerpoint/2010/main" val="1266527793"/>
               </p:ext>
             </p:extLst>
           </p:nvPr>
@@ -4603,7 +4613,7 @@
           <p:nvPr>
             <p:extLst>
               <p:ext uri="{D42A27DB-BD31-4B8C-83A1-F6EECF244321}">
-                <p14:modId xmlns:p14="http://schemas.microsoft.com/office/powerpoint/2010/main" xmlns="" val="3696521689"/>
+                <p14:modId xmlns="" xmlns:p14="http://schemas.microsoft.com/office/powerpoint/2010/main" val="3696521689"/>
               </p:ext>
             </p:extLst>
           </p:nvPr>
@@ -4693,7 +4703,7 @@
           <a:blip r:embed="rId2" cstate="print">
             <a:extLst>
               <a:ext uri="{28A0092B-C50C-407E-A947-70E740481C1C}">
-                <a14:useLocalDpi xmlns:a14="http://schemas.microsoft.com/office/drawing/2010/main" xmlns="" val="0"/>
+                <a14:useLocalDpi xmlns="" xmlns:a14="http://schemas.microsoft.com/office/drawing/2010/main" val="0"/>
               </a:ext>
             </a:extLst>
           </a:blip>
@@ -4713,7 +4723,7 @@
           <a:noFill/>
           <a:extLst>
             <a:ext uri="{909E8E84-426E-40DD-AFC4-6F175D3DCCD1}">
-              <a14:hiddenFill xmlns:a14="http://schemas.microsoft.com/office/drawing/2010/main" xmlns="">
+              <a14:hiddenFill xmlns="" xmlns:a14="http://schemas.microsoft.com/office/drawing/2010/main">
                 <a:solidFill>
                   <a:srgbClr val="FFFFFF"/>
                 </a:solidFill>
@@ -4725,7 +4735,7 @@
     </p:spTree>
     <p:extLst>
       <p:ext uri="{BB962C8B-B14F-4D97-AF65-F5344CB8AC3E}">
-        <p14:creationId xmlns:p14="http://schemas.microsoft.com/office/powerpoint/2010/main" xmlns="" val="4165334171"/>
+        <p14:creationId xmlns="" xmlns:p14="http://schemas.microsoft.com/office/powerpoint/2010/main" val="4165334171"/>
       </p:ext>
     </p:extLst>
   </p:cSld>
@@ -4844,7 +4854,7 @@
           <a:blip r:embed="rId2" cstate="print">
             <a:extLst>
               <a:ext uri="{28A0092B-C50C-407E-A947-70E740481C1C}">
-                <a14:useLocalDpi xmlns:a14="http://schemas.microsoft.com/office/drawing/2010/main" xmlns="" val="0"/>
+                <a14:useLocalDpi xmlns="" xmlns:a14="http://schemas.microsoft.com/office/drawing/2010/main" val="0"/>
               </a:ext>
             </a:extLst>
           </a:blip>
@@ -4899,7 +4909,7 @@
     </p:spTree>
     <p:extLst>
       <p:ext uri="{BB962C8B-B14F-4D97-AF65-F5344CB8AC3E}">
-        <p14:creationId xmlns:p14="http://schemas.microsoft.com/office/powerpoint/2010/main" xmlns="" val="247169405"/>
+        <p14:creationId xmlns="" xmlns:p14="http://schemas.microsoft.com/office/powerpoint/2010/main" val="247169405"/>
       </p:ext>
     </p:extLst>
   </p:cSld>
@@ -4984,7 +4994,7 @@
           <a:blip r:embed="rId2" cstate="print">
             <a:extLst>
               <a:ext uri="{28A0092B-C50C-407E-A947-70E740481C1C}">
-                <a14:useLocalDpi xmlns:a14="http://schemas.microsoft.com/office/drawing/2010/main" xmlns="" val="0"/>
+                <a14:useLocalDpi xmlns="" xmlns:a14="http://schemas.microsoft.com/office/drawing/2010/main" val="0"/>
               </a:ext>
             </a:extLst>
           </a:blip>
@@ -5040,7 +5050,7 @@
     </p:spTree>
     <p:extLst>
       <p:ext uri="{BB962C8B-B14F-4D97-AF65-F5344CB8AC3E}">
-        <p14:creationId xmlns:p14="http://schemas.microsoft.com/office/powerpoint/2010/main" xmlns="" val="1376204328"/>
+        <p14:creationId xmlns="" xmlns:p14="http://schemas.microsoft.com/office/powerpoint/2010/main" val="1376204328"/>
       </p:ext>
     </p:extLst>
   </p:cSld>
@@ -5125,7 +5135,7 @@
           <a:blip r:embed="rId2" cstate="print">
             <a:extLst>
               <a:ext uri="{28A0092B-C50C-407E-A947-70E740481C1C}">
-                <a14:useLocalDpi xmlns:a14="http://schemas.microsoft.com/office/drawing/2010/main" xmlns="" val="0"/>
+                <a14:useLocalDpi xmlns="" xmlns:a14="http://schemas.microsoft.com/office/drawing/2010/main" val="0"/>
               </a:ext>
             </a:extLst>
           </a:blip>
@@ -5184,7 +5194,7 @@
     </p:spTree>
     <p:extLst>
       <p:ext uri="{BB962C8B-B14F-4D97-AF65-F5344CB8AC3E}">
-        <p14:creationId xmlns:p14="http://schemas.microsoft.com/office/powerpoint/2010/main" xmlns="" val="1545582615"/>
+        <p14:creationId xmlns="" xmlns:p14="http://schemas.microsoft.com/office/powerpoint/2010/main" val="1545582615"/>
       </p:ext>
     </p:extLst>
   </p:cSld>
@@ -5262,7 +5272,7 @@
           <a:blip r:embed="rId2" cstate="print">
             <a:extLst>
               <a:ext uri="{28A0092B-C50C-407E-A947-70E740481C1C}">
-                <a14:useLocalDpi xmlns:a14="http://schemas.microsoft.com/office/drawing/2010/main" xmlns="" val="0"/>
+                <a14:useLocalDpi xmlns="" xmlns:a14="http://schemas.microsoft.com/office/drawing/2010/main" val="0"/>
               </a:ext>
             </a:extLst>
           </a:blip>
@@ -5314,7 +5324,7 @@
     </p:spTree>
     <p:extLst>
       <p:ext uri="{BB962C8B-B14F-4D97-AF65-F5344CB8AC3E}">
-        <p14:creationId xmlns:p14="http://schemas.microsoft.com/office/powerpoint/2010/main" xmlns="" val="2535709406"/>
+        <p14:creationId xmlns="" xmlns:p14="http://schemas.microsoft.com/office/powerpoint/2010/main" val="2535709406"/>
       </p:ext>
     </p:extLst>
   </p:cSld>
@@ -5467,7 +5477,7 @@
     </p:spTree>
     <p:extLst>
       <p:ext uri="{BB962C8B-B14F-4D97-AF65-F5344CB8AC3E}">
-        <p14:creationId xmlns:p14="http://schemas.microsoft.com/office/powerpoint/2010/main" xmlns="" val="2176004432"/>
+        <p14:creationId xmlns="" xmlns:p14="http://schemas.microsoft.com/office/powerpoint/2010/main" val="2176004432"/>
       </p:ext>
     </p:extLst>
   </p:cSld>
@@ -5723,21 +5733,7 @@
                 <a:latin typeface="Arial" pitchFamily="34" charset="0"/>
                 <a:cs typeface="Arial" pitchFamily="34" charset="0"/>
               </a:rPr>
-              <a:t> traumatico, ma una volta </a:t>
-            </a:r>
-            <a:r>
-              <a:rPr lang="it-IT" dirty="0" smtClean="0">
-                <a:latin typeface="Arial" pitchFamily="34" charset="0"/>
-                <a:cs typeface="Arial" pitchFamily="34" charset="0"/>
-              </a:rPr>
-              <a:t>che si ha preso confidenza </a:t>
-            </a:r>
-            <a:r>
-              <a:rPr lang="it-IT" dirty="0" smtClean="0">
-                <a:latin typeface="Arial" pitchFamily="34" charset="0"/>
-                <a:cs typeface="Arial" pitchFamily="34" charset="0"/>
-              </a:rPr>
-              <a:t>con gli strumenti in nostro possesso poi è stato tutto più facile e rapido. Per le problematiche spiegate in precedenza e per la mancanza di tempo necessario, tutto il lavoro su l’individuazione degli attori, con annesso tutte le difficoltà sul capire bene i requisiti da adottare, poteva essere fatta in modo migliore.</a:t>
+              <a:t> traumatico, ma una volta che si ha preso confidenza con gli strumenti in nostro possesso poi è stato tutto più facile e rapido. Per le problematiche spiegate in precedenza e per la mancanza di tempo necessario, tutto il lavoro su l’individuazione degli attori, con annesso tutte le difficoltà sul capire bene i requisiti da adottare, poteva essere fatta in modo migliore.</a:t>
             </a:r>
             <a:endParaRPr lang="it-IT" dirty="0"/>
           </a:p>
@@ -5746,7 +5742,7 @@
     </p:spTree>
     <p:extLst>
       <p:ext uri="{BB962C8B-B14F-4D97-AF65-F5344CB8AC3E}">
-        <p14:creationId xmlns:p14="http://schemas.microsoft.com/office/powerpoint/2010/main" xmlns="" val="957313322"/>
+        <p14:creationId xmlns="" xmlns:p14="http://schemas.microsoft.com/office/powerpoint/2010/main" val="957313322"/>
       </p:ext>
     </p:extLst>
   </p:cSld>
@@ -5892,7 +5888,7 @@
     </p:spTree>
     <p:extLst>
       <p:ext uri="{BB962C8B-B14F-4D97-AF65-F5344CB8AC3E}">
-        <p14:creationId xmlns:p14="http://schemas.microsoft.com/office/powerpoint/2010/main" xmlns="" val="2314765427"/>
+        <p14:creationId xmlns="" xmlns:p14="http://schemas.microsoft.com/office/powerpoint/2010/main" val="2314765427"/>
       </p:ext>
     </p:extLst>
   </p:cSld>
@@ -6445,7 +6441,7 @@
     </p:spTree>
     <p:extLst>
       <p:ext uri="{BB962C8B-B14F-4D97-AF65-F5344CB8AC3E}">
-        <p14:creationId xmlns:p14="http://schemas.microsoft.com/office/powerpoint/2010/main" xmlns="" val="155874689"/>
+        <p14:creationId xmlns="" xmlns:p14="http://schemas.microsoft.com/office/powerpoint/2010/main" val="155874689"/>
       </p:ext>
     </p:extLst>
   </p:cSld>
@@ -6453,7 +6449,7 @@
     <a:masterClrMapping/>
   </p:clrMapOvr>
   <mc:AlternateContent xmlns:mc="http://schemas.openxmlformats.org/markup-compatibility/2006">
-    <mc:Choice xmlns:p14="http://schemas.microsoft.com/office/powerpoint/2010/main" xmlns="" Requires="p14">
+    <mc:Choice xmlns="" xmlns:p14="http://schemas.microsoft.com/office/powerpoint/2010/main" Requires="p14">
       <p:transition spd="slow" p14:dur="2000"/>
     </mc:Choice>
     <mc:Fallback>
@@ -6530,7 +6526,7 @@
           <a:blip r:embed="rId2" cstate="print">
             <a:extLst>
               <a:ext uri="{28A0092B-C50C-407E-A947-70E740481C1C}">
-                <a14:useLocalDpi xmlns:a14="http://schemas.microsoft.com/office/drawing/2010/main" xmlns="" val="0"/>
+                <a14:useLocalDpi xmlns="" xmlns:a14="http://schemas.microsoft.com/office/drawing/2010/main" val="0"/>
               </a:ext>
             </a:extLst>
           </a:blip>
@@ -6551,7 +6547,7 @@
     </p:spTree>
     <p:extLst>
       <p:ext uri="{BB962C8B-B14F-4D97-AF65-F5344CB8AC3E}">
-        <p14:creationId xmlns:p14="http://schemas.microsoft.com/office/powerpoint/2010/main" xmlns="" val="1421053857"/>
+        <p14:creationId xmlns="" xmlns:p14="http://schemas.microsoft.com/office/powerpoint/2010/main" val="1421053857"/>
       </p:ext>
     </p:extLst>
   </p:cSld>
@@ -6657,7 +6653,7 @@
     </p:spTree>
     <p:extLst>
       <p:ext uri="{BB962C8B-B14F-4D97-AF65-F5344CB8AC3E}">
-        <p14:creationId xmlns:p14="http://schemas.microsoft.com/office/powerpoint/2010/main" xmlns="" val="966444375"/>
+        <p14:creationId xmlns="" xmlns:p14="http://schemas.microsoft.com/office/powerpoint/2010/main" val="966444375"/>
       </p:ext>
     </p:extLst>
   </p:cSld>
@@ -6761,7 +6757,7 @@
     </p:spTree>
     <p:extLst>
       <p:ext uri="{BB962C8B-B14F-4D97-AF65-F5344CB8AC3E}">
-        <p14:creationId xmlns:p14="http://schemas.microsoft.com/office/powerpoint/2010/main" xmlns="" val="2537338845"/>
+        <p14:creationId xmlns="" xmlns:p14="http://schemas.microsoft.com/office/powerpoint/2010/main" val="2537338845"/>
       </p:ext>
     </p:extLst>
   </p:cSld>
@@ -6846,7 +6842,7 @@
           <a:blip r:embed="rId2" cstate="print">
             <a:extLst>
               <a:ext uri="{28A0092B-C50C-407E-A947-70E740481C1C}">
-                <a14:useLocalDpi xmlns:a14="http://schemas.microsoft.com/office/drawing/2010/main" xmlns="" val="0"/>
+                <a14:useLocalDpi xmlns="" xmlns:a14="http://schemas.microsoft.com/office/drawing/2010/main" val="0"/>
               </a:ext>
             </a:extLst>
           </a:blip>
@@ -6867,7 +6863,7 @@
     </p:spTree>
     <p:extLst>
       <p:ext uri="{BB962C8B-B14F-4D97-AF65-F5344CB8AC3E}">
-        <p14:creationId xmlns:p14="http://schemas.microsoft.com/office/powerpoint/2010/main" xmlns="" val="1296864160"/>
+        <p14:creationId xmlns="" xmlns:p14="http://schemas.microsoft.com/office/powerpoint/2010/main" val="1296864160"/>
       </p:ext>
     </p:extLst>
   </p:cSld>
@@ -6947,7 +6943,7 @@
           <a:blip r:embed="rId2" cstate="print">
             <a:extLst>
               <a:ext uri="{28A0092B-C50C-407E-A947-70E740481C1C}">
-                <a14:useLocalDpi xmlns:a14="http://schemas.microsoft.com/office/drawing/2010/main" xmlns="" val="0"/>
+                <a14:useLocalDpi xmlns="" xmlns:a14="http://schemas.microsoft.com/office/drawing/2010/main" val="0"/>
               </a:ext>
             </a:extLst>
           </a:blip>
@@ -6968,7 +6964,7 @@
     </p:spTree>
     <p:extLst>
       <p:ext uri="{BB962C8B-B14F-4D97-AF65-F5344CB8AC3E}">
-        <p14:creationId xmlns:p14="http://schemas.microsoft.com/office/powerpoint/2010/main" xmlns="" val="4136420094"/>
+        <p14:creationId xmlns="" xmlns:p14="http://schemas.microsoft.com/office/powerpoint/2010/main" val="4136420094"/>
       </p:ext>
     </p:extLst>
   </p:cSld>
@@ -7152,7 +7148,7 @@
     </p:spTree>
     <p:extLst>
       <p:ext uri="{BB962C8B-B14F-4D97-AF65-F5344CB8AC3E}">
-        <p14:creationId xmlns:p14="http://schemas.microsoft.com/office/powerpoint/2010/main" xmlns="" val="529095658"/>
+        <p14:creationId xmlns="" xmlns:p14="http://schemas.microsoft.com/office/powerpoint/2010/main" val="529095658"/>
       </p:ext>
     </p:extLst>
   </p:cSld>
@@ -7237,7 +7233,7 @@
           <a:blip r:embed="rId2" cstate="print">
             <a:extLst>
               <a:ext uri="{28A0092B-C50C-407E-A947-70E740481C1C}">
-                <a14:useLocalDpi xmlns:a14="http://schemas.microsoft.com/office/drawing/2010/main" xmlns="" val="0"/>
+                <a14:useLocalDpi xmlns="" xmlns:a14="http://schemas.microsoft.com/office/drawing/2010/main" val="0"/>
               </a:ext>
             </a:extLst>
           </a:blip>
@@ -7293,7 +7289,7 @@
     </p:spTree>
     <p:extLst>
       <p:ext uri="{BB962C8B-B14F-4D97-AF65-F5344CB8AC3E}">
-        <p14:creationId xmlns:p14="http://schemas.microsoft.com/office/powerpoint/2010/main" xmlns="" val="422123805"/>
+        <p14:creationId xmlns="" xmlns:p14="http://schemas.microsoft.com/office/powerpoint/2010/main" val="422123805"/>
       </p:ext>
     </p:extLst>
   </p:cSld>

--- a/trunk/Presentazione/Atsilo2/Durante/Atsilo_M_PresentazioneFinale.pptx
+++ b/trunk/Presentazione/Atsilo2/Durante/Atsilo_M_PresentazioneFinale.pptx
@@ -5,25 +5,26 @@
     <p:sldMasterId id="2147483684" r:id="rId1"/>
   </p:sldMasterIdLst>
   <p:notesMasterIdLst>
-    <p:notesMasterId r:id="rId18"/>
+    <p:notesMasterId r:id="rId19"/>
   </p:notesMasterIdLst>
   <p:sldIdLst>
     <p:sldId id="256" r:id="rId2"/>
     <p:sldId id="258" r:id="rId3"/>
     <p:sldId id="259" r:id="rId4"/>
     <p:sldId id="260" r:id="rId5"/>
-    <p:sldId id="264" r:id="rId6"/>
-    <p:sldId id="266" r:id="rId7"/>
-    <p:sldId id="265" r:id="rId8"/>
-    <p:sldId id="268" r:id="rId9"/>
-    <p:sldId id="275" r:id="rId10"/>
-    <p:sldId id="267" r:id="rId11"/>
-    <p:sldId id="269" r:id="rId12"/>
-    <p:sldId id="270" r:id="rId13"/>
-    <p:sldId id="271" r:id="rId14"/>
-    <p:sldId id="272" r:id="rId15"/>
-    <p:sldId id="273" r:id="rId16"/>
-    <p:sldId id="274" r:id="rId17"/>
+    <p:sldId id="268" r:id="rId6"/>
+    <p:sldId id="275" r:id="rId7"/>
+    <p:sldId id="267" r:id="rId8"/>
+    <p:sldId id="269" r:id="rId9"/>
+    <p:sldId id="270" r:id="rId10"/>
+    <p:sldId id="264" r:id="rId11"/>
+    <p:sldId id="266" r:id="rId12"/>
+    <p:sldId id="276" r:id="rId13"/>
+    <p:sldId id="265" r:id="rId14"/>
+    <p:sldId id="271" r:id="rId15"/>
+    <p:sldId id="272" r:id="rId16"/>
+    <p:sldId id="273" r:id="rId17"/>
+    <p:sldId id="274" r:id="rId18"/>
   </p:sldIdLst>
   <p:sldSz cx="9144000" cy="6858000" type="screen4x3"/>
   <p:notesSz cx="6858000" cy="9144000"/>
@@ -295,7 +296,7 @@
             <a:fld id="{38D78F4D-402C-46E0-A4BB-DF91EA86B14C}" type="datetimeFigureOut">
               <a:rPr lang="it-IT" smtClean="0"/>
               <a:pPr/>
-              <a:t>30/12/2012</a:t>
+              <a:t>03/01/2013</a:t>
             </a:fld>
             <a:endParaRPr lang="it-IT"/>
           </a:p>
@@ -464,7 +465,7 @@
     </p:spTree>
     <p:extLst>
       <p:ext uri="{BB962C8B-B14F-4D97-AF65-F5344CB8AC3E}">
-        <p14:creationId xmlns="" xmlns:p14="http://schemas.microsoft.com/office/powerpoint/2010/main" val="2126419590"/>
+        <p14:creationId xmlns:p14="http://schemas.microsoft.com/office/powerpoint/2010/main" val="2126419590"/>
       </p:ext>
     </p:extLst>
   </p:cSld>
@@ -730,7 +731,7 @@
             <a:fld id="{63CABBC0-75E4-43BB-A6A6-84C2A96BDB82}" type="datetimeFigureOut">
               <a:rPr lang="it-IT" smtClean="0"/>
               <a:pPr/>
-              <a:t>30/12/2012</a:t>
+              <a:t>03/01/2013</a:t>
             </a:fld>
             <a:endParaRPr lang="it-IT"/>
           </a:p>
@@ -912,7 +913,7 @@
             <a:fld id="{63CABBC0-75E4-43BB-A6A6-84C2A96BDB82}" type="datetimeFigureOut">
               <a:rPr lang="it-IT" smtClean="0"/>
               <a:pPr/>
-              <a:t>30/12/2012</a:t>
+              <a:t>03/01/2013</a:t>
             </a:fld>
             <a:endParaRPr lang="it-IT"/>
           </a:p>
@@ -1104,7 +1105,7 @@
             <a:fld id="{63CABBC0-75E4-43BB-A6A6-84C2A96BDB82}" type="datetimeFigureOut">
               <a:rPr lang="it-IT" smtClean="0"/>
               <a:pPr/>
-              <a:t>30/12/2012</a:t>
+              <a:t>03/01/2013</a:t>
             </a:fld>
             <a:endParaRPr lang="it-IT"/>
           </a:p>
@@ -1286,7 +1287,7 @@
             <a:fld id="{63CABBC0-75E4-43BB-A6A6-84C2A96BDB82}" type="datetimeFigureOut">
               <a:rPr lang="it-IT" smtClean="0"/>
               <a:pPr/>
-              <a:t>30/12/2012</a:t>
+              <a:t>03/01/2013</a:t>
             </a:fld>
             <a:endParaRPr lang="it-IT"/>
           </a:p>
@@ -1529,7 +1530,7 @@
             <a:fld id="{63CABBC0-75E4-43BB-A6A6-84C2A96BDB82}" type="datetimeFigureOut">
               <a:rPr lang="it-IT" smtClean="0"/>
               <a:pPr/>
-              <a:t>30/12/2012</a:t>
+              <a:t>03/01/2013</a:t>
             </a:fld>
             <a:endParaRPr lang="it-IT"/>
           </a:p>
@@ -1810,7 +1811,7 @@
             <a:fld id="{63CABBC0-75E4-43BB-A6A6-84C2A96BDB82}" type="datetimeFigureOut">
               <a:rPr lang="it-IT" smtClean="0"/>
               <a:pPr/>
-              <a:t>30/12/2012</a:t>
+              <a:t>03/01/2013</a:t>
             </a:fld>
             <a:endParaRPr lang="it-IT"/>
           </a:p>
@@ -2201,7 +2202,7 @@
             <a:fld id="{63CABBC0-75E4-43BB-A6A6-84C2A96BDB82}" type="datetimeFigureOut">
               <a:rPr lang="it-IT" smtClean="0"/>
               <a:pPr/>
-              <a:t>30/12/2012</a:t>
+              <a:t>03/01/2013</a:t>
             </a:fld>
             <a:endParaRPr lang="it-IT"/>
           </a:p>
@@ -2360,7 +2361,7 @@
             <a:fld id="{63CABBC0-75E4-43BB-A6A6-84C2A96BDB82}" type="datetimeFigureOut">
               <a:rPr lang="it-IT" smtClean="0"/>
               <a:pPr/>
-              <a:t>30/12/2012</a:t>
+              <a:t>03/01/2013</a:t>
             </a:fld>
             <a:endParaRPr lang="it-IT"/>
           </a:p>
@@ -2459,7 +2460,7 @@
             <a:fld id="{63CABBC0-75E4-43BB-A6A6-84C2A96BDB82}" type="datetimeFigureOut">
               <a:rPr lang="it-IT" smtClean="0"/>
               <a:pPr/>
-              <a:t>30/12/2012</a:t>
+              <a:t>03/01/2013</a:t>
             </a:fld>
             <a:endParaRPr lang="it-IT"/>
           </a:p>
@@ -2729,7 +2730,7 @@
             <a:fld id="{63CABBC0-75E4-43BB-A6A6-84C2A96BDB82}" type="datetimeFigureOut">
               <a:rPr lang="it-IT" smtClean="0"/>
               <a:pPr/>
-              <a:t>30/12/2012</a:t>
+              <a:t>03/01/2013</a:t>
             </a:fld>
             <a:endParaRPr lang="it-IT"/>
           </a:p>
@@ -3026,7 +3027,7 @@
             <a:fld id="{63CABBC0-75E4-43BB-A6A6-84C2A96BDB82}" type="datetimeFigureOut">
               <a:rPr lang="it-IT" smtClean="0"/>
               <a:pPr/>
-              <a:t>30/12/2012</a:t>
+              <a:t>03/01/2013</a:t>
             </a:fld>
             <a:endParaRPr lang="it-IT"/>
           </a:p>
@@ -3806,7 +3807,7 @@
             <a:fld id="{63CABBC0-75E4-43BB-A6A6-84C2A96BDB82}" type="datetimeFigureOut">
               <a:rPr lang="it-IT" smtClean="0"/>
               <a:pPr/>
-              <a:t>30/12/2012</a:t>
+              <a:t>03/01/2013</a:t>
             </a:fld>
             <a:endParaRPr lang="it-IT"/>
           </a:p>
@@ -4489,14 +4490,14 @@
           <p:nvPr>
             <p:extLst>
               <p:ext uri="{D42A27DB-BD31-4B8C-83A1-F6EECF244321}">
-                <p14:modId xmlns="" xmlns:p14="http://schemas.microsoft.com/office/powerpoint/2010/main" val="1266527793"/>
+                <p14:modId xmlns:p14="http://schemas.microsoft.com/office/powerpoint/2010/main" val="1266527793"/>
               </p:ext>
             </p:extLst>
           </p:nvPr>
         </p:nvGraphicFramePr>
         <p:xfrm>
           <a:off x="179512" y="5517232"/>
-          <a:ext cx="2051720" cy="1188720"/>
+          <a:ext cx="2051720" cy="1089471"/>
         </p:xfrm>
         <a:graphic>
           <a:graphicData uri="http://schemas.openxmlformats.org/drawingml/2006/table">
@@ -4613,14 +4614,14 @@
           <p:nvPr>
             <p:extLst>
               <p:ext uri="{D42A27DB-BD31-4B8C-83A1-F6EECF244321}">
-                <p14:modId xmlns="" xmlns:p14="http://schemas.microsoft.com/office/powerpoint/2010/main" val="3696521689"/>
+                <p14:modId xmlns:p14="http://schemas.microsoft.com/office/powerpoint/2010/main" val="3696521689"/>
               </p:ext>
             </p:extLst>
           </p:nvPr>
         </p:nvGraphicFramePr>
         <p:xfrm>
           <a:off x="6876256" y="5877272"/>
-          <a:ext cx="2051720" cy="792480"/>
+          <a:ext cx="2051720" cy="726314"/>
         </p:xfrm>
         <a:graphic>
           <a:graphicData uri="http://schemas.openxmlformats.org/drawingml/2006/table">
@@ -4703,7 +4704,7 @@
           <a:blip r:embed="rId2" cstate="print">
             <a:extLst>
               <a:ext uri="{28A0092B-C50C-407E-A947-70E740481C1C}">
-                <a14:useLocalDpi xmlns="" xmlns:a14="http://schemas.microsoft.com/office/drawing/2010/main" val="0"/>
+                <a14:useLocalDpi xmlns:a14="http://schemas.microsoft.com/office/drawing/2010/main" val="0"/>
               </a:ext>
             </a:extLst>
           </a:blip>
@@ -4723,7 +4724,7 @@
           <a:noFill/>
           <a:extLst>
             <a:ext uri="{909E8E84-426E-40DD-AFC4-6F175D3DCCD1}">
-              <a14:hiddenFill xmlns="" xmlns:a14="http://schemas.microsoft.com/office/drawing/2010/main">
+              <a14:hiddenFill xmlns:a14="http://schemas.microsoft.com/office/drawing/2010/main">
                 <a:solidFill>
                   <a:srgbClr val="FFFFFF"/>
                 </a:solidFill>
@@ -4735,7 +4736,7 @@
     </p:spTree>
     <p:extLst>
       <p:ext uri="{BB962C8B-B14F-4D97-AF65-F5344CB8AC3E}">
-        <p14:creationId xmlns="" xmlns:p14="http://schemas.microsoft.com/office/powerpoint/2010/main" val="4165334171"/>
+        <p14:creationId xmlns:p14="http://schemas.microsoft.com/office/powerpoint/2010/main" val="4165334171"/>
       </p:ext>
     </p:extLst>
   </p:cSld>
@@ -4777,8 +4778,8 @@
         </p:nvSpPr>
         <p:spPr>
           <a:xfrm>
-            <a:off x="0" y="908720"/>
-            <a:ext cx="9144000" cy="984885"/>
+            <a:off x="0" y="1124743"/>
+            <a:ext cx="9144000" cy="646331"/>
           </a:xfrm>
           <a:prstGeom prst="rect">
             <a:avLst/>
@@ -4793,34 +4794,23 @@
           <a:p>
             <a:pPr algn="ctr"/>
             <a:r>
-              <a:rPr lang="it-IT" sz="4000" b="1" dirty="0" smtClean="0"/>
-              <a:t>Use Case </a:t>
-            </a:r>
-            <a:r>
-              <a:rPr lang="it-IT" sz="4000" b="1" dirty="0" err="1" smtClean="0"/>
-              <a:t>Diagram</a:t>
-            </a:r>
-            <a:r>
-              <a:rPr lang="it-IT" sz="4000" b="1" dirty="0" smtClean="0"/>
-              <a:t> 1 – RAD 4.0</a:t>
-            </a:r>
-            <a:endParaRPr lang="it-IT" sz="4000" dirty="0"/>
-          </a:p>
-          <a:p>
-            <a:endParaRPr lang="it-IT" dirty="0"/>
-          </a:p>
-        </p:txBody>
-      </p:sp>
-      <p:sp>
-        <p:nvSpPr>
-          <p:cNvPr id="5" name="CasellaDiTesto 4"/>
+              <a:rPr lang="it-IT" sz="3600" b="1" dirty="0" smtClean="0"/>
+              <a:t>Tirocinanti </a:t>
+            </a:r>
+            <a:endParaRPr lang="it-IT" sz="3600" b="1" dirty="0"/>
+          </a:p>
+        </p:txBody>
+      </p:sp>
+      <p:sp>
+        <p:nvSpPr>
+          <p:cNvPr id="3" name="CasellaDiTesto 2"/>
           <p:cNvSpPr txBox="1"/>
           <p:nvPr/>
         </p:nvSpPr>
         <p:spPr>
           <a:xfrm>
-            <a:off x="539552" y="5589240"/>
-            <a:ext cx="7848872" cy="369332"/>
+            <a:off x="0" y="2132856"/>
+            <a:ext cx="9144000" cy="1938992"/>
           </a:xfrm>
           <a:prstGeom prst="rect">
             <a:avLst/>
@@ -4833,83 +4823,24 @@
           </a:bodyPr>
           <a:lstStyle/>
           <a:p>
-            <a:pPr algn="ctr"/>
-            <a:r>
-              <a:rPr lang="it-IT" dirty="0" err="1"/>
-              <a:t>UCD_Tirocinanti_Registro</a:t>
-            </a:r>
-            <a:endParaRPr lang="it-IT" dirty="0"/>
-          </a:p>
-        </p:txBody>
-      </p:sp>
-      <p:pic>
-        <p:nvPicPr>
-          <p:cNvPr id="6" name="Immagine 5"/>
-          <p:cNvPicPr>
-            <a:picLocks noChangeAspect="1"/>
-          </p:cNvPicPr>
-          <p:nvPr/>
-        </p:nvPicPr>
-        <p:blipFill>
-          <a:blip r:embed="rId2" cstate="print">
-            <a:extLst>
-              <a:ext uri="{28A0092B-C50C-407E-A947-70E740481C1C}">
-                <a14:useLocalDpi xmlns="" xmlns:a14="http://schemas.microsoft.com/office/drawing/2010/main" val="0"/>
-              </a:ext>
-            </a:extLst>
-          </a:blip>
-          <a:stretch>
-            <a:fillRect/>
-          </a:stretch>
-        </p:blipFill>
-        <p:spPr>
-          <a:xfrm>
-            <a:off x="267639" y="1579568"/>
-            <a:ext cx="8392697" cy="4379004"/>
-          </a:xfrm>
-          <a:prstGeom prst="rect">
-            <a:avLst/>
-          </a:prstGeom>
-        </p:spPr>
-      </p:pic>
-      <p:sp>
-        <p:nvSpPr>
-          <p:cNvPr id="7" name="CasellaDiTesto 6"/>
-          <p:cNvSpPr txBox="1"/>
-          <p:nvPr/>
-        </p:nvSpPr>
-        <p:spPr>
-          <a:xfrm>
-            <a:off x="1547664" y="5958572"/>
-            <a:ext cx="5040560" cy="369332"/>
-          </a:xfrm>
-          <a:prstGeom prst="rect">
-            <a:avLst/>
-          </a:prstGeom>
-          <a:noFill/>
-        </p:spPr>
-        <p:txBody>
-          <a:bodyPr wrap="square" rtlCol="0">
-            <a:spAutoFit/>
-          </a:bodyPr>
-          <a:lstStyle/>
-          <a:p>
-            <a:pPr algn="ctr"/>
-            <a:r>
-              <a:rPr lang="it-IT" dirty="0" err="1" smtClean="0"/>
-              <a:t>UCD_Tirocinanti</a:t>
-            </a:r>
-            <a:r>
-              <a:rPr lang="it-IT" dirty="0" smtClean="0"/>
-              <a:t> 1</a:t>
-            </a:r>
+            <a:r>
+              <a:rPr lang="it-IT" sz="2400" dirty="0"/>
+              <a:t>Questa funzionalità è stata quella che ci ha impegnati maggiormente.</a:t>
+            </a:r>
+          </a:p>
+          <a:p>
+            <a:r>
+              <a:rPr lang="it-IT" sz="2400" dirty="0"/>
+              <a:t>Infatti in una prima analisi erano stati riscontrati solo 6 casi d’uso, poi in corso d’opera, man mano che il progetto prendeva forma e acquisivamo nuove informazioni su come dovevano interagire i tirocinanti con il sistema i casi d’uso sono diventati 19.</a:t>
+            </a:r>
+            <a:endParaRPr lang="it-IT" sz="2400" dirty="0"/>
           </a:p>
         </p:txBody>
       </p:sp>
     </p:spTree>
     <p:extLst>
       <p:ext uri="{BB962C8B-B14F-4D97-AF65-F5344CB8AC3E}">
-        <p14:creationId xmlns="" xmlns:p14="http://schemas.microsoft.com/office/powerpoint/2010/main" val="247169405"/>
+        <p14:creationId xmlns:p14="http://schemas.microsoft.com/office/powerpoint/2010/main" val="2537338845"/>
       </p:ext>
     </p:extLst>
   </p:cSld>
@@ -4945,13 +4876,13 @@
       </p:grpSpPr>
       <p:sp>
         <p:nvSpPr>
-          <p:cNvPr id="3" name="CasellaDiTesto 2"/>
+          <p:cNvPr id="2" name="CasellaDiTesto 1"/>
           <p:cNvSpPr txBox="1"/>
           <p:nvPr/>
         </p:nvSpPr>
         <p:spPr>
           <a:xfrm>
-            <a:off x="0" y="1052736"/>
+            <a:off x="-72008" y="548680"/>
             <a:ext cx="9144000" cy="707886"/>
           </a:xfrm>
           <a:prstGeom prst="rect">
@@ -4967,24 +4898,24 @@
           <a:p>
             <a:pPr algn="ctr"/>
             <a:r>
+              <a:rPr lang="it-IT" sz="3600" b="1" dirty="0" smtClean="0"/>
+              <a:t>Use </a:t>
+            </a:r>
+            <a:r>
               <a:rPr lang="it-IT" sz="4000" b="1" dirty="0" smtClean="0"/>
-              <a:t>Use Case </a:t>
-            </a:r>
-            <a:r>
-              <a:rPr lang="it-IT" sz="4000" b="1" dirty="0" err="1" smtClean="0"/>
-              <a:t>Diagram</a:t>
-            </a:r>
-            <a:r>
-              <a:rPr lang="it-IT" sz="4000" b="1" dirty="0" smtClean="0"/>
-              <a:t> 2 – RAD 4.0</a:t>
-            </a:r>
-            <a:endParaRPr lang="it-IT" sz="4000" b="1" dirty="0"/>
+              <a:t>Case</a:t>
+            </a:r>
+            <a:r>
+              <a:rPr lang="it-IT" sz="3600" b="1" dirty="0" smtClean="0"/>
+              <a:t> del sistema – RAD 4.0</a:t>
+            </a:r>
+            <a:endParaRPr lang="it-IT" sz="3600" b="1" dirty="0"/>
           </a:p>
         </p:txBody>
       </p:sp>
       <p:pic>
         <p:nvPicPr>
-          <p:cNvPr id="4" name="Immagine 3"/>
+          <p:cNvPr id="3" name="Immagine 2"/>
           <p:cNvPicPr>
             <a:picLocks noChangeAspect="1"/>
           </p:cNvPicPr>
@@ -4994,7 +4925,7 @@
           <a:blip r:embed="rId2" cstate="print">
             <a:extLst>
               <a:ext uri="{28A0092B-C50C-407E-A947-70E740481C1C}">
-                <a14:useLocalDpi xmlns="" xmlns:a14="http://schemas.microsoft.com/office/drawing/2010/main" val="0"/>
+                <a14:useLocalDpi xmlns:a14="http://schemas.microsoft.com/office/drawing/2010/main" val="0"/>
               </a:ext>
             </a:extLst>
           </a:blip>
@@ -5004,53 +4935,18 @@
         </p:blipFill>
         <p:spPr>
           <a:xfrm>
-            <a:off x="539552" y="1628801"/>
-            <a:ext cx="8278381" cy="4752528"/>
+            <a:off x="971600" y="1195011"/>
+            <a:ext cx="7056784" cy="3886807"/>
           </a:xfrm>
           <a:prstGeom prst="rect">
             <a:avLst/>
           </a:prstGeom>
         </p:spPr>
       </p:pic>
-      <p:sp>
-        <p:nvSpPr>
-          <p:cNvPr id="5" name="CasellaDiTesto 4"/>
-          <p:cNvSpPr txBox="1"/>
-          <p:nvPr/>
-        </p:nvSpPr>
-        <p:spPr>
-          <a:xfrm>
-            <a:off x="1475656" y="6165304"/>
-            <a:ext cx="6048672" cy="369332"/>
-          </a:xfrm>
-          <a:prstGeom prst="rect">
-            <a:avLst/>
-          </a:prstGeom>
-          <a:noFill/>
-        </p:spPr>
-        <p:txBody>
-          <a:bodyPr wrap="square" rtlCol="0">
-            <a:spAutoFit/>
-          </a:bodyPr>
-          <a:lstStyle/>
-          <a:p>
-            <a:pPr algn="ctr"/>
-            <a:r>
-              <a:rPr lang="it-IT" dirty="0" err="1" smtClean="0"/>
-              <a:t>UCD_Tirocinanti</a:t>
-            </a:r>
-            <a:r>
-              <a:rPr lang="it-IT" dirty="0" smtClean="0"/>
-              <a:t> 2</a:t>
-            </a:r>
-            <a:endParaRPr lang="it-IT" dirty="0"/>
-          </a:p>
-        </p:txBody>
-      </p:sp>
     </p:spTree>
     <p:extLst>
       <p:ext uri="{BB962C8B-B14F-4D97-AF65-F5344CB8AC3E}">
-        <p14:creationId xmlns="" xmlns:p14="http://schemas.microsoft.com/office/powerpoint/2010/main" val="1376204328"/>
+        <p14:creationId xmlns:p14="http://schemas.microsoft.com/office/powerpoint/2010/main" val="1296864160"/>
       </p:ext>
     </p:extLst>
   </p:cSld>
@@ -5092,7 +4988,7 @@
         </p:nvSpPr>
         <p:spPr>
           <a:xfrm>
-            <a:off x="0" y="692696"/>
+            <a:off x="0" y="620688"/>
             <a:ext cx="9144000" cy="707886"/>
           </a:xfrm>
           <a:prstGeom prst="rect">
@@ -5108,18 +5004,14 @@
           <a:p>
             <a:pPr algn="ctr"/>
             <a:r>
-              <a:rPr lang="it-IT" sz="4000" b="1" dirty="0" smtClean="0"/>
-              <a:t>Use Case </a:t>
-            </a:r>
-            <a:r>
-              <a:rPr lang="it-IT" sz="4000" b="1" dirty="0" err="1" smtClean="0"/>
-              <a:t>Diagram</a:t>
-            </a:r>
-            <a:r>
-              <a:rPr lang="it-IT" sz="4000" b="1" smtClean="0"/>
-              <a:t> 3 – RAD 4.0</a:t>
-            </a:r>
-            <a:endParaRPr lang="it-IT" sz="4000" b="1" dirty="0"/>
+              <a:rPr lang="it-IT" sz="4000" dirty="0" smtClean="0"/>
+              <a:t>Es. </a:t>
+            </a:r>
+            <a:r>
+              <a:rPr lang="it-IT" sz="4000" dirty="0" err="1" smtClean="0"/>
+              <a:t>Mockups</a:t>
+            </a:r>
+            <a:endParaRPr lang="it-IT" sz="4000" dirty="0"/>
           </a:p>
         </p:txBody>
       </p:sp>
@@ -5132,10 +5024,10 @@
           <p:nvPr/>
         </p:nvPicPr>
         <p:blipFill>
-          <a:blip r:embed="rId2" cstate="print">
+          <a:blip r:embed="rId2">
             <a:extLst>
               <a:ext uri="{28A0092B-C50C-407E-A947-70E740481C1C}">
-                <a14:useLocalDpi xmlns="" xmlns:a14="http://schemas.microsoft.com/office/drawing/2010/main" val="0"/>
+                <a14:useLocalDpi xmlns:a14="http://schemas.microsoft.com/office/drawing/2010/main" val="0"/>
               </a:ext>
             </a:extLst>
           </a:blip>
@@ -5145,8 +5037,8 @@
         </p:blipFill>
         <p:spPr>
           <a:xfrm>
-            <a:off x="0" y="1400582"/>
-            <a:ext cx="9144000" cy="4764722"/>
+            <a:off x="0" y="1887402"/>
+            <a:ext cx="9144000" cy="3083196"/>
           </a:xfrm>
           <a:prstGeom prst="rect">
             <a:avLst/>
@@ -5161,8 +5053,8 @@
         </p:nvSpPr>
         <p:spPr>
           <a:xfrm>
-            <a:off x="1979712" y="6165304"/>
-            <a:ext cx="5976664" cy="646331"/>
+            <a:off x="161764" y="4970598"/>
+            <a:ext cx="8820472" cy="369332"/>
           </a:xfrm>
           <a:prstGeom prst="rect">
             <a:avLst/>
@@ -5177,24 +5069,16 @@
           <a:p>
             <a:pPr algn="ctr"/>
             <a:r>
-              <a:rPr lang="it-IT" dirty="0" err="1" smtClean="0"/>
-              <a:t>UCD_Tirocinanti</a:t>
-            </a:r>
-            <a:r>
-              <a:rPr lang="it-IT" dirty="0" smtClean="0"/>
-              <a:t> 3</a:t>
-            </a:r>
-          </a:p>
-          <a:p>
-            <a:pPr algn="ctr"/>
-            <a:endParaRPr lang="it-IT" dirty="0"/>
+              <a:rPr lang="it-IT" dirty="0"/>
+              <a:t>MKUP_M_31-32-33-34_Registro Tirocinanti</a:t>
+            </a:r>
           </a:p>
         </p:txBody>
       </p:sp>
     </p:spTree>
     <p:extLst>
       <p:ext uri="{BB962C8B-B14F-4D97-AF65-F5344CB8AC3E}">
-        <p14:creationId xmlns="" xmlns:p14="http://schemas.microsoft.com/office/powerpoint/2010/main" val="1545582615"/>
+        <p14:creationId xmlns:p14="http://schemas.microsoft.com/office/powerpoint/2010/main" val="518928479"/>
       </p:ext>
     </p:extLst>
   </p:cSld>
@@ -5229,8 +5113,8 @@
         </p:nvSpPr>
         <p:spPr>
           <a:xfrm>
-            <a:off x="0" y="764704"/>
-            <a:ext cx="9144000" cy="707886"/>
+            <a:off x="-108520" y="836712"/>
+            <a:ext cx="9252520" cy="1323439"/>
           </a:xfrm>
           <a:prstGeom prst="rect">
             <a:avLst/>
@@ -5245,34 +5129,29 @@
           <a:p>
             <a:pPr algn="ctr"/>
             <a:r>
-              <a:rPr lang="it-IT" sz="4000" b="1" dirty="0" err="1" smtClean="0"/>
-              <a:t>Sequence</a:t>
-            </a:r>
-            <a:r>
-              <a:rPr lang="it-IT" sz="4000" b="1" dirty="0" smtClean="0"/>
-              <a:t> </a:t>
-            </a:r>
-            <a:r>
-              <a:rPr lang="it-IT" sz="4000" b="1" dirty="0" err="1" smtClean="0"/>
-              <a:t>Diagram</a:t>
-            </a:r>
-            <a:endParaRPr lang="it-IT" sz="4000" b="1" dirty="0"/>
+              <a:rPr lang="it-IT" sz="4000" b="1" dirty="0"/>
+              <a:t>Use Case del sistema – RAD 4.0</a:t>
+            </a:r>
+          </a:p>
+          <a:p>
+            <a:pPr algn="ctr"/>
+            <a:endParaRPr lang="it-IT" sz="4000" dirty="0"/>
           </a:p>
         </p:txBody>
       </p:sp>
       <p:pic>
         <p:nvPicPr>
-          <p:cNvPr id="3" name="Immagine 2"/>
+          <p:cNvPr id="4" name="Immagine 3"/>
           <p:cNvPicPr>
             <a:picLocks noChangeAspect="1"/>
           </p:cNvPicPr>
           <p:nvPr/>
         </p:nvPicPr>
         <p:blipFill>
-          <a:blip r:embed="rId2" cstate="print">
+          <a:blip r:embed="rId2">
             <a:extLst>
               <a:ext uri="{28A0092B-C50C-407E-A947-70E740481C1C}">
-                <a14:useLocalDpi xmlns="" xmlns:a14="http://schemas.microsoft.com/office/drawing/2010/main" val="0"/>
+                <a14:useLocalDpi xmlns:a14="http://schemas.microsoft.com/office/drawing/2010/main" val="0"/>
               </a:ext>
             </a:extLst>
           </a:blip>
@@ -5282,55 +5161,31 @@
         </p:blipFill>
         <p:spPr>
           <a:xfrm>
-            <a:off x="1032967" y="1472590"/>
-            <a:ext cx="7078063" cy="4692714"/>
+            <a:off x="899593" y="1700808"/>
+            <a:ext cx="7056784" cy="4363059"/>
           </a:xfrm>
           <a:prstGeom prst="rect">
             <a:avLst/>
           </a:prstGeom>
         </p:spPr>
       </p:pic>
-      <p:sp>
-        <p:nvSpPr>
-          <p:cNvPr id="4" name="CasellaDiTesto 3"/>
-          <p:cNvSpPr txBox="1"/>
-          <p:nvPr/>
-        </p:nvSpPr>
-        <p:spPr>
-          <a:xfrm>
-            <a:off x="755576" y="6165304"/>
-            <a:ext cx="7632848" cy="369332"/>
-          </a:xfrm>
-          <a:prstGeom prst="rect">
-            <a:avLst/>
-          </a:prstGeom>
-          <a:noFill/>
-        </p:spPr>
-        <p:txBody>
-          <a:bodyPr wrap="square" rtlCol="0">
-            <a:spAutoFit/>
-          </a:bodyPr>
-          <a:lstStyle/>
-          <a:p>
-            <a:pPr algn="ctr"/>
-            <a:r>
-              <a:rPr lang="it-IT" dirty="0" err="1" smtClean="0"/>
-              <a:t>SD_Tirocinanti</a:t>
-            </a:r>
-            <a:endParaRPr lang="it-IT" dirty="0"/>
-          </a:p>
-        </p:txBody>
-      </p:sp>
     </p:spTree>
     <p:extLst>
       <p:ext uri="{BB962C8B-B14F-4D97-AF65-F5344CB8AC3E}">
-        <p14:creationId xmlns="" xmlns:p14="http://schemas.microsoft.com/office/powerpoint/2010/main" val="2535709406"/>
+        <p14:creationId xmlns:p14="http://schemas.microsoft.com/office/powerpoint/2010/main" val="4136420094"/>
       </p:ext>
     </p:extLst>
   </p:cSld>
   <p:clrMapOvr>
     <a:masterClrMapping/>
   </p:clrMapOvr>
+  <p:timing>
+    <p:tnLst>
+      <p:par>
+        <p:cTn id="1" dur="indefinite" restart="never" nodeType="tmRoot"/>
+      </p:par>
+    </p:tnLst>
+  </p:timing>
 </p:sld>
 </file>
 
@@ -5359,8 +5214,8 @@
         </p:nvSpPr>
         <p:spPr>
           <a:xfrm>
-            <a:off x="6540" y="692696"/>
-            <a:ext cx="9144000" cy="646331"/>
+            <a:off x="0" y="764704"/>
+            <a:ext cx="9144000" cy="707886"/>
           </a:xfrm>
           <a:prstGeom prst="rect">
             <a:avLst/>
@@ -5375,23 +5230,61 @@
           <a:p>
             <a:pPr algn="ctr"/>
             <a:r>
-              <a:rPr lang="it-IT" sz="3600" b="1" dirty="0" smtClean="0"/>
-              <a:t>Problemi riscontrati nella stesura del RAD</a:t>
-            </a:r>
-            <a:endParaRPr lang="it-IT" sz="3600" b="1" dirty="0"/>
-          </a:p>
-        </p:txBody>
-      </p:sp>
-      <p:sp>
-        <p:nvSpPr>
-          <p:cNvPr id="3" name="CasellaDiTesto 2"/>
+              <a:rPr lang="it-IT" sz="4000" b="1" dirty="0" err="1" smtClean="0"/>
+              <a:t>Sequence</a:t>
+            </a:r>
+            <a:r>
+              <a:rPr lang="it-IT" sz="4000" b="1" dirty="0" smtClean="0"/>
+              <a:t> </a:t>
+            </a:r>
+            <a:r>
+              <a:rPr lang="it-IT" sz="4000" b="1" dirty="0" err="1" smtClean="0"/>
+              <a:t>Diagram</a:t>
+            </a:r>
+            <a:endParaRPr lang="it-IT" sz="4000" b="1" dirty="0"/>
+          </a:p>
+        </p:txBody>
+      </p:sp>
+      <p:pic>
+        <p:nvPicPr>
+          <p:cNvPr id="3" name="Immagine 2"/>
+          <p:cNvPicPr>
+            <a:picLocks noChangeAspect="1"/>
+          </p:cNvPicPr>
+          <p:nvPr/>
+        </p:nvPicPr>
+        <p:blipFill>
+          <a:blip r:embed="rId2" cstate="print">
+            <a:extLst>
+              <a:ext uri="{28A0092B-C50C-407E-A947-70E740481C1C}">
+                <a14:useLocalDpi xmlns:a14="http://schemas.microsoft.com/office/drawing/2010/main" val="0"/>
+              </a:ext>
+            </a:extLst>
+          </a:blip>
+          <a:stretch>
+            <a:fillRect/>
+          </a:stretch>
+        </p:blipFill>
+        <p:spPr>
+          <a:xfrm>
+            <a:off x="1032967" y="1472590"/>
+            <a:ext cx="7078063" cy="4692714"/>
+          </a:xfrm>
+          <a:prstGeom prst="rect">
+            <a:avLst/>
+          </a:prstGeom>
+        </p:spPr>
+      </p:pic>
+      <p:sp>
+        <p:nvSpPr>
+          <p:cNvPr id="4" name="CasellaDiTesto 3"/>
           <p:cNvSpPr txBox="1"/>
           <p:nvPr/>
         </p:nvSpPr>
         <p:spPr>
           <a:xfrm>
-            <a:off x="0" y="1700808"/>
-            <a:ext cx="9144000" cy="3785652"/>
+            <a:off x="755576" y="6165304"/>
+            <a:ext cx="7632848" cy="369332"/>
           </a:xfrm>
           <a:prstGeom prst="rect">
             <a:avLst/>
@@ -5404,80 +5297,19 @@
           </a:bodyPr>
           <a:lstStyle/>
           <a:p>
-            <a:r>
-              <a:rPr lang="it-IT" sz="2400" dirty="0" smtClean="0">
-                <a:solidFill>
-                  <a:srgbClr val="FF0000"/>
-                </a:solidFill>
-              </a:rPr>
-              <a:t>Contro</a:t>
-            </a:r>
-          </a:p>
-          <a:p>
-            <a:r>
-              <a:rPr lang="it-IT" sz="2400" dirty="0" smtClean="0"/>
-              <a:t>Come detto già in precedenza in una diapositiva, un problema che abbiamo riscontrato nella stesura del RAD, è stato quello dei tirocinanti.</a:t>
-            </a:r>
-          </a:p>
-          <a:p>
-            <a:r>
-              <a:rPr lang="it-IT" sz="2400" dirty="0" smtClean="0"/>
-              <a:t>In corso d’opera quando abbiamo appreso meglio tutti i requisiti riguardanti i tirocinanti, abbiamo dovuto modificare tutto quello che avevamo fatto in precedenza.  Aggiungere altri </a:t>
-            </a:r>
-            <a:r>
-              <a:rPr lang="it-IT" sz="2400" u="sng" dirty="0" smtClean="0"/>
-              <a:t>casi d’uso</a:t>
-            </a:r>
-            <a:r>
-              <a:rPr lang="it-IT" sz="2400" dirty="0" smtClean="0"/>
-              <a:t>, modificare i </a:t>
-            </a:r>
-            <a:r>
-              <a:rPr lang="it-IT" sz="2400" u="sng" dirty="0" smtClean="0"/>
-              <a:t>requisiti</a:t>
-            </a:r>
-            <a:r>
-              <a:rPr lang="it-IT" sz="2400" dirty="0" smtClean="0"/>
-              <a:t> esistenti, aggiornare gli </a:t>
-            </a:r>
-            <a:r>
-              <a:rPr lang="it-IT" sz="2400" u="sng" dirty="0" smtClean="0"/>
-              <a:t>use case </a:t>
-            </a:r>
-            <a:r>
-              <a:rPr lang="it-IT" sz="2400" u="sng" dirty="0" err="1" smtClean="0"/>
-              <a:t>diagram</a:t>
-            </a:r>
-            <a:r>
-              <a:rPr lang="it-IT" sz="2400" u="sng" dirty="0" smtClean="0"/>
-              <a:t> </a:t>
-            </a:r>
-            <a:r>
-              <a:rPr lang="it-IT" sz="2400" dirty="0" smtClean="0"/>
-              <a:t>e </a:t>
-            </a:r>
-            <a:r>
-              <a:rPr lang="it-IT" sz="2400" u="sng" dirty="0" err="1" smtClean="0"/>
-              <a:t>sequence</a:t>
-            </a:r>
-            <a:r>
-              <a:rPr lang="it-IT" sz="2400" dirty="0" smtClean="0"/>
-              <a:t>. Tutto questo ha richiesto un maggior impegno che all’inizio non era stato programmato.</a:t>
-            </a:r>
-          </a:p>
-          <a:p>
-            <a:r>
-              <a:rPr lang="it-IT" sz="2400" dirty="0" smtClean="0"/>
-              <a:t> </a:t>
-            </a:r>
-            <a:endParaRPr lang="it-IT" sz="2400" dirty="0"/>
+            <a:pPr algn="ctr"/>
+            <a:r>
+              <a:rPr lang="it-IT" dirty="0" err="1" smtClean="0"/>
+              <a:t>SD_Tirocinanti</a:t>
+            </a:r>
+            <a:endParaRPr lang="it-IT" dirty="0"/>
           </a:p>
         </p:txBody>
       </p:sp>
     </p:spTree>
     <p:extLst>
       <p:ext uri="{BB962C8B-B14F-4D97-AF65-F5344CB8AC3E}">
-        <p14:creationId xmlns="" xmlns:p14="http://schemas.microsoft.com/office/powerpoint/2010/main" val="2176004432"/>
+        <p14:creationId xmlns:p14="http://schemas.microsoft.com/office/powerpoint/2010/main" val="2535709406"/>
       </p:ext>
     </p:extLst>
   </p:cSld>
@@ -5506,14 +5338,14 @@
       </p:grpSpPr>
       <p:sp>
         <p:nvSpPr>
-          <p:cNvPr id="3" name="CasellaDiTesto 2"/>
+          <p:cNvPr id="2" name="CasellaDiTesto 1"/>
           <p:cNvSpPr txBox="1"/>
           <p:nvPr/>
         </p:nvSpPr>
         <p:spPr>
           <a:xfrm>
-            <a:off x="0" y="692696"/>
-            <a:ext cx="9144000" cy="707886"/>
+            <a:off x="6540" y="692696"/>
+            <a:ext cx="9144000" cy="646331"/>
           </a:xfrm>
           <a:prstGeom prst="rect">
             <a:avLst/>
@@ -5528,22 +5360,23 @@
           <a:p>
             <a:pPr algn="ctr"/>
             <a:r>
-              <a:rPr lang="it-IT" sz="4000" b="1" dirty="0" smtClean="0"/>
-              <a:t>  Conclusioni</a:t>
-            </a:r>
-          </a:p>
-        </p:txBody>
-      </p:sp>
-      <p:sp>
-        <p:nvSpPr>
-          <p:cNvPr id="4" name="CasellaDiTesto 3"/>
+              <a:rPr lang="it-IT" sz="3600" b="1" dirty="0" smtClean="0"/>
+              <a:t>Problemi riscontrati nella stesura del RAD</a:t>
+            </a:r>
+            <a:endParaRPr lang="it-IT" sz="3600" b="1" dirty="0"/>
+          </a:p>
+        </p:txBody>
+      </p:sp>
+      <p:sp>
+        <p:nvSpPr>
+          <p:cNvPr id="3" name="CasellaDiTesto 2"/>
           <p:cNvSpPr txBox="1"/>
           <p:nvPr/>
         </p:nvSpPr>
         <p:spPr>
           <a:xfrm>
-            <a:off x="0" y="1628800"/>
-            <a:ext cx="9144000" cy="3416320"/>
+            <a:off x="0" y="1700808"/>
+            <a:ext cx="9144000" cy="3785652"/>
           </a:xfrm>
           <a:prstGeom prst="rect">
             <a:avLst/>
@@ -5556,193 +5389,80 @@
           </a:bodyPr>
           <a:lstStyle/>
           <a:p>
-            <a:pPr marL="285750" indent="-285750">
-              <a:buFont typeface="Arial" pitchFamily="34" charset="0"/>
-              <a:buChar char="•"/>
-            </a:pPr>
-            <a:r>
-              <a:rPr lang="it-IT" b="1" dirty="0" smtClean="0">
-                <a:latin typeface="Arial" pitchFamily="34" charset="0"/>
-                <a:cs typeface="Arial" pitchFamily="34" charset="0"/>
+            <a:r>
+              <a:rPr lang="it-IT" sz="2400" dirty="0" smtClean="0">
+                <a:solidFill>
+                  <a:srgbClr val="FF0000"/>
+                </a:solidFill>
               </a:rPr>
-              <a:t>Cosa è andato per  il verso giusto:</a:t>
-            </a:r>
-          </a:p>
-          <a:p>
-            <a:r>
-              <a:rPr lang="it-IT" dirty="0" smtClean="0">
-                <a:latin typeface="Arial" pitchFamily="34" charset="0"/>
-                <a:cs typeface="Arial" pitchFamily="34" charset="0"/>
-              </a:rPr>
-              <a:t>La </a:t>
-            </a:r>
-            <a:r>
-              <a:rPr lang="it-IT" dirty="0">
-                <a:latin typeface="Arial" pitchFamily="34" charset="0"/>
-                <a:cs typeface="Arial" pitchFamily="34" charset="0"/>
-              </a:rPr>
-              <a:t>stesura del RAD </a:t>
-            </a:r>
-            <a:r>
-              <a:rPr lang="it-IT" dirty="0" smtClean="0">
-                <a:latin typeface="Arial" pitchFamily="34" charset="0"/>
-                <a:cs typeface="Arial" pitchFamily="34" charset="0"/>
-              </a:rPr>
+              <a:t>Contro</a:t>
+            </a:r>
+          </a:p>
+          <a:p>
+            <a:r>
+              <a:rPr lang="it-IT" sz="2400" dirty="0" smtClean="0"/>
+              <a:t>Come detto già in precedenza in una diapositiva, un problema che abbiamo riscontrato nella stesura del RAD, è stato quello dei tirocinanti.</a:t>
+            </a:r>
+          </a:p>
+          <a:p>
+            <a:r>
+              <a:rPr lang="it-IT" sz="2400" dirty="0" smtClean="0"/>
+              <a:t>In corso d’opera quando abbiamo appreso meglio tutti i requisiti riguardanti i tirocinanti, abbiamo dovuto modificare tutto quello che avevamo fatto in precedenza.  Aggiungere altri </a:t>
+            </a:r>
+            <a:r>
+              <a:rPr lang="it-IT" sz="2400" u="sng" dirty="0" smtClean="0"/>
+              <a:t>casi d’uso</a:t>
+            </a:r>
+            <a:r>
+              <a:rPr lang="it-IT" sz="2400" dirty="0" smtClean="0"/>
+              <a:t>, modificare i </a:t>
+            </a:r>
+            <a:r>
+              <a:rPr lang="it-IT" sz="2400" u="sng" dirty="0" smtClean="0"/>
+              <a:t>requisiti</a:t>
+            </a:r>
+            <a:r>
+              <a:rPr lang="it-IT" sz="2400" dirty="0" smtClean="0"/>
+              <a:t> esistenti, aggiornare gli </a:t>
+            </a:r>
+            <a:r>
+              <a:rPr lang="it-IT" sz="2400" u="sng" dirty="0" smtClean="0"/>
+              <a:t>use case </a:t>
+            </a:r>
+            <a:r>
+              <a:rPr lang="it-IT" sz="2400" u="sng" dirty="0" err="1" smtClean="0"/>
+              <a:t>diagram</a:t>
+            </a:r>
+            <a:r>
+              <a:rPr lang="it-IT" sz="2400" u="sng" dirty="0" smtClean="0"/>
               <a:t> </a:t>
             </a:r>
             <a:r>
-              <a:rPr lang="it-IT" dirty="0">
-                <a:latin typeface="Arial" pitchFamily="34" charset="0"/>
-                <a:cs typeface="Arial" pitchFamily="34" charset="0"/>
-              </a:rPr>
-              <a:t>in tutte le </a:t>
-            </a:r>
-            <a:r>
-              <a:rPr lang="it-IT" dirty="0" smtClean="0">
-                <a:latin typeface="Arial" pitchFamily="34" charset="0"/>
-                <a:cs typeface="Arial" pitchFamily="34" charset="0"/>
-              </a:rPr>
-              <a:t>sue </a:t>
-            </a:r>
-            <a:r>
-              <a:rPr lang="it-IT" dirty="0">
-                <a:latin typeface="Arial" pitchFamily="34" charset="0"/>
-                <a:cs typeface="Arial" pitchFamily="34" charset="0"/>
-              </a:rPr>
-              <a:t>versioni non ha creato molti </a:t>
-            </a:r>
-            <a:r>
-              <a:rPr lang="it-IT" dirty="0" smtClean="0">
-                <a:latin typeface="Arial" pitchFamily="34" charset="0"/>
-                <a:cs typeface="Arial" pitchFamily="34" charset="0"/>
-              </a:rPr>
-              <a:t>problemi </a:t>
-            </a:r>
-            <a:r>
-              <a:rPr lang="it-IT" dirty="0">
-                <a:latin typeface="Arial" pitchFamily="34" charset="0"/>
-                <a:cs typeface="Arial" pitchFamily="34" charset="0"/>
-              </a:rPr>
-              <a:t>al </a:t>
-            </a:r>
-            <a:r>
-              <a:rPr lang="it-IT" dirty="0" smtClean="0">
-                <a:latin typeface="Arial" pitchFamily="34" charset="0"/>
-                <a:cs typeface="Arial" pitchFamily="34" charset="0"/>
-              </a:rPr>
-              <a:t>team, una volta superate le prime difficoltà, il lavoro ha proceduto in modo uniforme.</a:t>
-            </a:r>
-          </a:p>
-          <a:p>
-            <a:r>
-              <a:rPr lang="it-IT" dirty="0" smtClean="0">
-                <a:latin typeface="Arial" pitchFamily="34" charset="0"/>
-                <a:cs typeface="Arial" pitchFamily="34" charset="0"/>
-              </a:rPr>
-              <a:t>Il RAD con tutti i suoi </a:t>
-            </a:r>
-            <a:r>
-              <a:rPr lang="it-IT" dirty="0">
-                <a:latin typeface="Arial" pitchFamily="34" charset="0"/>
-                <a:cs typeface="Arial" pitchFamily="34" charset="0"/>
-              </a:rPr>
-              <a:t>documenti sono stati raffinati al crescere della conoscenza della </a:t>
-            </a:r>
-          </a:p>
-          <a:p>
-            <a:r>
-              <a:rPr lang="it-IT" dirty="0" smtClean="0">
-                <a:latin typeface="Arial" pitchFamily="34" charset="0"/>
-                <a:cs typeface="Arial" pitchFamily="34" charset="0"/>
-              </a:rPr>
-              <a:t>materia </a:t>
-            </a:r>
-            <a:r>
-              <a:rPr lang="it-IT" dirty="0">
-                <a:latin typeface="Arial" pitchFamily="34" charset="0"/>
-                <a:cs typeface="Arial" pitchFamily="34" charset="0"/>
-              </a:rPr>
-              <a:t>e non è stato difficile comunicare con il team per suddividere il </a:t>
-            </a:r>
-            <a:r>
-              <a:rPr lang="it-IT" dirty="0" smtClean="0">
-                <a:latin typeface="Arial" pitchFamily="34" charset="0"/>
-                <a:cs typeface="Arial" pitchFamily="34" charset="0"/>
-              </a:rPr>
-              <a:t>lavoro.</a:t>
-            </a:r>
-          </a:p>
-          <a:p>
-            <a:pPr marL="285750" indent="-285750">
-              <a:buFont typeface="Arial" pitchFamily="34" charset="0"/>
-              <a:buChar char="•"/>
-            </a:pPr>
-            <a:r>
-              <a:rPr lang="it-IT" b="1" dirty="0" smtClean="0">
-                <a:latin typeface="Arial" pitchFamily="34" charset="0"/>
-                <a:cs typeface="Arial" pitchFamily="34" charset="0"/>
-              </a:rPr>
-              <a:t>Cosa poteva essere fatto diversamente:</a:t>
-            </a:r>
-          </a:p>
-          <a:p>
-            <a:r>
-              <a:rPr lang="it-IT" dirty="0" smtClean="0">
-                <a:latin typeface="Arial" pitchFamily="34" charset="0"/>
-                <a:cs typeface="Arial" pitchFamily="34" charset="0"/>
-              </a:rPr>
-              <a:t>Non avendo mai usato determinati programmi come </a:t>
-            </a:r>
-            <a:r>
-              <a:rPr lang="it-IT" dirty="0" err="1" smtClean="0">
-                <a:latin typeface="Arial" pitchFamily="34" charset="0"/>
-                <a:cs typeface="Arial" pitchFamily="34" charset="0"/>
-              </a:rPr>
-              <a:t>Umlet</a:t>
-            </a:r>
-            <a:r>
-              <a:rPr lang="it-IT" dirty="0" smtClean="0">
-                <a:latin typeface="Arial" pitchFamily="34" charset="0"/>
-                <a:cs typeface="Arial" pitchFamily="34" charset="0"/>
-              </a:rPr>
-              <a:t> e </a:t>
-            </a:r>
-            <a:r>
-              <a:rPr lang="it-IT" dirty="0" err="1" smtClean="0">
-                <a:latin typeface="Arial" pitchFamily="34" charset="0"/>
-                <a:cs typeface="Arial" pitchFamily="34" charset="0"/>
-              </a:rPr>
-              <a:t>Balsamiq</a:t>
-            </a:r>
-            <a:r>
-              <a:rPr lang="it-IT" dirty="0" smtClean="0">
-                <a:latin typeface="Arial" pitchFamily="34" charset="0"/>
-                <a:cs typeface="Arial" pitchFamily="34" charset="0"/>
-              </a:rPr>
-              <a:t>, il primo impatto è stato un </a:t>
-            </a:r>
-            <a:r>
-              <a:rPr lang="it-IT" dirty="0" err="1" smtClean="0">
-                <a:latin typeface="Arial" pitchFamily="34" charset="0"/>
-                <a:cs typeface="Arial" pitchFamily="34" charset="0"/>
-              </a:rPr>
-              <a:t>po</a:t>
-            </a:r>
-            <a:r>
-              <a:rPr lang="it-IT" dirty="0" smtClean="0">
-                <a:latin typeface="Arial" pitchFamily="34" charset="0"/>
-                <a:cs typeface="Arial" pitchFamily="34" charset="0"/>
-              </a:rPr>
-              <a:t> traumatico, ma una volta che si ha preso confidenza con gli strumenti in nostro possesso poi è stato tutto più facile e rapido. Per le problematiche spiegate in precedenza e per la mancanza di tempo necessario, tutto il lavoro su l’individuazione degli attori, con annesso tutte le difficoltà sul capire bene i requisiti da adottare, poteva essere fatta in modo migliore.</a:t>
-            </a:r>
-            <a:endParaRPr lang="it-IT" dirty="0"/>
+              <a:rPr lang="it-IT" sz="2400" dirty="0" smtClean="0"/>
+              <a:t>e </a:t>
+            </a:r>
+            <a:r>
+              <a:rPr lang="it-IT" sz="2400" u="sng" dirty="0" err="1" smtClean="0"/>
+              <a:t>sequence</a:t>
+            </a:r>
+            <a:r>
+              <a:rPr lang="it-IT" sz="2400" dirty="0" smtClean="0"/>
+              <a:t>. Tutto questo ha richiesto un maggior impegno che all’inizio non era stato programmato.</a:t>
+            </a:r>
+          </a:p>
+          <a:p>
+            <a:r>
+              <a:rPr lang="it-IT" sz="2400" dirty="0" smtClean="0"/>
+              <a:t> </a:t>
+            </a:r>
+            <a:endParaRPr lang="it-IT" sz="2400" dirty="0"/>
           </a:p>
         </p:txBody>
       </p:sp>
     </p:spTree>
     <p:extLst>
       <p:ext uri="{BB962C8B-B14F-4D97-AF65-F5344CB8AC3E}">
-        <p14:creationId xmlns="" xmlns:p14="http://schemas.microsoft.com/office/powerpoint/2010/main" val="957313322"/>
+        <p14:creationId xmlns:p14="http://schemas.microsoft.com/office/powerpoint/2010/main" val="2176004432"/>
       </p:ext>
     </p:extLst>
   </p:cSld>
@@ -5771,6 +5491,266 @@
       </p:grpSpPr>
       <p:sp>
         <p:nvSpPr>
+          <p:cNvPr id="3" name="CasellaDiTesto 2"/>
+          <p:cNvSpPr txBox="1"/>
+          <p:nvPr/>
+        </p:nvSpPr>
+        <p:spPr>
+          <a:xfrm>
+            <a:off x="0" y="692696"/>
+            <a:ext cx="9144000" cy="707886"/>
+          </a:xfrm>
+          <a:prstGeom prst="rect">
+            <a:avLst/>
+          </a:prstGeom>
+          <a:noFill/>
+        </p:spPr>
+        <p:txBody>
+          <a:bodyPr wrap="square" rtlCol="0">
+            <a:spAutoFit/>
+          </a:bodyPr>
+          <a:lstStyle/>
+          <a:p>
+            <a:pPr algn="ctr"/>
+            <a:r>
+              <a:rPr lang="it-IT" sz="4000" b="1" dirty="0" smtClean="0"/>
+              <a:t>  Conclusioni</a:t>
+            </a:r>
+          </a:p>
+        </p:txBody>
+      </p:sp>
+      <p:sp>
+        <p:nvSpPr>
+          <p:cNvPr id="4" name="CasellaDiTesto 3"/>
+          <p:cNvSpPr txBox="1"/>
+          <p:nvPr/>
+        </p:nvSpPr>
+        <p:spPr>
+          <a:xfrm>
+            <a:off x="0" y="1628800"/>
+            <a:ext cx="9144000" cy="1477328"/>
+          </a:xfrm>
+          <a:prstGeom prst="rect">
+            <a:avLst/>
+          </a:prstGeom>
+          <a:noFill/>
+        </p:spPr>
+        <p:txBody>
+          <a:bodyPr wrap="square" rtlCol="0">
+            <a:spAutoFit/>
+          </a:bodyPr>
+          <a:lstStyle/>
+          <a:p>
+            <a:pPr marL="285750" indent="-285750">
+              <a:buFont typeface="Arial" pitchFamily="34" charset="0"/>
+              <a:buChar char="•"/>
+            </a:pPr>
+            <a:r>
+              <a:rPr lang="it-IT" b="1" dirty="0" smtClean="0">
+                <a:latin typeface="Arial" pitchFamily="34" charset="0"/>
+                <a:cs typeface="Arial" pitchFamily="34" charset="0"/>
+              </a:rPr>
+              <a:t>Cosa è andato per  il verso giusto:</a:t>
+            </a:r>
+          </a:p>
+          <a:p>
+            <a:r>
+              <a:rPr lang="it-IT" dirty="0" smtClean="0">
+                <a:latin typeface="Arial" pitchFamily="34" charset="0"/>
+                <a:cs typeface="Arial" pitchFamily="34" charset="0"/>
+              </a:rPr>
+              <a:t>La </a:t>
+            </a:r>
+            <a:r>
+              <a:rPr lang="it-IT" dirty="0">
+                <a:latin typeface="Arial" pitchFamily="34" charset="0"/>
+                <a:cs typeface="Arial" pitchFamily="34" charset="0"/>
+              </a:rPr>
+              <a:t>stesura del RAD </a:t>
+            </a:r>
+            <a:r>
+              <a:rPr lang="it-IT" dirty="0" smtClean="0">
+                <a:latin typeface="Arial" pitchFamily="34" charset="0"/>
+                <a:cs typeface="Arial" pitchFamily="34" charset="0"/>
+              </a:rPr>
+              <a:t> </a:t>
+            </a:r>
+            <a:r>
+              <a:rPr lang="it-IT" dirty="0">
+                <a:latin typeface="Arial" pitchFamily="34" charset="0"/>
+                <a:cs typeface="Arial" pitchFamily="34" charset="0"/>
+              </a:rPr>
+              <a:t>in tutte le </a:t>
+            </a:r>
+            <a:r>
+              <a:rPr lang="it-IT" dirty="0" smtClean="0">
+                <a:latin typeface="Arial" pitchFamily="34" charset="0"/>
+                <a:cs typeface="Arial" pitchFamily="34" charset="0"/>
+              </a:rPr>
+              <a:t>sue </a:t>
+            </a:r>
+            <a:r>
+              <a:rPr lang="it-IT" dirty="0">
+                <a:latin typeface="Arial" pitchFamily="34" charset="0"/>
+                <a:cs typeface="Arial" pitchFamily="34" charset="0"/>
+              </a:rPr>
+              <a:t>versioni </a:t>
+            </a:r>
+            <a:r>
+              <a:rPr lang="it-IT" dirty="0" smtClean="0">
+                <a:latin typeface="Arial" pitchFamily="34" charset="0"/>
+                <a:cs typeface="Arial" pitchFamily="34" charset="0"/>
+              </a:rPr>
+              <a:t>non </a:t>
+            </a:r>
+            <a:r>
+              <a:rPr lang="it-IT" dirty="0">
+                <a:latin typeface="Arial" pitchFamily="34" charset="0"/>
+                <a:cs typeface="Arial" pitchFamily="34" charset="0"/>
+              </a:rPr>
+              <a:t>ha creato molti </a:t>
+            </a:r>
+            <a:r>
+              <a:rPr lang="it-IT" dirty="0" smtClean="0">
+                <a:latin typeface="Arial" pitchFamily="34" charset="0"/>
+                <a:cs typeface="Arial" pitchFamily="34" charset="0"/>
+              </a:rPr>
+              <a:t>problemi </a:t>
+            </a:r>
+            <a:r>
+              <a:rPr lang="it-IT" dirty="0">
+                <a:latin typeface="Arial" pitchFamily="34" charset="0"/>
+                <a:cs typeface="Arial" pitchFamily="34" charset="0"/>
+              </a:rPr>
+              <a:t>al </a:t>
+            </a:r>
+            <a:r>
+              <a:rPr lang="it-IT" dirty="0" smtClean="0">
+                <a:latin typeface="Arial" pitchFamily="34" charset="0"/>
+                <a:cs typeface="Arial" pitchFamily="34" charset="0"/>
+              </a:rPr>
+              <a:t>team: </a:t>
+            </a:r>
+            <a:r>
+              <a:rPr lang="it-IT" dirty="0" smtClean="0">
+                <a:latin typeface="Arial" pitchFamily="34" charset="0"/>
+                <a:cs typeface="Arial" pitchFamily="34" charset="0"/>
+              </a:rPr>
+              <a:t>una volta superate le prime difficoltà, il lavoro </a:t>
+            </a:r>
+            <a:r>
+              <a:rPr lang="it-IT" dirty="0" smtClean="0">
+                <a:latin typeface="Arial" pitchFamily="34" charset="0"/>
+                <a:cs typeface="Arial" pitchFamily="34" charset="0"/>
+              </a:rPr>
+              <a:t>è continuato in </a:t>
+            </a:r>
+            <a:r>
+              <a:rPr lang="it-IT" dirty="0" smtClean="0">
+                <a:latin typeface="Arial" pitchFamily="34" charset="0"/>
+                <a:cs typeface="Arial" pitchFamily="34" charset="0"/>
+              </a:rPr>
+              <a:t>modo uniforme.</a:t>
+            </a:r>
+          </a:p>
+          <a:p>
+            <a:r>
+              <a:rPr lang="it-IT" dirty="0" smtClean="0">
+                <a:latin typeface="Arial" pitchFamily="34" charset="0"/>
+                <a:cs typeface="Arial" pitchFamily="34" charset="0"/>
+              </a:rPr>
+              <a:t>Il RAD </a:t>
+            </a:r>
+            <a:r>
+              <a:rPr lang="it-IT" dirty="0" smtClean="0">
+                <a:latin typeface="Arial" pitchFamily="34" charset="0"/>
+                <a:cs typeface="Arial" pitchFamily="34" charset="0"/>
+              </a:rPr>
+              <a:t>è stato raffinato  con l’aumentare delle conoscenze sulla materia.</a:t>
+            </a:r>
+          </a:p>
+          <a:p>
+            <a:r>
+              <a:rPr lang="it-IT" dirty="0" smtClean="0">
+                <a:latin typeface="Arial" pitchFamily="34" charset="0"/>
+                <a:cs typeface="Arial" pitchFamily="34" charset="0"/>
+              </a:rPr>
+              <a:t>Non </a:t>
+            </a:r>
+            <a:r>
+              <a:rPr lang="it-IT" dirty="0">
+                <a:latin typeface="Arial" pitchFamily="34" charset="0"/>
+                <a:cs typeface="Arial" pitchFamily="34" charset="0"/>
+              </a:rPr>
+              <a:t>è stato difficile comunicare con </a:t>
+            </a:r>
+            <a:r>
+              <a:rPr lang="it-IT" dirty="0" smtClean="0">
+                <a:latin typeface="Arial" pitchFamily="34" charset="0"/>
+                <a:cs typeface="Arial" pitchFamily="34" charset="0"/>
+              </a:rPr>
+              <a:t>i </a:t>
+            </a:r>
+            <a:r>
+              <a:rPr lang="it-IT" dirty="0">
+                <a:latin typeface="Arial" pitchFamily="34" charset="0"/>
+                <a:cs typeface="Arial" pitchFamily="34" charset="0"/>
+              </a:rPr>
+              <a:t>team per suddividere il </a:t>
+            </a:r>
+            <a:r>
+              <a:rPr lang="it-IT" dirty="0" smtClean="0">
+                <a:latin typeface="Arial" pitchFamily="34" charset="0"/>
+                <a:cs typeface="Arial" pitchFamily="34" charset="0"/>
+              </a:rPr>
+              <a:t>lavoro</a:t>
+            </a:r>
+            <a:r>
+              <a:rPr lang="it-IT" dirty="0" smtClean="0">
+                <a:latin typeface="Arial" pitchFamily="34" charset="0"/>
+                <a:cs typeface="Arial" pitchFamily="34" charset="0"/>
+              </a:rPr>
+              <a:t>.</a:t>
+            </a:r>
+            <a:endParaRPr lang="it-IT" dirty="0" smtClean="0">
+              <a:latin typeface="Arial" pitchFamily="34" charset="0"/>
+              <a:cs typeface="Arial" pitchFamily="34" charset="0"/>
+            </a:endParaRPr>
+          </a:p>
+        </p:txBody>
+      </p:sp>
+    </p:spTree>
+    <p:extLst>
+      <p:ext uri="{BB962C8B-B14F-4D97-AF65-F5344CB8AC3E}">
+        <p14:creationId xmlns:p14="http://schemas.microsoft.com/office/powerpoint/2010/main" val="957313322"/>
+      </p:ext>
+    </p:extLst>
+  </p:cSld>
+  <p:clrMapOvr>
+    <a:masterClrMapping/>
+  </p:clrMapOvr>
+</p:sld>
+</file>
+
+<file path=ppt/slides/slide17.xml><?xml version="1.0" encoding="utf-8"?>
+<p:sld xmlns:a="http://schemas.openxmlformats.org/drawingml/2006/main" xmlns:r="http://schemas.openxmlformats.org/officeDocument/2006/relationships" xmlns:p="http://schemas.openxmlformats.org/presentationml/2006/main">
+  <p:cSld>
+    <p:spTree>
+      <p:nvGrpSpPr>
+        <p:cNvPr id="1" name=""/>
+        <p:cNvGrpSpPr/>
+        <p:nvPr/>
+      </p:nvGrpSpPr>
+      <p:grpSpPr>
+        <a:xfrm>
+          <a:off x="0" y="0"/>
+          <a:ext cx="0" cy="0"/>
+          <a:chOff x="0" y="0"/>
+          <a:chExt cx="0" cy="0"/>
+        </a:xfrm>
+      </p:grpSpPr>
+      <p:sp>
+        <p:nvSpPr>
           <p:cNvPr id="2" name="CasellaDiTesto 1"/>
           <p:cNvSpPr txBox="1"/>
           <p:nvPr/>
@@ -5888,7 +5868,7 @@
     </p:spTree>
     <p:extLst>
       <p:ext uri="{BB962C8B-B14F-4D97-AF65-F5344CB8AC3E}">
-        <p14:creationId xmlns="" xmlns:p14="http://schemas.microsoft.com/office/powerpoint/2010/main" val="2314765427"/>
+        <p14:creationId xmlns:p14="http://schemas.microsoft.com/office/powerpoint/2010/main" val="2314765427"/>
       </p:ext>
     </p:extLst>
   </p:cSld>
@@ -6441,18 +6421,18 @@
     </p:spTree>
     <p:extLst>
       <p:ext uri="{BB962C8B-B14F-4D97-AF65-F5344CB8AC3E}">
-        <p14:creationId xmlns="" xmlns:p14="http://schemas.microsoft.com/office/powerpoint/2010/main" val="155874689"/>
+        <p14:creationId xmlns:p14="http://schemas.microsoft.com/office/powerpoint/2010/main" val="155874689"/>
       </p:ext>
     </p:extLst>
   </p:cSld>
   <p:clrMapOvr>
     <a:masterClrMapping/>
   </p:clrMapOvr>
-  <mc:AlternateContent xmlns:mc="http://schemas.openxmlformats.org/markup-compatibility/2006">
-    <mc:Choice xmlns="" xmlns:p14="http://schemas.microsoft.com/office/powerpoint/2010/main" Requires="p14">
+  <mc:AlternateContent xmlns:mc="http://schemas.openxmlformats.org/markup-compatibility/2006" xmlns:p14="http://schemas.microsoft.com/office/powerpoint/2010/main">
+    <mc:Choice Requires="p14">
       <p:transition spd="slow" p14:dur="2000"/>
     </mc:Choice>
-    <mc:Fallback>
+    <mc:Fallback xmlns="">
       <p:transition spd="slow"/>
     </mc:Fallback>
   </mc:AlternateContent>
@@ -6526,7 +6506,7 @@
           <a:blip r:embed="rId2" cstate="print">
             <a:extLst>
               <a:ext uri="{28A0092B-C50C-407E-A947-70E740481C1C}">
-                <a14:useLocalDpi xmlns="" xmlns:a14="http://schemas.microsoft.com/office/drawing/2010/main" val="0"/>
+                <a14:useLocalDpi xmlns:a14="http://schemas.microsoft.com/office/drawing/2010/main" val="0"/>
               </a:ext>
             </a:extLst>
           </a:blip>
@@ -6547,7 +6527,7 @@
     </p:spTree>
     <p:extLst>
       <p:ext uri="{BB962C8B-B14F-4D97-AF65-F5344CB8AC3E}">
-        <p14:creationId xmlns="" xmlns:p14="http://schemas.microsoft.com/office/powerpoint/2010/main" val="1421053857"/>
+        <p14:creationId xmlns:p14="http://schemas.microsoft.com/office/powerpoint/2010/main" val="1421053857"/>
       </p:ext>
     </p:extLst>
   </p:cSld>
@@ -6590,7 +6570,7 @@
         <p:spPr>
           <a:xfrm>
             <a:off x="0" y="1124744"/>
-            <a:ext cx="9144000" cy="830997"/>
+            <a:ext cx="9144000" cy="1323439"/>
           </a:xfrm>
           <a:prstGeom prst="rect">
             <a:avLst/>
@@ -6608,7 +6588,14 @@
               <a:rPr lang="it-IT" sz="4800" b="1" dirty="0" smtClean="0"/>
               <a:t>Tirocinanti</a:t>
             </a:r>
-            <a:endParaRPr lang="it-IT" sz="4800" b="1" dirty="0"/>
+          </a:p>
+          <a:p>
+            <a:pPr algn="ctr"/>
+            <a:r>
+              <a:rPr lang="it-IT" sz="3200" b="1" dirty="0" smtClean="0"/>
+              <a:t>Requisiti funzionali</a:t>
+            </a:r>
+            <a:endParaRPr lang="it-IT" sz="3200" b="1" dirty="0"/>
           </a:p>
         </p:txBody>
       </p:sp>
@@ -6621,7 +6608,7 @@
         <p:spPr>
           <a:xfrm>
             <a:off x="0" y="2204864"/>
-            <a:ext cx="9144000" cy="1631216"/>
+            <a:ext cx="9144000" cy="3170099"/>
           </a:xfrm>
           <a:prstGeom prst="rect">
             <a:avLst/>
@@ -6634,16 +6621,66 @@
           </a:bodyPr>
           <a:lstStyle/>
           <a:p>
+            <a:endParaRPr lang="it-IT" sz="2000" dirty="0" smtClean="0"/>
+          </a:p>
+          <a:p>
+            <a:pPr marL="342900" indent="-342900">
+              <a:buFont typeface="Arial" pitchFamily="34" charset="0"/>
+              <a:buChar char="•"/>
+            </a:pPr>
+            <a:r>
+              <a:rPr lang="it-IT" sz="2000" b="1" dirty="0" smtClean="0"/>
+              <a:t>RF_M_2.10 </a:t>
+            </a:r>
             <a:r>
               <a:rPr lang="it-IT" sz="2000" dirty="0" smtClean="0"/>
-              <a:t>Questa funzionalità è stata quella che ci ha impegnati maggiormente.</a:t>
-            </a:r>
-          </a:p>
-          <a:p>
+              <a:t>Possibilità </a:t>
+            </a:r>
+            <a:r>
+              <a:rPr lang="it-IT" sz="2000" dirty="0"/>
+              <a:t>di visualizzare il registro delle attività del tirocinante da parte del tirocinante, responsabile tirocini e della segreteria dell'asilo</a:t>
+            </a:r>
+          </a:p>
+          <a:p>
+            <a:endParaRPr lang="it-IT" sz="2000" dirty="0"/>
+          </a:p>
+          <a:p>
+            <a:pPr marL="342900" indent="-342900">
+              <a:buFont typeface="Arial" pitchFamily="34" charset="0"/>
+              <a:buChar char="•"/>
+            </a:pPr>
+            <a:r>
+              <a:rPr lang="it-IT" sz="2000" b="1" dirty="0"/>
+              <a:t>RF_M_2.14</a:t>
+            </a:r>
+            <a:r>
+              <a:rPr lang="it-IT" sz="2000" dirty="0"/>
+              <a:t>Possibilità di poter contestare l'allocazione da parte del </a:t>
+            </a:r>
             <a:r>
               <a:rPr lang="it-IT" sz="2000" dirty="0" smtClean="0"/>
-              <a:t>Infatti in una prima analisi erano stati riscontrati solo 6 casi d’uso, poi in corso d’opera, man mano che il progetto prendeva forma e acquisivamo nuove informazioni su come dovevano interagire i tirocinanti con il sistema i casi d’uso sono diventati 19. </a:t>
-            </a:r>
+              <a:t>tirocinante</a:t>
+            </a:r>
+            <a:r>
+              <a:rPr lang="it-IT" sz="2000" dirty="0"/>
+              <a:t>.</a:t>
+            </a:r>
+          </a:p>
+          <a:p>
+            <a:endParaRPr lang="it-IT" sz="2000" dirty="0"/>
+          </a:p>
+          <a:p>
+            <a:endParaRPr lang="it-IT" sz="2000" dirty="0"/>
+          </a:p>
+          <a:p>
+            <a:endParaRPr lang="it-IT" sz="2000" dirty="0"/>
+          </a:p>
+          <a:p>
+            <a:r>
+              <a:rPr lang="it-IT" sz="2000" dirty="0" smtClean="0"/>
+              <a:t> </a:t>
+            </a:r>
+            <a:endParaRPr lang="it-IT" sz="2000" dirty="0" smtClean="0"/>
           </a:p>
           <a:p>
             <a:endParaRPr lang="it-IT" sz="2000" dirty="0"/>
@@ -6653,7 +6690,7 @@
     </p:spTree>
     <p:extLst>
       <p:ext uri="{BB962C8B-B14F-4D97-AF65-F5344CB8AC3E}">
-        <p14:creationId xmlns="" xmlns:p14="http://schemas.microsoft.com/office/powerpoint/2010/main" val="966444375"/>
+        <p14:creationId xmlns:p14="http://schemas.microsoft.com/office/powerpoint/2010/main" val="966444375"/>
       </p:ext>
     </p:extLst>
   </p:cSld>
@@ -6695,8 +6732,8 @@
         </p:nvSpPr>
         <p:spPr>
           <a:xfrm>
-            <a:off x="0" y="1124743"/>
-            <a:ext cx="9144000" cy="646331"/>
+            <a:off x="0" y="764704"/>
+            <a:ext cx="9144000" cy="1815882"/>
           </a:xfrm>
           <a:prstGeom prst="rect">
             <a:avLst/>
@@ -6711,23 +6748,38 @@
           <a:p>
             <a:pPr algn="ctr"/>
             <a:r>
-              <a:rPr lang="it-IT" sz="3600" b="1" dirty="0" smtClean="0"/>
-              <a:t>Cosa possono fare i Tirocinanti ?</a:t>
-            </a:r>
-            <a:endParaRPr lang="it-IT" sz="3600" b="1" dirty="0"/>
-          </a:p>
-        </p:txBody>
-      </p:sp>
-      <p:sp>
-        <p:nvSpPr>
-          <p:cNvPr id="3" name="CasellaDiTesto 2"/>
+              <a:rPr lang="it-IT" sz="4000" b="1" dirty="0" smtClean="0"/>
+              <a:t>Responsabile </a:t>
+            </a:r>
+            <a:r>
+              <a:rPr lang="it-IT" sz="4000" b="1" dirty="0" smtClean="0"/>
+              <a:t>Tirocini</a:t>
+            </a:r>
+          </a:p>
+          <a:p>
+            <a:pPr algn="ctr"/>
+            <a:r>
+              <a:rPr lang="it-IT" sz="3200" b="1" dirty="0" smtClean="0"/>
+              <a:t>Requisiti Funzionali</a:t>
+            </a:r>
+            <a:endParaRPr lang="it-IT" sz="3200" b="1" dirty="0" smtClean="0"/>
+          </a:p>
+          <a:p>
+            <a:pPr algn="ctr"/>
+            <a:endParaRPr lang="it-IT" sz="4000" b="1" dirty="0"/>
+          </a:p>
+        </p:txBody>
+      </p:sp>
+      <p:sp>
+        <p:nvSpPr>
+          <p:cNvPr id="4" name="CasellaDiTesto 3"/>
           <p:cNvSpPr txBox="1"/>
           <p:nvPr/>
         </p:nvSpPr>
         <p:spPr>
           <a:xfrm>
-            <a:off x="0" y="2132856"/>
-            <a:ext cx="9144000" cy="2308324"/>
+            <a:off x="-1844" y="1768748"/>
+            <a:ext cx="9144000" cy="5909310"/>
           </a:xfrm>
           <a:prstGeom prst="rect">
             <a:avLst/>
@@ -6740,24 +6792,142 @@
           </a:bodyPr>
           <a:lstStyle/>
           <a:p>
-            <a:r>
-              <a:rPr lang="it-IT" sz="2400" dirty="0" smtClean="0"/>
-              <a:t>La figura del tirocinante è inserita nel sistema in quanto, l’asilo fa parte dell’ateneo, quindi l’università da la possibilità agli studenti di scienze della formazione di  svolgere il proprio tirocinio presso l’asilo.</a:t>
-            </a:r>
-          </a:p>
-          <a:p>
-            <a:r>
-              <a:rPr lang="it-IT" sz="2400" dirty="0" smtClean="0"/>
-              <a:t>Le funzioni del tirocinante nel sistema sono solo quelle di visualizzare la propria scheda personale e le attività mediante un calendario, in quanto tutte le sue decisioni vengono prese dal responsabile tirocini . </a:t>
-            </a:r>
-            <a:endParaRPr lang="it-IT" sz="2400" dirty="0"/>
+            <a:endParaRPr lang="it-IT" dirty="0" smtClean="0"/>
+          </a:p>
+          <a:p>
+            <a:endParaRPr lang="it-IT" dirty="0"/>
+          </a:p>
+          <a:p>
+            <a:pPr marL="285750" indent="-285750">
+              <a:buFont typeface="Arial" pitchFamily="34" charset="0"/>
+              <a:buChar char="•"/>
+            </a:pPr>
+            <a:r>
+              <a:rPr lang="it-IT" b="1" dirty="0" smtClean="0"/>
+              <a:t>RF_M_2.6 </a:t>
+            </a:r>
+            <a:r>
+              <a:rPr lang="it-IT" dirty="0" smtClean="0"/>
+              <a:t>Possibilità </a:t>
+            </a:r>
+            <a:r>
+              <a:rPr lang="it-IT" dirty="0"/>
+              <a:t>di aggiungere il feedback sulla schedulazione di un tirocinante da parte del responsabile </a:t>
+            </a:r>
+            <a:r>
+              <a:rPr lang="it-IT" dirty="0" smtClean="0"/>
+              <a:t>tirocini</a:t>
+            </a:r>
+          </a:p>
+          <a:p>
+            <a:endParaRPr lang="it-IT" dirty="0"/>
+          </a:p>
+          <a:p>
+            <a:pPr marL="285750" indent="-285750">
+              <a:buFont typeface="Arial" pitchFamily="34" charset="0"/>
+              <a:buChar char="•"/>
+            </a:pPr>
+            <a:r>
+              <a:rPr lang="it-IT" b="1" dirty="0" smtClean="0"/>
+              <a:t>RF_M_2.10 </a:t>
+            </a:r>
+            <a:r>
+              <a:rPr lang="it-IT" dirty="0" smtClean="0"/>
+              <a:t>Possibilità </a:t>
+            </a:r>
+            <a:r>
+              <a:rPr lang="it-IT" dirty="0"/>
+              <a:t>di visualizzare il registro delle attività del tirocinante da parte del tirocinante, responsabile tirocini e della segreteria dell'asilo;</a:t>
+            </a:r>
+          </a:p>
+          <a:p>
+            <a:endParaRPr lang="it-IT" dirty="0"/>
+          </a:p>
+          <a:p>
+            <a:pPr marL="285750" indent="-285750">
+              <a:buFont typeface="Arial" pitchFamily="34" charset="0"/>
+              <a:buChar char="•"/>
+            </a:pPr>
+            <a:r>
+              <a:rPr lang="it-IT" b="1" dirty="0" smtClean="0"/>
+              <a:t>RF_M_2.12 </a:t>
+            </a:r>
+            <a:r>
+              <a:rPr lang="it-IT" dirty="0" smtClean="0"/>
+              <a:t>Possibilità </a:t>
+            </a:r>
+            <a:r>
+              <a:rPr lang="it-IT" dirty="0"/>
+              <a:t>di visualizzare la schedulazione dei tirocinanti da parte del responsabile tirocini e dalla segreteria dell'asilo e del tirocinante.</a:t>
+            </a:r>
+          </a:p>
+          <a:p>
+            <a:endParaRPr lang="it-IT" dirty="0"/>
+          </a:p>
+          <a:p>
+            <a:pPr marL="285750" indent="-285750">
+              <a:buFont typeface="Arial" pitchFamily="34" charset="0"/>
+              <a:buChar char="•"/>
+            </a:pPr>
+            <a:r>
+              <a:rPr lang="it-IT" b="1" dirty="0" smtClean="0"/>
+              <a:t>RF_M_2.13 </a:t>
+            </a:r>
+            <a:r>
+              <a:rPr lang="it-IT" dirty="0" smtClean="0"/>
+              <a:t>Possibilità </a:t>
+            </a:r>
+            <a:r>
+              <a:rPr lang="it-IT" dirty="0"/>
+              <a:t>di inserimento della schedulazione dei tirocinanti da parte del responsabile tirocini</a:t>
+            </a:r>
+            <a:r>
+              <a:rPr lang="it-IT" dirty="0" smtClean="0"/>
+              <a:t>.</a:t>
+            </a:r>
+          </a:p>
+          <a:p>
+            <a:endParaRPr lang="it-IT" dirty="0"/>
+          </a:p>
+          <a:p>
+            <a:pPr marL="285750" indent="-285750">
+              <a:buFont typeface="Arial" pitchFamily="34" charset="0"/>
+              <a:buChar char="•"/>
+            </a:pPr>
+            <a:r>
+              <a:rPr lang="it-IT" b="1" dirty="0" smtClean="0"/>
+              <a:t>RF_M_2.15 </a:t>
+            </a:r>
+            <a:r>
+              <a:rPr lang="it-IT" dirty="0" smtClean="0"/>
+              <a:t>Possibilità </a:t>
+            </a:r>
+            <a:r>
+              <a:rPr lang="it-IT" dirty="0"/>
+              <a:t>di modifica della schedulazione dei tirocinanti da parte del responsabile tirocini.</a:t>
+            </a:r>
+          </a:p>
+          <a:p>
+            <a:endParaRPr lang="it-IT" dirty="0"/>
+          </a:p>
+          <a:p>
+            <a:endParaRPr lang="it-IT" dirty="0"/>
+          </a:p>
+          <a:p>
+            <a:endParaRPr lang="it-IT" dirty="0"/>
+          </a:p>
+          <a:p>
+            <a:endParaRPr lang="it-IT" dirty="0" smtClean="0"/>
+          </a:p>
+          <a:p>
+            <a:endParaRPr lang="it-IT" dirty="0"/>
           </a:p>
         </p:txBody>
       </p:sp>
     </p:spTree>
     <p:extLst>
       <p:ext uri="{BB962C8B-B14F-4D97-AF65-F5344CB8AC3E}">
-        <p14:creationId xmlns="" xmlns:p14="http://schemas.microsoft.com/office/powerpoint/2010/main" val="2537338845"/>
+        <p14:creationId xmlns:p14="http://schemas.microsoft.com/office/powerpoint/2010/main" val="529095658"/>
       </p:ext>
     </p:extLst>
   </p:cSld>
@@ -6799,8 +6969,8 @@
         </p:nvSpPr>
         <p:spPr>
           <a:xfrm>
-            <a:off x="-72008" y="548680"/>
-            <a:ext cx="9144000" cy="707886"/>
+            <a:off x="0" y="548680"/>
+            <a:ext cx="9144000" cy="646331"/>
           </a:xfrm>
           <a:prstGeom prst="rect">
             <a:avLst/>
@@ -6816,15 +6986,15 @@
             <a:pPr algn="ctr"/>
             <a:r>
               <a:rPr lang="it-IT" sz="3600" b="1" dirty="0" smtClean="0"/>
-              <a:t>Use </a:t>
-            </a:r>
-            <a:r>
-              <a:rPr lang="it-IT" sz="4000" b="1" dirty="0" smtClean="0"/>
-              <a:t>Case</a:t>
+              <a:t>Use Case </a:t>
+            </a:r>
+            <a:r>
+              <a:rPr lang="it-IT" sz="3600" b="1" dirty="0" err="1" smtClean="0"/>
+              <a:t>Diagram</a:t>
             </a:r>
             <a:r>
               <a:rPr lang="it-IT" sz="3600" b="1" dirty="0" smtClean="0"/>
-              <a:t> del sistema – RAD 4.0</a:t>
+              <a:t> - RAD 1</a:t>
             </a:r>
             <a:endParaRPr lang="it-IT" sz="3600" b="1" dirty="0"/>
           </a:p>
@@ -6842,7 +7012,7 @@
           <a:blip r:embed="rId2" cstate="print">
             <a:extLst>
               <a:ext uri="{28A0092B-C50C-407E-A947-70E740481C1C}">
-                <a14:useLocalDpi xmlns="" xmlns:a14="http://schemas.microsoft.com/office/drawing/2010/main" val="0"/>
+                <a14:useLocalDpi xmlns:a14="http://schemas.microsoft.com/office/drawing/2010/main" val="0"/>
               </a:ext>
             </a:extLst>
           </a:blip>
@@ -6852,31 +7022,59 @@
         </p:blipFill>
         <p:spPr>
           <a:xfrm>
-            <a:off x="971600" y="1195011"/>
-            <a:ext cx="7056784" cy="3886807"/>
+            <a:off x="1125828" y="1481394"/>
+            <a:ext cx="6954221" cy="4020111"/>
           </a:xfrm>
           <a:prstGeom prst="rect">
             <a:avLst/>
           </a:prstGeom>
         </p:spPr>
       </p:pic>
+      <p:sp>
+        <p:nvSpPr>
+          <p:cNvPr id="5" name="CasellaDiTesto 4"/>
+          <p:cNvSpPr txBox="1"/>
+          <p:nvPr/>
+        </p:nvSpPr>
+        <p:spPr>
+          <a:xfrm>
+            <a:off x="2555776" y="5085184"/>
+            <a:ext cx="3600400" cy="369332"/>
+          </a:xfrm>
+          <a:prstGeom prst="rect">
+            <a:avLst/>
+          </a:prstGeom>
+          <a:noFill/>
+        </p:spPr>
+        <p:txBody>
+          <a:bodyPr wrap="square" rtlCol="0">
+            <a:spAutoFit/>
+          </a:bodyPr>
+          <a:lstStyle/>
+          <a:p>
+            <a:pPr algn="ctr"/>
+            <a:r>
+              <a:rPr lang="it-IT" dirty="0" err="1" smtClean="0"/>
+              <a:t>UCD_Tirocinanti</a:t>
+            </a:r>
+            <a:r>
+              <a:rPr lang="it-IT" dirty="0" smtClean="0"/>
+              <a:t> 1</a:t>
+            </a:r>
+            <a:endParaRPr lang="it-IT" dirty="0"/>
+          </a:p>
+        </p:txBody>
+      </p:sp>
     </p:spTree>
     <p:extLst>
       <p:ext uri="{BB962C8B-B14F-4D97-AF65-F5344CB8AC3E}">
-        <p14:creationId xmlns="" xmlns:p14="http://schemas.microsoft.com/office/powerpoint/2010/main" val="1296864160"/>
+        <p14:creationId xmlns:p14="http://schemas.microsoft.com/office/powerpoint/2010/main" val="422123805"/>
       </p:ext>
     </p:extLst>
   </p:cSld>
   <p:clrMapOvr>
     <a:masterClrMapping/>
   </p:clrMapOvr>
-  <p:timing>
-    <p:tnLst>
-      <p:par>
-        <p:cTn id="1" dur="indefinite" restart="never" nodeType="tmRoot"/>
-      </p:par>
-    </p:tnLst>
-  </p:timing>
 </p:sld>
 </file>
 
@@ -6905,8 +7103,8 @@
         </p:nvSpPr>
         <p:spPr>
           <a:xfrm>
-            <a:off x="-108520" y="836712"/>
-            <a:ext cx="9252520" cy="1323439"/>
+            <a:off x="0" y="908720"/>
+            <a:ext cx="9144000" cy="984885"/>
           </a:xfrm>
           <a:prstGeom prst="rect">
             <a:avLst/>
@@ -6921,19 +7119,58 @@
           <a:p>
             <a:pPr algn="ctr"/>
             <a:r>
-              <a:rPr lang="it-IT" sz="4000" b="1" dirty="0"/>
-              <a:t>Use Case del sistema – RAD 4.0</a:t>
-            </a:r>
-          </a:p>
+              <a:rPr lang="it-IT" sz="4000" b="1" dirty="0" smtClean="0"/>
+              <a:t>Use Case </a:t>
+            </a:r>
+            <a:r>
+              <a:rPr lang="it-IT" sz="4000" b="1" dirty="0" err="1" smtClean="0"/>
+              <a:t>Diagram</a:t>
+            </a:r>
+            <a:r>
+              <a:rPr lang="it-IT" sz="4000" b="1" dirty="0" smtClean="0"/>
+              <a:t> 1 – RAD 4.0</a:t>
+            </a:r>
+            <a:endParaRPr lang="it-IT" sz="4000" dirty="0"/>
+          </a:p>
+          <a:p>
+            <a:endParaRPr lang="it-IT" dirty="0"/>
+          </a:p>
+        </p:txBody>
+      </p:sp>
+      <p:sp>
+        <p:nvSpPr>
+          <p:cNvPr id="5" name="CasellaDiTesto 4"/>
+          <p:cNvSpPr txBox="1"/>
+          <p:nvPr/>
+        </p:nvSpPr>
+        <p:spPr>
+          <a:xfrm>
+            <a:off x="539552" y="5589240"/>
+            <a:ext cx="7848872" cy="369332"/>
+          </a:xfrm>
+          <a:prstGeom prst="rect">
+            <a:avLst/>
+          </a:prstGeom>
+          <a:noFill/>
+        </p:spPr>
+        <p:txBody>
+          <a:bodyPr wrap="square" rtlCol="0">
+            <a:spAutoFit/>
+          </a:bodyPr>
+          <a:lstStyle/>
           <a:p>
             <a:pPr algn="ctr"/>
-            <a:endParaRPr lang="it-IT" sz="4000" dirty="0"/>
+            <a:r>
+              <a:rPr lang="it-IT" dirty="0" err="1"/>
+              <a:t>UCD_Tirocinanti_Registro</a:t>
+            </a:r>
+            <a:endParaRPr lang="it-IT" dirty="0"/>
           </a:p>
         </p:txBody>
       </p:sp>
       <p:pic>
         <p:nvPicPr>
-          <p:cNvPr id="3" name="Immagine 2"/>
+          <p:cNvPr id="6" name="Immagine 5"/>
           <p:cNvPicPr>
             <a:picLocks noChangeAspect="1"/>
           </p:cNvPicPr>
@@ -6943,7 +7180,7 @@
           <a:blip r:embed="rId2" cstate="print">
             <a:extLst>
               <a:ext uri="{28A0092B-C50C-407E-A947-70E740481C1C}">
-                <a14:useLocalDpi xmlns="" xmlns:a14="http://schemas.microsoft.com/office/drawing/2010/main" val="0"/>
+                <a14:useLocalDpi xmlns:a14="http://schemas.microsoft.com/office/drawing/2010/main" val="0"/>
               </a:ext>
             </a:extLst>
           </a:blip>
@@ -6953,18 +7190,52 @@
         </p:blipFill>
         <p:spPr>
           <a:xfrm>
-            <a:off x="737320" y="1700808"/>
-            <a:ext cx="7560840" cy="3759727"/>
+            <a:off x="267639" y="1579568"/>
+            <a:ext cx="8392697" cy="4379004"/>
           </a:xfrm>
           <a:prstGeom prst="rect">
             <a:avLst/>
           </a:prstGeom>
         </p:spPr>
       </p:pic>
+      <p:sp>
+        <p:nvSpPr>
+          <p:cNvPr id="7" name="CasellaDiTesto 6"/>
+          <p:cNvSpPr txBox="1"/>
+          <p:nvPr/>
+        </p:nvSpPr>
+        <p:spPr>
+          <a:xfrm>
+            <a:off x="1547664" y="5958572"/>
+            <a:ext cx="5040560" cy="369332"/>
+          </a:xfrm>
+          <a:prstGeom prst="rect">
+            <a:avLst/>
+          </a:prstGeom>
+          <a:noFill/>
+        </p:spPr>
+        <p:txBody>
+          <a:bodyPr wrap="square" rtlCol="0">
+            <a:spAutoFit/>
+          </a:bodyPr>
+          <a:lstStyle/>
+          <a:p>
+            <a:pPr algn="ctr"/>
+            <a:r>
+              <a:rPr lang="it-IT" dirty="0" err="1" smtClean="0"/>
+              <a:t>UCD_Tirocinanti</a:t>
+            </a:r>
+            <a:r>
+              <a:rPr lang="it-IT" dirty="0" smtClean="0"/>
+              <a:t> 1</a:t>
+            </a:r>
+          </a:p>
+        </p:txBody>
+      </p:sp>
     </p:spTree>
     <p:extLst>
       <p:ext uri="{BB962C8B-B14F-4D97-AF65-F5344CB8AC3E}">
-        <p14:creationId xmlns="" xmlns:p14="http://schemas.microsoft.com/office/powerpoint/2010/main" val="4136420094"/>
+        <p14:creationId xmlns:p14="http://schemas.microsoft.com/office/powerpoint/2010/main" val="247169405"/>
       </p:ext>
     </p:extLst>
   </p:cSld>
@@ -7000,13 +7271,13 @@
       </p:grpSpPr>
       <p:sp>
         <p:nvSpPr>
-          <p:cNvPr id="2" name="CasellaDiTesto 1"/>
+          <p:cNvPr id="3" name="CasellaDiTesto 2"/>
           <p:cNvSpPr txBox="1"/>
           <p:nvPr/>
         </p:nvSpPr>
         <p:spPr>
           <a:xfrm>
-            <a:off x="0" y="764704"/>
+            <a:off x="0" y="1052736"/>
             <a:ext cx="9144000" cy="707886"/>
           </a:xfrm>
           <a:prstGeom prst="rect">
@@ -7023,22 +7294,60 @@
             <a:pPr algn="ctr"/>
             <a:r>
               <a:rPr lang="it-IT" sz="4000" b="1" dirty="0" smtClean="0"/>
-              <a:t>Responsabile Tirocini</a:t>
+              <a:t>Use Case </a:t>
+            </a:r>
+            <a:r>
+              <a:rPr lang="it-IT" sz="4000" b="1" dirty="0" err="1" smtClean="0"/>
+              <a:t>Diagram</a:t>
+            </a:r>
+            <a:r>
+              <a:rPr lang="it-IT" sz="4000" b="1" dirty="0" smtClean="0"/>
+              <a:t> 2 – RAD 4.0</a:t>
             </a:r>
             <a:endParaRPr lang="it-IT" sz="4000" b="1" dirty="0"/>
           </a:p>
         </p:txBody>
       </p:sp>
-      <p:sp>
-        <p:nvSpPr>
-          <p:cNvPr id="4" name="CasellaDiTesto 3"/>
+      <p:pic>
+        <p:nvPicPr>
+          <p:cNvPr id="4" name="Immagine 3"/>
+          <p:cNvPicPr>
+            <a:picLocks noChangeAspect="1"/>
+          </p:cNvPicPr>
+          <p:nvPr/>
+        </p:nvPicPr>
+        <p:blipFill>
+          <a:blip r:embed="rId2" cstate="print">
+            <a:extLst>
+              <a:ext uri="{28A0092B-C50C-407E-A947-70E740481C1C}">
+                <a14:useLocalDpi xmlns:a14="http://schemas.microsoft.com/office/drawing/2010/main" val="0"/>
+              </a:ext>
+            </a:extLst>
+          </a:blip>
+          <a:stretch>
+            <a:fillRect/>
+          </a:stretch>
+        </p:blipFill>
+        <p:spPr>
+          <a:xfrm>
+            <a:off x="539552" y="1628801"/>
+            <a:ext cx="8278381" cy="4752528"/>
+          </a:xfrm>
+          <a:prstGeom prst="rect">
+            <a:avLst/>
+          </a:prstGeom>
+        </p:spPr>
+      </p:pic>
+      <p:sp>
+        <p:nvSpPr>
+          <p:cNvPr id="5" name="CasellaDiTesto 4"/>
           <p:cNvSpPr txBox="1"/>
           <p:nvPr/>
         </p:nvSpPr>
         <p:spPr>
           <a:xfrm>
-            <a:off x="-1844" y="1844824"/>
-            <a:ext cx="9144000" cy="2862322"/>
+            <a:off x="1475656" y="6165304"/>
+            <a:ext cx="6048672" cy="369332"/>
           </a:xfrm>
           <a:prstGeom prst="rect">
             <a:avLst/>
@@ -7051,96 +7360,15 @@
           </a:bodyPr>
           <a:lstStyle/>
           <a:p>
+            <a:pPr algn="ctr"/>
+            <a:r>
+              <a:rPr lang="it-IT" dirty="0" err="1" smtClean="0"/>
+              <a:t>UCD_Tirocinanti</a:t>
+            </a:r>
             <a:r>
               <a:rPr lang="it-IT" dirty="0" smtClean="0"/>
-              <a:t>Il responsabile dei tirocini si occupa della gestione dei tirocinanti</a:t>
-            </a:r>
-          </a:p>
-          <a:p>
-            <a:pPr marL="285750" indent="-285750">
-              <a:buFont typeface="Arial" pitchFamily="34" charset="0"/>
-              <a:buChar char="•"/>
-            </a:pPr>
-            <a:r>
-              <a:rPr lang="it-IT" dirty="0" smtClean="0"/>
-              <a:t>Li aggiunge  li elimina  e modifica  la  loro scheda</a:t>
-            </a:r>
-          </a:p>
-          <a:p>
-            <a:pPr marL="285750" indent="-285750">
-              <a:buFont typeface="Arial" pitchFamily="34" charset="0"/>
-              <a:buChar char="•"/>
-            </a:pPr>
-            <a:r>
-              <a:rPr lang="it-IT" dirty="0" smtClean="0"/>
-              <a:t>Visualizza  la propria scheda</a:t>
-            </a:r>
-          </a:p>
-          <a:p>
-            <a:pPr marL="285750" indent="-285750">
-              <a:buFont typeface="Arial" pitchFamily="34" charset="0"/>
-              <a:buChar char="•"/>
-            </a:pPr>
-            <a:r>
-              <a:rPr lang="it-IT" dirty="0" smtClean="0"/>
-              <a:t>Richiede Tirocinante</a:t>
-            </a:r>
-          </a:p>
-          <a:p>
-            <a:pPr marL="285750" indent="-285750">
-              <a:buFont typeface="Arial" pitchFamily="34" charset="0"/>
-              <a:buChar char="•"/>
-            </a:pPr>
-            <a:r>
-              <a:rPr lang="it-IT" dirty="0" smtClean="0"/>
-              <a:t>Risponde alle richieste dei tirocinanti</a:t>
-            </a:r>
-          </a:p>
-          <a:p>
-            <a:pPr marL="285750" indent="-285750">
-              <a:buFont typeface="Arial" pitchFamily="34" charset="0"/>
-              <a:buChar char="•"/>
-            </a:pPr>
-            <a:r>
-              <a:rPr lang="it-IT" dirty="0" smtClean="0"/>
-              <a:t>Visualizza Registro Attività</a:t>
-            </a:r>
-          </a:p>
-          <a:p>
-            <a:pPr marL="285750" indent="-285750">
-              <a:buFont typeface="Arial" pitchFamily="34" charset="0"/>
-              <a:buChar char="•"/>
-            </a:pPr>
-            <a:r>
-              <a:rPr lang="it-IT" dirty="0" smtClean="0"/>
-              <a:t>Approva e rifiuta le loro richieste</a:t>
-            </a:r>
-          </a:p>
-          <a:p>
-            <a:pPr marL="285750" indent="-285750">
-              <a:buFont typeface="Arial" pitchFamily="34" charset="0"/>
-              <a:buChar char="•"/>
-            </a:pPr>
-            <a:r>
-              <a:rPr lang="it-IT" dirty="0" smtClean="0"/>
-              <a:t>Lascia feedback ai tirocinanti</a:t>
-            </a:r>
-          </a:p>
-          <a:p>
-            <a:pPr marL="285750" indent="-285750">
-              <a:buFont typeface="Arial" pitchFamily="34" charset="0"/>
-              <a:buChar char="•"/>
-            </a:pPr>
-            <a:r>
-              <a:rPr lang="it-IT" dirty="0" smtClean="0"/>
-              <a:t>Visualizza  Schedulazione</a:t>
-            </a:r>
-          </a:p>
-          <a:p>
-            <a:pPr marL="285750" indent="-285750">
-              <a:buFont typeface="Arial" pitchFamily="34" charset="0"/>
-              <a:buChar char="•"/>
-            </a:pPr>
+              <a:t> 2</a:t>
+            </a:r>
             <a:endParaRPr lang="it-IT" dirty="0"/>
           </a:p>
         </p:txBody>
@@ -7148,7 +7376,7 @@
     </p:spTree>
     <p:extLst>
       <p:ext uri="{BB962C8B-B14F-4D97-AF65-F5344CB8AC3E}">
-        <p14:creationId xmlns="" xmlns:p14="http://schemas.microsoft.com/office/powerpoint/2010/main" val="529095658"/>
+        <p14:creationId xmlns:p14="http://schemas.microsoft.com/office/powerpoint/2010/main" val="1376204328"/>
       </p:ext>
     </p:extLst>
   </p:cSld>
@@ -7190,8 +7418,8 @@
         </p:nvSpPr>
         <p:spPr>
           <a:xfrm>
-            <a:off x="0" y="548680"/>
-            <a:ext cx="9144000" cy="646331"/>
+            <a:off x="0" y="692696"/>
+            <a:ext cx="9144000" cy="707886"/>
           </a:xfrm>
           <a:prstGeom prst="rect">
             <a:avLst/>
@@ -7206,18 +7434,18 @@
           <a:p>
             <a:pPr algn="ctr"/>
             <a:r>
-              <a:rPr lang="it-IT" sz="3600" b="1" dirty="0" smtClean="0"/>
+              <a:rPr lang="it-IT" sz="4000" b="1" dirty="0" smtClean="0"/>
               <a:t>Use Case </a:t>
             </a:r>
             <a:r>
-              <a:rPr lang="it-IT" sz="3600" b="1" dirty="0" err="1" smtClean="0"/>
+              <a:rPr lang="it-IT" sz="4000" b="1" dirty="0" err="1" smtClean="0"/>
               <a:t>Diagram</a:t>
             </a:r>
             <a:r>
-              <a:rPr lang="it-IT" sz="3600" b="1" dirty="0" smtClean="0"/>
-              <a:t> - RAD 1</a:t>
-            </a:r>
-            <a:endParaRPr lang="it-IT" sz="3600" b="1" dirty="0"/>
+              <a:rPr lang="it-IT" sz="4000" b="1" smtClean="0"/>
+              <a:t> 3 – RAD 4.0</a:t>
+            </a:r>
+            <a:endParaRPr lang="it-IT" sz="4000" b="1" dirty="0"/>
           </a:p>
         </p:txBody>
       </p:sp>
@@ -7233,7 +7461,7 @@
           <a:blip r:embed="rId2" cstate="print">
             <a:extLst>
               <a:ext uri="{28A0092B-C50C-407E-A947-70E740481C1C}">
-                <a14:useLocalDpi xmlns="" xmlns:a14="http://schemas.microsoft.com/office/drawing/2010/main" val="0"/>
+                <a14:useLocalDpi xmlns:a14="http://schemas.microsoft.com/office/drawing/2010/main" val="0"/>
               </a:ext>
             </a:extLst>
           </a:blip>
@@ -7243,8 +7471,8 @@
         </p:blipFill>
         <p:spPr>
           <a:xfrm>
-            <a:off x="1125828" y="1481394"/>
-            <a:ext cx="6954221" cy="4020111"/>
+            <a:off x="0" y="1400582"/>
+            <a:ext cx="9144000" cy="4764722"/>
           </a:xfrm>
           <a:prstGeom prst="rect">
             <a:avLst/>
@@ -7253,14 +7481,14 @@
       </p:pic>
       <p:sp>
         <p:nvSpPr>
-          <p:cNvPr id="5" name="CasellaDiTesto 4"/>
+          <p:cNvPr id="4" name="CasellaDiTesto 3"/>
           <p:cNvSpPr txBox="1"/>
           <p:nvPr/>
         </p:nvSpPr>
         <p:spPr>
           <a:xfrm>
-            <a:off x="2555776" y="5085184"/>
-            <a:ext cx="3600400" cy="369332"/>
+            <a:off x="1979712" y="6165304"/>
+            <a:ext cx="5976664" cy="646331"/>
           </a:xfrm>
           <a:prstGeom prst="rect">
             <a:avLst/>
@@ -7280,8 +7508,11 @@
             </a:r>
             <a:r>
               <a:rPr lang="it-IT" dirty="0" smtClean="0"/>
-              <a:t> 1</a:t>
-            </a:r>
+              <a:t> 3</a:t>
+            </a:r>
+          </a:p>
+          <a:p>
+            <a:pPr algn="ctr"/>
             <a:endParaRPr lang="it-IT" dirty="0"/>
           </a:p>
         </p:txBody>
@@ -7289,7 +7520,7 @@
     </p:spTree>
     <p:extLst>
       <p:ext uri="{BB962C8B-B14F-4D97-AF65-F5344CB8AC3E}">
-        <p14:creationId xmlns="" xmlns:p14="http://schemas.microsoft.com/office/powerpoint/2010/main" val="422123805"/>
+        <p14:creationId xmlns:p14="http://schemas.microsoft.com/office/powerpoint/2010/main" val="1545582615"/>
       </p:ext>
     </p:extLst>
   </p:cSld>

--- a/trunk/Presentazione/Atsilo2/Durante/Atsilo_M_PresentazioneFinale.pptx
+++ b/trunk/Presentazione/Atsilo2/Durante/Atsilo_M_PresentazioneFinale.pptx
@@ -4497,7 +4497,7 @@
         </p:nvGraphicFramePr>
         <p:xfrm>
           <a:off x="179512" y="5517232"/>
-          <a:ext cx="2051720" cy="1089471"/>
+          <a:ext cx="2051720" cy="1188720"/>
         </p:xfrm>
         <a:graphic>
           <a:graphicData uri="http://schemas.openxmlformats.org/drawingml/2006/table">
@@ -4621,7 +4621,7 @@
         </p:nvGraphicFramePr>
         <p:xfrm>
           <a:off x="6876256" y="5877272"/>
-          <a:ext cx="2051720" cy="726314"/>
+          <a:ext cx="2051720" cy="792480"/>
         </p:xfrm>
         <a:graphic>
           <a:graphicData uri="http://schemas.openxmlformats.org/drawingml/2006/table">
@@ -4833,7 +4833,6 @@
               <a:rPr lang="it-IT" sz="2400" dirty="0"/>
               <a:t>Infatti in una prima analisi erano stati riscontrati solo 6 casi d’uso, poi in corso d’opera, man mano che il progetto prendeva forma e acquisivamo nuove informazioni su come dovevano interagire i tirocinanti con il sistema i casi d’uso sono diventati 19.</a:t>
             </a:r>
-            <a:endParaRPr lang="it-IT" sz="2400" dirty="0"/>
           </a:p>
         </p:txBody>
       </p:sp>
@@ -5069,8 +5068,12 @@
           <a:p>
             <a:pPr algn="ctr"/>
             <a:r>
+              <a:rPr lang="it-IT" dirty="0" smtClean="0"/>
+              <a:t>MKUP_M_31-32-33-34-35_Registro </a:t>
+            </a:r>
+            <a:r>
               <a:rPr lang="it-IT" dirty="0"/>
-              <a:t>MKUP_M_31-32-33-34_Registro Tirocinanti</a:t>
+              <a:t>Tirocinanti</a:t>
             </a:r>
           </a:p>
         </p:txBody>
@@ -5085,6 +5088,13 @@
   <p:clrMapOvr>
     <a:masterClrMapping/>
   </p:clrMapOvr>
+  <p:timing>
+    <p:tnLst>
+      <p:par>
+        <p:cTn id="1" dur="indefinite" restart="never" nodeType="tmRoot"/>
+      </p:par>
+    </p:tnLst>
+  </p:timing>
 </p:sld>
 </file>
 
@@ -5316,6 +5326,13 @@
   <p:clrMapOvr>
     <a:masterClrMapping/>
   </p:clrMapOvr>
+  <p:timing>
+    <p:tnLst>
+      <p:par>
+        <p:cTn id="1" dur="indefinite" restart="never" nodeType="tmRoot"/>
+      </p:par>
+    </p:tnLst>
+  </p:timing>
 </p:sld>
 </file>
 
@@ -5469,6 +5486,13 @@
   <p:clrMapOvr>
     <a:masterClrMapping/>
   </p:clrMapOvr>
+  <p:timing>
+    <p:tnLst>
+      <p:par>
+        <p:cTn id="1" dur="indefinite" restart="never" nodeType="tmRoot"/>
+      </p:par>
+    </p:tnLst>
+  </p:timing>
 </p:sld>
 </file>
 
@@ -5629,44 +5653,16 @@
                 <a:latin typeface="Arial" pitchFamily="34" charset="0"/>
                 <a:cs typeface="Arial" pitchFamily="34" charset="0"/>
               </a:rPr>
-              <a:t>team: </a:t>
-            </a:r>
+              <a:t>team: una volta superate le prime difficoltà, il lavoro è continuato in modo uniforme.</a:t>
+            </a:r>
+          </a:p>
+          <a:p>
             <a:r>
               <a:rPr lang="it-IT" dirty="0" smtClean="0">
                 <a:latin typeface="Arial" pitchFamily="34" charset="0"/>
                 <a:cs typeface="Arial" pitchFamily="34" charset="0"/>
               </a:rPr>
-              <a:t>una volta superate le prime difficoltà, il lavoro </a:t>
-            </a:r>
-            <a:r>
-              <a:rPr lang="it-IT" dirty="0" smtClean="0">
-                <a:latin typeface="Arial" pitchFamily="34" charset="0"/>
-                <a:cs typeface="Arial" pitchFamily="34" charset="0"/>
-              </a:rPr>
-              <a:t>è continuato in </a:t>
-            </a:r>
-            <a:r>
-              <a:rPr lang="it-IT" dirty="0" smtClean="0">
-                <a:latin typeface="Arial" pitchFamily="34" charset="0"/>
-                <a:cs typeface="Arial" pitchFamily="34" charset="0"/>
-              </a:rPr>
-              <a:t>modo uniforme.</a:t>
-            </a:r>
-          </a:p>
-          <a:p>
-            <a:r>
-              <a:rPr lang="it-IT" dirty="0" smtClean="0">
-                <a:latin typeface="Arial" pitchFamily="34" charset="0"/>
-                <a:cs typeface="Arial" pitchFamily="34" charset="0"/>
-              </a:rPr>
-              <a:t>Il RAD </a:t>
-            </a:r>
-            <a:r>
-              <a:rPr lang="it-IT" dirty="0" smtClean="0">
-                <a:latin typeface="Arial" pitchFamily="34" charset="0"/>
-                <a:cs typeface="Arial" pitchFamily="34" charset="0"/>
-              </a:rPr>
-              <a:t>è stato raffinato  con l’aumentare delle conoscenze sulla materia.</a:t>
+              <a:t>Il RAD è stato raffinato  con l’aumentare delle conoscenze sulla materia.</a:t>
             </a:r>
           </a:p>
           <a:p>
@@ -5703,19 +5699,8 @@
                 <a:latin typeface="Arial" pitchFamily="34" charset="0"/>
                 <a:cs typeface="Arial" pitchFamily="34" charset="0"/>
               </a:rPr>
-              <a:t>lavoro</a:t>
-            </a:r>
-            <a:r>
-              <a:rPr lang="it-IT" dirty="0" smtClean="0">
-                <a:latin typeface="Arial" pitchFamily="34" charset="0"/>
-                <a:cs typeface="Arial" pitchFamily="34" charset="0"/>
-              </a:rPr>
-              <a:t>.</a:t>
-            </a:r>
-            <a:endParaRPr lang="it-IT" dirty="0" smtClean="0">
-              <a:latin typeface="Arial" pitchFamily="34" charset="0"/>
-              <a:cs typeface="Arial" pitchFamily="34" charset="0"/>
-            </a:endParaRPr>
+              <a:t>lavoro.</a:t>
+            </a:r>
           </a:p>
         </p:txBody>
       </p:sp>
@@ -5729,11 +5714,18 @@
   <p:clrMapOvr>
     <a:masterClrMapping/>
   </p:clrMapOvr>
+  <p:timing>
+    <p:tnLst>
+      <p:par>
+        <p:cTn id="1" dur="indefinite" restart="never" nodeType="tmRoot"/>
+      </p:par>
+    </p:tnLst>
+  </p:timing>
 </p:sld>
 </file>
 
 <file path=ppt/slides/slide17.xml><?xml version="1.0" encoding="utf-8"?>
-<p:sld xmlns:a="http://schemas.openxmlformats.org/drawingml/2006/main" xmlns:r="http://schemas.openxmlformats.org/officeDocument/2006/relationships" xmlns:p="http://schemas.openxmlformats.org/presentationml/2006/main">
+<p:sld xmlns:a="http://schemas.openxmlformats.org/drawingml/2006/main" xmlns:r="http://schemas.openxmlformats.org/officeDocument/2006/relationships" xmlns:p="http://schemas.openxmlformats.org/presentationml/2006/main" show="0">
   <p:cSld>
     <p:spTree>
       <p:nvGrpSpPr>
@@ -5875,6 +5867,21 @@
   <p:clrMapOvr>
     <a:masterClrMapping/>
   </p:clrMapOvr>
+  <mc:AlternateContent xmlns:mc="http://schemas.openxmlformats.org/markup-compatibility/2006">
+    <mc:Choice xmlns:p14="http://schemas.microsoft.com/office/powerpoint/2010/main" Requires="p14">
+      <p:transition spd="slow" p14:dur="2000"/>
+    </mc:Choice>
+    <mc:Fallback>
+      <p:transition spd="slow"/>
+    </mc:Fallback>
+  </mc:AlternateContent>
+  <p:timing>
+    <p:tnLst>
+      <p:par>
+        <p:cTn id="1" dur="indefinite" restart="never" nodeType="tmRoot"/>
+      </p:par>
+    </p:tnLst>
+  </p:timing>
 </p:sld>
 </file>
 
@@ -6463,67 +6470,339 @@
           <a:chExt cx="0" cy="0"/>
         </a:xfrm>
       </p:grpSpPr>
-      <p:sp>
-        <p:nvSpPr>
-          <p:cNvPr id="3" name="CasellaDiTesto 2"/>
-          <p:cNvSpPr txBox="1"/>
-          <p:nvPr/>
-        </p:nvSpPr>
-        <p:spPr>
-          <a:xfrm>
-            <a:off x="107504" y="260648"/>
-            <a:ext cx="8712968" cy="830997"/>
-          </a:xfrm>
-          <a:prstGeom prst="rect">
-            <a:avLst/>
-          </a:prstGeom>
-          <a:noFill/>
-        </p:spPr>
-        <p:txBody>
-          <a:bodyPr wrap="square" rtlCol="0">
-            <a:spAutoFit/>
-          </a:bodyPr>
-          <a:lstStyle/>
-          <a:p>
-            <a:pPr algn="ctr"/>
-            <a:r>
-              <a:rPr lang="it-IT" sz="4800" b="1" dirty="0" smtClean="0"/>
-              <a:t>Attori</a:t>
-            </a:r>
-            <a:endParaRPr lang="it-IT" sz="4800" b="1" dirty="0"/>
-          </a:p>
-        </p:txBody>
-      </p:sp>
       <p:pic>
         <p:nvPicPr>
-          <p:cNvPr id="5" name="Immagine 4"/>
+          <p:cNvPr id="1026" name="Picture 2" descr="C:\Users\Fr4nc3sc0\Desktop\at-silo\RAD\3 - Sistema proposto\attori.png"/>
           <p:cNvPicPr>
-            <a:picLocks noChangeAspect="1"/>
+            <a:picLocks noChangeAspect="1" noChangeArrowheads="1"/>
           </p:cNvPicPr>
           <p:nvPr/>
         </p:nvPicPr>
         <p:blipFill>
-          <a:blip r:embed="rId2" cstate="print">
+          <a:blip r:embed="rId2">
             <a:extLst>
               <a:ext uri="{28A0092B-C50C-407E-A947-70E740481C1C}">
                 <a14:useLocalDpi xmlns:a14="http://schemas.microsoft.com/office/drawing/2010/main" val="0"/>
               </a:ext>
             </a:extLst>
           </a:blip>
+          <a:srcRect/>
           <a:stretch>
             <a:fillRect/>
           </a:stretch>
         </p:blipFill>
-        <p:spPr>
+        <p:spPr bwMode="auto">
           <a:xfrm>
-            <a:off x="2400641" y="1091646"/>
-            <a:ext cx="5009524" cy="5643782"/>
+            <a:off x="2411760" y="805853"/>
+            <a:ext cx="4752527" cy="5863507"/>
           </a:xfrm>
           <a:prstGeom prst="rect">
             <a:avLst/>
           </a:prstGeom>
+          <a:noFill/>
+          <a:extLst>
+            <a:ext uri="{909E8E84-426E-40DD-AFC4-6F175D3DCCD1}">
+              <a14:hiddenFill xmlns:a14="http://schemas.microsoft.com/office/drawing/2010/main">
+                <a:solidFill>
+                  <a:srgbClr val="FFFFFF"/>
+                </a:solidFill>
+              </a14:hiddenFill>
+            </a:ext>
+          </a:extLst>
         </p:spPr>
       </p:pic>
+      <p:sp>
+        <p:nvSpPr>
+          <p:cNvPr id="3" name="CasellaDiTesto 2"/>
+          <p:cNvSpPr txBox="1"/>
+          <p:nvPr/>
+        </p:nvSpPr>
+        <p:spPr>
+          <a:xfrm>
+            <a:off x="107504" y="116632"/>
+            <a:ext cx="8712968" cy="830997"/>
+          </a:xfrm>
+          <a:prstGeom prst="rect">
+            <a:avLst/>
+          </a:prstGeom>
+          <a:noFill/>
+        </p:spPr>
+        <p:txBody>
+          <a:bodyPr wrap="square" rtlCol="0">
+            <a:spAutoFit/>
+          </a:bodyPr>
+          <a:lstStyle/>
+          <a:p>
+            <a:pPr algn="ctr"/>
+            <a:r>
+              <a:rPr lang="it-IT" sz="4800" b="1" dirty="0" smtClean="0"/>
+              <a:t>Attori</a:t>
+            </a:r>
+            <a:endParaRPr lang="it-IT" sz="4800" b="1" dirty="0"/>
+          </a:p>
+        </p:txBody>
+      </p:sp>
+      <p:cxnSp>
+        <p:nvCxnSpPr>
+          <p:cNvPr id="4" name="Connettore 1 3"/>
+          <p:cNvCxnSpPr/>
+          <p:nvPr/>
+        </p:nvCxnSpPr>
+        <p:spPr>
+          <a:xfrm>
+            <a:off x="3023828" y="1628800"/>
+            <a:ext cx="468052" cy="0"/>
+          </a:xfrm>
+          <a:prstGeom prst="line">
+            <a:avLst/>
+          </a:prstGeom>
+          <a:ln w="38100">
+            <a:solidFill>
+              <a:srgbClr val="FF0000"/>
+            </a:solidFill>
+          </a:ln>
+          <a:effectLst>
+            <a:glow rad="63500">
+              <a:schemeClr val="accent3">
+                <a:satMod val="175000"/>
+                <a:alpha val="40000"/>
+              </a:schemeClr>
+            </a:glow>
+          </a:effectLst>
+        </p:spPr>
+        <p:style>
+          <a:lnRef idx="1">
+            <a:schemeClr val="accent1"/>
+          </a:lnRef>
+          <a:fillRef idx="0">
+            <a:schemeClr val="accent1"/>
+          </a:fillRef>
+          <a:effectRef idx="0">
+            <a:schemeClr val="accent1"/>
+          </a:effectRef>
+          <a:fontRef idx="minor">
+            <a:schemeClr val="tx1"/>
+          </a:fontRef>
+        </p:style>
+      </p:cxnSp>
+      <p:cxnSp>
+        <p:nvCxnSpPr>
+          <p:cNvPr id="10" name="Connettore 1 9"/>
+          <p:cNvCxnSpPr/>
+          <p:nvPr/>
+        </p:nvCxnSpPr>
+        <p:spPr>
+          <a:xfrm>
+            <a:off x="3779912" y="3140968"/>
+            <a:ext cx="684076" cy="0"/>
+          </a:xfrm>
+          <a:prstGeom prst="line">
+            <a:avLst/>
+          </a:prstGeom>
+          <a:ln w="38100">
+            <a:solidFill>
+              <a:srgbClr val="FF0000"/>
+            </a:solidFill>
+          </a:ln>
+          <a:effectLst>
+            <a:glow rad="63500">
+              <a:schemeClr val="accent3">
+                <a:satMod val="175000"/>
+                <a:alpha val="40000"/>
+              </a:schemeClr>
+            </a:glow>
+          </a:effectLst>
+        </p:spPr>
+        <p:style>
+          <a:lnRef idx="1">
+            <a:schemeClr val="accent1"/>
+          </a:lnRef>
+          <a:fillRef idx="0">
+            <a:schemeClr val="accent1"/>
+          </a:fillRef>
+          <a:effectRef idx="0">
+            <a:schemeClr val="accent1"/>
+          </a:effectRef>
+          <a:fontRef idx="minor">
+            <a:schemeClr val="tx1"/>
+          </a:fontRef>
+        </p:style>
+      </p:cxnSp>
+      <p:cxnSp>
+        <p:nvCxnSpPr>
+          <p:cNvPr id="12" name="Connettore 1 11"/>
+          <p:cNvCxnSpPr/>
+          <p:nvPr/>
+        </p:nvCxnSpPr>
+        <p:spPr>
+          <a:xfrm>
+            <a:off x="3105454" y="6093296"/>
+            <a:ext cx="818474" cy="0"/>
+          </a:xfrm>
+          <a:prstGeom prst="line">
+            <a:avLst/>
+          </a:prstGeom>
+          <a:ln w="38100">
+            <a:solidFill>
+              <a:srgbClr val="FF0000"/>
+            </a:solidFill>
+          </a:ln>
+          <a:effectLst>
+            <a:glow rad="63500">
+              <a:schemeClr val="accent3">
+                <a:satMod val="175000"/>
+                <a:alpha val="40000"/>
+              </a:schemeClr>
+            </a:glow>
+          </a:effectLst>
+        </p:spPr>
+        <p:style>
+          <a:lnRef idx="1">
+            <a:schemeClr val="accent1"/>
+          </a:lnRef>
+          <a:fillRef idx="0">
+            <a:schemeClr val="accent1"/>
+          </a:fillRef>
+          <a:effectRef idx="0">
+            <a:schemeClr val="accent1"/>
+          </a:effectRef>
+          <a:fontRef idx="minor">
+            <a:schemeClr val="tx1"/>
+          </a:fontRef>
+        </p:style>
+      </p:cxnSp>
+      <p:cxnSp>
+        <p:nvCxnSpPr>
+          <p:cNvPr id="14" name="Connettore 1 13"/>
+          <p:cNvCxnSpPr/>
+          <p:nvPr/>
+        </p:nvCxnSpPr>
+        <p:spPr>
+          <a:xfrm>
+            <a:off x="3095836" y="6453336"/>
+            <a:ext cx="540060" cy="0"/>
+          </a:xfrm>
+          <a:prstGeom prst="line">
+            <a:avLst/>
+          </a:prstGeom>
+          <a:ln w="38100">
+            <a:solidFill>
+              <a:srgbClr val="FF0000"/>
+            </a:solidFill>
+          </a:ln>
+          <a:effectLst>
+            <a:glow rad="63500">
+              <a:schemeClr val="accent3">
+                <a:satMod val="175000"/>
+                <a:alpha val="40000"/>
+              </a:schemeClr>
+            </a:glow>
+          </a:effectLst>
+        </p:spPr>
+        <p:style>
+          <a:lnRef idx="1">
+            <a:schemeClr val="accent1"/>
+          </a:lnRef>
+          <a:fillRef idx="0">
+            <a:schemeClr val="accent1"/>
+          </a:fillRef>
+          <a:effectRef idx="0">
+            <a:schemeClr val="accent1"/>
+          </a:effectRef>
+          <a:fontRef idx="minor">
+            <a:schemeClr val="tx1"/>
+          </a:fontRef>
+        </p:style>
+      </p:cxnSp>
+      <p:cxnSp>
+        <p:nvCxnSpPr>
+          <p:cNvPr id="16" name="Connettore 1 15"/>
+          <p:cNvCxnSpPr/>
+          <p:nvPr/>
+        </p:nvCxnSpPr>
+        <p:spPr>
+          <a:xfrm>
+            <a:off x="4175956" y="3501008"/>
+            <a:ext cx="396044" cy="0"/>
+          </a:xfrm>
+          <a:prstGeom prst="line">
+            <a:avLst/>
+          </a:prstGeom>
+          <a:ln w="38100">
+            <a:solidFill>
+              <a:srgbClr val="FF0000"/>
+            </a:solidFill>
+          </a:ln>
+          <a:effectLst>
+            <a:glow rad="63500">
+              <a:schemeClr val="accent3">
+                <a:satMod val="175000"/>
+                <a:alpha val="40000"/>
+              </a:schemeClr>
+            </a:glow>
+          </a:effectLst>
+        </p:spPr>
+        <p:style>
+          <a:lnRef idx="1">
+            <a:schemeClr val="accent1"/>
+          </a:lnRef>
+          <a:fillRef idx="0">
+            <a:schemeClr val="accent1"/>
+          </a:fillRef>
+          <a:effectRef idx="0">
+            <a:schemeClr val="accent1"/>
+          </a:effectRef>
+          <a:fontRef idx="minor">
+            <a:schemeClr val="tx1"/>
+          </a:fontRef>
+        </p:style>
+      </p:cxnSp>
+      <p:sp>
+        <p:nvSpPr>
+          <p:cNvPr id="17" name="Ovale 16"/>
+          <p:cNvSpPr/>
+          <p:nvPr/>
+        </p:nvSpPr>
+        <p:spPr>
+          <a:xfrm>
+            <a:off x="3095836" y="6237312"/>
+            <a:ext cx="540060" cy="216024"/>
+          </a:xfrm>
+          <a:prstGeom prst="ellipse">
+            <a:avLst/>
+          </a:prstGeom>
+          <a:noFill/>
+          <a:ln>
+            <a:solidFill>
+              <a:srgbClr val="FF0000"/>
+            </a:solidFill>
+          </a:ln>
+        </p:spPr>
+        <p:style>
+          <a:lnRef idx="2">
+            <a:schemeClr val="accent1">
+              <a:shade val="50000"/>
+            </a:schemeClr>
+          </a:lnRef>
+          <a:fillRef idx="1">
+            <a:schemeClr val="accent1"/>
+          </a:fillRef>
+          <a:effectRef idx="0">
+            <a:schemeClr val="accent1"/>
+          </a:effectRef>
+          <a:fontRef idx="minor">
+            <a:schemeClr val="lt1"/>
+          </a:fontRef>
+        </p:style>
+        <p:txBody>
+          <a:bodyPr rtlCol="0" anchor="ctr"/>
+          <a:lstStyle/>
+          <a:p>
+            <a:pPr algn="ctr"/>
+            <a:endParaRPr lang="it-IT"/>
+          </a:p>
+        </p:txBody>
+      </p:sp>
     </p:spTree>
     <p:extLst>
       <p:ext uri="{BB962C8B-B14F-4D97-AF65-F5344CB8AC3E}">
@@ -6537,9 +6816,241 @@
   <p:timing>
     <p:tnLst>
       <p:par>
-        <p:cTn id="1" dur="indefinite" restart="never" nodeType="tmRoot"/>
+        <p:cTn id="1" dur="indefinite" restart="never" nodeType="tmRoot">
+          <p:childTnLst>
+            <p:seq concurrent="1" nextAc="seek">
+              <p:cTn id="2" dur="indefinite" nodeType="mainSeq">
+                <p:childTnLst>
+                  <p:par>
+                    <p:cTn id="3" fill="hold">
+                      <p:stCondLst>
+                        <p:cond delay="indefinite"/>
+                      </p:stCondLst>
+                      <p:childTnLst>
+                        <p:par>
+                          <p:cTn id="4" fill="hold">
+                            <p:stCondLst>
+                              <p:cond delay="0"/>
+                            </p:stCondLst>
+                            <p:childTnLst>
+                              <p:par>
+                                <p:cTn id="5" presetID="1" presetClass="entr" presetSubtype="0" fill="hold" nodeType="clickEffect">
+                                  <p:stCondLst>
+                                    <p:cond delay="0"/>
+                                  </p:stCondLst>
+                                  <p:childTnLst>
+                                    <p:set>
+                                      <p:cBhvr>
+                                        <p:cTn id="6" dur="1" fill="hold">
+                                          <p:stCondLst>
+                                            <p:cond delay="0"/>
+                                          </p:stCondLst>
+                                        </p:cTn>
+                                        <p:tgtEl>
+                                          <p:spTgt spid="4"/>
+                                        </p:tgtEl>
+                                        <p:attrNameLst>
+                                          <p:attrName>style.visibility</p:attrName>
+                                        </p:attrNameLst>
+                                      </p:cBhvr>
+                                      <p:to>
+                                        <p:strVal val="visible"/>
+                                      </p:to>
+                                    </p:set>
+                                  </p:childTnLst>
+                                </p:cTn>
+                              </p:par>
+                              <p:par>
+                                <p:cTn id="7" presetID="1" presetClass="entr" presetSubtype="0" fill="hold" nodeType="withEffect">
+                                  <p:stCondLst>
+                                    <p:cond delay="0"/>
+                                  </p:stCondLst>
+                                  <p:childTnLst>
+                                    <p:set>
+                                      <p:cBhvr>
+                                        <p:cTn id="8" dur="1" fill="hold">
+                                          <p:stCondLst>
+                                            <p:cond delay="0"/>
+                                          </p:stCondLst>
+                                        </p:cTn>
+                                        <p:tgtEl>
+                                          <p:spTgt spid="10"/>
+                                        </p:tgtEl>
+                                        <p:attrNameLst>
+                                          <p:attrName>style.visibility</p:attrName>
+                                        </p:attrNameLst>
+                                      </p:cBhvr>
+                                      <p:to>
+                                        <p:strVal val="visible"/>
+                                      </p:to>
+                                    </p:set>
+                                  </p:childTnLst>
+                                </p:cTn>
+                              </p:par>
+                              <p:par>
+                                <p:cTn id="9" presetID="1" presetClass="entr" presetSubtype="0" fill="hold" nodeType="withEffect">
+                                  <p:stCondLst>
+                                    <p:cond delay="0"/>
+                                  </p:stCondLst>
+                                  <p:childTnLst>
+                                    <p:set>
+                                      <p:cBhvr>
+                                        <p:cTn id="10" dur="1" fill="hold">
+                                          <p:stCondLst>
+                                            <p:cond delay="0"/>
+                                          </p:stCondLst>
+                                        </p:cTn>
+                                        <p:tgtEl>
+                                          <p:spTgt spid="12"/>
+                                        </p:tgtEl>
+                                        <p:attrNameLst>
+                                          <p:attrName>style.visibility</p:attrName>
+                                        </p:attrNameLst>
+                                      </p:cBhvr>
+                                      <p:to>
+                                        <p:strVal val="visible"/>
+                                      </p:to>
+                                    </p:set>
+                                  </p:childTnLst>
+                                </p:cTn>
+                              </p:par>
+                              <p:par>
+                                <p:cTn id="11" presetID="1" presetClass="entr" presetSubtype="0" fill="hold" nodeType="withEffect">
+                                  <p:stCondLst>
+                                    <p:cond delay="0"/>
+                                  </p:stCondLst>
+                                  <p:childTnLst>
+                                    <p:set>
+                                      <p:cBhvr>
+                                        <p:cTn id="12" dur="1" fill="hold">
+                                          <p:stCondLst>
+                                            <p:cond delay="0"/>
+                                          </p:stCondLst>
+                                        </p:cTn>
+                                        <p:tgtEl>
+                                          <p:spTgt spid="14"/>
+                                        </p:tgtEl>
+                                        <p:attrNameLst>
+                                          <p:attrName>style.visibility</p:attrName>
+                                        </p:attrNameLst>
+                                      </p:cBhvr>
+                                      <p:to>
+                                        <p:strVal val="visible"/>
+                                      </p:to>
+                                    </p:set>
+                                  </p:childTnLst>
+                                </p:cTn>
+                              </p:par>
+                              <p:par>
+                                <p:cTn id="13" presetID="1" presetClass="entr" presetSubtype="0" fill="hold" nodeType="withEffect">
+                                  <p:stCondLst>
+                                    <p:cond delay="0"/>
+                                  </p:stCondLst>
+                                  <p:childTnLst>
+                                    <p:set>
+                                      <p:cBhvr>
+                                        <p:cTn id="14" dur="1" fill="hold">
+                                          <p:stCondLst>
+                                            <p:cond delay="0"/>
+                                          </p:stCondLst>
+                                        </p:cTn>
+                                        <p:tgtEl>
+                                          <p:spTgt spid="16"/>
+                                        </p:tgtEl>
+                                        <p:attrNameLst>
+                                          <p:attrName>style.visibility</p:attrName>
+                                        </p:attrNameLst>
+                                      </p:cBhvr>
+                                      <p:to>
+                                        <p:strVal val="visible"/>
+                                      </p:to>
+                                    </p:set>
+                                  </p:childTnLst>
+                                </p:cTn>
+                              </p:par>
+                            </p:childTnLst>
+                          </p:cTn>
+                        </p:par>
+                      </p:childTnLst>
+                    </p:cTn>
+                  </p:par>
+                  <p:par>
+                    <p:cTn id="15" fill="hold">
+                      <p:stCondLst>
+                        <p:cond delay="indefinite"/>
+                      </p:stCondLst>
+                      <p:childTnLst>
+                        <p:par>
+                          <p:cTn id="16" fill="hold">
+                            <p:stCondLst>
+                              <p:cond delay="0"/>
+                            </p:stCondLst>
+                            <p:childTnLst>
+                              <p:par>
+                                <p:cTn id="17" presetID="10" presetClass="entr" presetSubtype="0" fill="hold" grpId="0" nodeType="clickEffect">
+                                  <p:stCondLst>
+                                    <p:cond delay="0"/>
+                                  </p:stCondLst>
+                                  <p:childTnLst>
+                                    <p:set>
+                                      <p:cBhvr>
+                                        <p:cTn id="18" dur="1" fill="hold">
+                                          <p:stCondLst>
+                                            <p:cond delay="0"/>
+                                          </p:stCondLst>
+                                        </p:cTn>
+                                        <p:tgtEl>
+                                          <p:spTgt spid="17"/>
+                                        </p:tgtEl>
+                                        <p:attrNameLst>
+                                          <p:attrName>style.visibility</p:attrName>
+                                        </p:attrNameLst>
+                                      </p:cBhvr>
+                                      <p:to>
+                                        <p:strVal val="visible"/>
+                                      </p:to>
+                                    </p:set>
+                                    <p:animEffect transition="in" filter="fade">
+                                      <p:cBhvr>
+                                        <p:cTn id="19" dur="500"/>
+                                        <p:tgtEl>
+                                          <p:spTgt spid="17"/>
+                                        </p:tgtEl>
+                                      </p:cBhvr>
+                                    </p:animEffect>
+                                  </p:childTnLst>
+                                </p:cTn>
+                              </p:par>
+                            </p:childTnLst>
+                          </p:cTn>
+                        </p:par>
+                      </p:childTnLst>
+                    </p:cTn>
+                  </p:par>
+                </p:childTnLst>
+              </p:cTn>
+              <p:prevCondLst>
+                <p:cond evt="onPrev" delay="0">
+                  <p:tgtEl>
+                    <p:sldTgt/>
+                  </p:tgtEl>
+                </p:cond>
+              </p:prevCondLst>
+              <p:nextCondLst>
+                <p:cond evt="onNext" delay="0">
+                  <p:tgtEl>
+                    <p:sldTgt/>
+                  </p:tgtEl>
+                </p:cond>
+              </p:nextCondLst>
+            </p:seq>
+          </p:childTnLst>
+        </p:cTn>
       </p:par>
     </p:tnLst>
+    <p:bldLst>
+      <p:bldP spid="17" grpId="0" animBg="1"/>
+    </p:bldLst>
   </p:timing>
 </p:sld>
 </file>
@@ -6680,7 +7191,6 @@
               <a:rPr lang="it-IT" sz="2000" dirty="0" smtClean="0"/>
               <a:t> </a:t>
             </a:r>
-            <a:endParaRPr lang="it-IT" sz="2000" dirty="0" smtClean="0"/>
           </a:p>
           <a:p>
             <a:endParaRPr lang="it-IT" sz="2000" dirty="0"/>
@@ -6749,11 +7259,7 @@
             <a:pPr algn="ctr"/>
             <a:r>
               <a:rPr lang="it-IT" sz="4000" b="1" dirty="0" smtClean="0"/>
-              <a:t>Responsabile </a:t>
-            </a:r>
-            <a:r>
-              <a:rPr lang="it-IT" sz="4000" b="1" dirty="0" smtClean="0"/>
-              <a:t>Tirocini</a:t>
+              <a:t>Responsabile Tirocini</a:t>
             </a:r>
           </a:p>
           <a:p>
@@ -6762,7 +7268,6 @@
               <a:rPr lang="it-IT" sz="3200" b="1" dirty="0" smtClean="0"/>
               <a:t>Requisiti Funzionali</a:t>
             </a:r>
-            <a:endParaRPr lang="it-IT" sz="3200" b="1" dirty="0" smtClean="0"/>
           </a:p>
           <a:p>
             <a:pPr algn="ctr"/>
@@ -7075,6 +7580,13 @@
   <p:clrMapOvr>
     <a:masterClrMapping/>
   </p:clrMapOvr>
+  <p:timing>
+    <p:tnLst>
+      <p:par>
+        <p:cTn id="1" dur="indefinite" restart="never" nodeType="tmRoot"/>
+      </p:par>
+    </p:tnLst>
+  </p:timing>
 </p:sld>
 </file>
 
@@ -7527,6 +8039,13 @@
   <p:clrMapOvr>
     <a:masterClrMapping/>
   </p:clrMapOvr>
+  <p:timing>
+    <p:tnLst>
+      <p:par>
+        <p:cTn id="1" dur="indefinite" restart="never" nodeType="tmRoot"/>
+      </p:par>
+    </p:tnLst>
+  </p:timing>
 </p:sld>
 </file>
 

--- a/trunk/Presentazione/Atsilo2/Durante/Atsilo_M_PresentazioneFinale.pptx
+++ b/trunk/Presentazione/Atsilo2/Durante/Atsilo_M_PresentazioneFinale.pptx
@@ -13,11 +13,11 @@
     <p:sldId id="259" r:id="rId4"/>
     <p:sldId id="260" r:id="rId5"/>
     <p:sldId id="268" r:id="rId6"/>
-    <p:sldId id="275" r:id="rId7"/>
-    <p:sldId id="267" r:id="rId8"/>
-    <p:sldId id="269" r:id="rId9"/>
-    <p:sldId id="270" r:id="rId10"/>
-    <p:sldId id="264" r:id="rId11"/>
+    <p:sldId id="264" r:id="rId7"/>
+    <p:sldId id="275" r:id="rId8"/>
+    <p:sldId id="267" r:id="rId9"/>
+    <p:sldId id="269" r:id="rId10"/>
+    <p:sldId id="270" r:id="rId11"/>
     <p:sldId id="266" r:id="rId12"/>
     <p:sldId id="276" r:id="rId13"/>
     <p:sldId id="265" r:id="rId14"/>
@@ -182,11 +182,6 @@
 
 <file path=ppt/comments/comment6.xml><?xml version="1.0" encoding="utf-8"?>
 <p:cmLst xmlns:a="http://schemas.openxmlformats.org/drawingml/2006/main" xmlns:r="http://schemas.openxmlformats.org/officeDocument/2006/relationships" xmlns:p="http://schemas.openxmlformats.org/presentationml/2006/main">
-  <p:cm authorId="0" dt="2012-12-30T13:51:38.820" idx="6">
-    <p:pos x="2906" y="1909"/>
-    <p:text>Credo che qui dovresti esprimere le cose in un modo diverso. Fatto così, dici tutto e non dici niente...
-E' chiaro che è mancato il tempo, però forse dovresti includere qualche suggerimento su come si sarebbe potuto fare qualcosa di diverso.</p:text>
-  </p:cm>
   <p:cm authorId="0" dt="2012-12-30T13:51:54.457" idx="7">
     <p:pos x="10" y="10"/>
     <p:text>Controlla la grammatica qui.
@@ -563,6 +558,181 @@
     </a:lvl9pPr>
   </p:notesStyle>
 </p:notesMaster>
+</file>
+
+<file path=ppt/notesSlides/notesSlide1.xml><?xml version="1.0" encoding="utf-8"?>
+<p:notes xmlns:a="http://schemas.openxmlformats.org/drawingml/2006/main" xmlns:r="http://schemas.openxmlformats.org/officeDocument/2006/relationships" xmlns:p="http://schemas.openxmlformats.org/presentationml/2006/main">
+  <p:cSld>
+    <p:spTree>
+      <p:nvGrpSpPr>
+        <p:cNvPr id="1" name=""/>
+        <p:cNvGrpSpPr/>
+        <p:nvPr/>
+      </p:nvGrpSpPr>
+      <p:grpSpPr>
+        <a:xfrm>
+          <a:off x="0" y="0"/>
+          <a:ext cx="0" cy="0"/>
+          <a:chOff x="0" y="0"/>
+          <a:chExt cx="0" cy="0"/>
+        </a:xfrm>
+      </p:grpSpPr>
+      <p:sp>
+        <p:nvSpPr>
+          <p:cNvPr id="2" name="Segnaposto immagine diapositiva 1"/>
+          <p:cNvSpPr>
+            <a:spLocks noGrp="1" noRot="1" noChangeAspect="1"/>
+          </p:cNvSpPr>
+          <p:nvPr>
+            <p:ph type="sldImg"/>
+          </p:nvPr>
+        </p:nvSpPr>
+        <p:spPr/>
+      </p:sp>
+      <p:sp>
+        <p:nvSpPr>
+          <p:cNvPr id="3" name="Segnaposto note 2"/>
+          <p:cNvSpPr>
+            <a:spLocks noGrp="1"/>
+          </p:cNvSpPr>
+          <p:nvPr>
+            <p:ph type="body" idx="1"/>
+          </p:nvPr>
+        </p:nvSpPr>
+        <p:spPr/>
+        <p:txBody>
+          <a:bodyPr/>
+          <a:lstStyle/>
+          <a:p>
+            <a:pPr marL="0" marR="0" indent="0" algn="l" defTabSz="914400" rtl="0" eaLnBrk="1" fontAlgn="auto" latinLnBrk="0" hangingPunct="1">
+              <a:lnSpc>
+                <a:spcPct val="100000"/>
+              </a:lnSpc>
+              <a:spcBef>
+                <a:spcPts val="0"/>
+              </a:spcBef>
+              <a:spcAft>
+                <a:spcPts val="0"/>
+              </a:spcAft>
+              <a:buClrTx/>
+              <a:buSzTx/>
+              <a:buFontTx/>
+              <a:buNone/>
+              <a:tabLst/>
+              <a:defRPr/>
+            </a:pPr>
+            <a:r>
+              <a:rPr lang="it-IT" sz="1200" smtClean="0"/>
+              <a:t>Inizio:: Come </a:t>
+            </a:r>
+            <a:r>
+              <a:rPr lang="it-IT" sz="1200" dirty="0" smtClean="0"/>
+              <a:t>detto già in precedenza in una diapositiva, un problema che abbiamo riscontrato nella stesura del RAD, è stato quello dei tirocinanti.</a:t>
+            </a:r>
+          </a:p>
+          <a:p>
+            <a:pPr marL="0" marR="0" indent="0" algn="l" defTabSz="914400" rtl="0" eaLnBrk="1" fontAlgn="auto" latinLnBrk="0" hangingPunct="1">
+              <a:lnSpc>
+                <a:spcPct val="100000"/>
+              </a:lnSpc>
+              <a:spcBef>
+                <a:spcPts val="0"/>
+              </a:spcBef>
+              <a:spcAft>
+                <a:spcPts val="0"/>
+              </a:spcAft>
+              <a:buClrTx/>
+              <a:buSzTx/>
+              <a:buFontTx/>
+              <a:buNone/>
+              <a:tabLst/>
+              <a:defRPr/>
+            </a:pPr>
+            <a:endParaRPr lang="it-IT" sz="1200" dirty="0" smtClean="0"/>
+          </a:p>
+          <a:p>
+            <a:pPr marL="0" marR="0" indent="0" algn="l" defTabSz="914400" rtl="0" eaLnBrk="1" fontAlgn="auto" latinLnBrk="0" hangingPunct="1">
+              <a:lnSpc>
+                <a:spcPct val="100000"/>
+              </a:lnSpc>
+              <a:spcBef>
+                <a:spcPts val="0"/>
+              </a:spcBef>
+              <a:spcAft>
+                <a:spcPts val="0"/>
+              </a:spcAft>
+              <a:buClrTx/>
+              <a:buSzTx/>
+              <a:buFontTx/>
+              <a:buNone/>
+              <a:tabLst/>
+              <a:defRPr/>
+            </a:pPr>
+            <a:r>
+              <a:rPr lang="it-IT" sz="1200" dirty="0" smtClean="0"/>
+              <a:t>Fine:: Tutto questo ha richiesto un maggior impegno che all’inizio non era stato programmato.</a:t>
+            </a:r>
+          </a:p>
+          <a:p>
+            <a:pPr marL="0" marR="0" indent="0" algn="l" defTabSz="914400" rtl="0" eaLnBrk="1" fontAlgn="auto" latinLnBrk="0" hangingPunct="1">
+              <a:lnSpc>
+                <a:spcPct val="100000"/>
+              </a:lnSpc>
+              <a:spcBef>
+                <a:spcPts val="0"/>
+              </a:spcBef>
+              <a:spcAft>
+                <a:spcPts val="0"/>
+              </a:spcAft>
+              <a:buClrTx/>
+              <a:buSzTx/>
+              <a:buFontTx/>
+              <a:buNone/>
+              <a:tabLst/>
+              <a:defRPr/>
+            </a:pPr>
+            <a:endParaRPr lang="it-IT" sz="1200" dirty="0" smtClean="0"/>
+          </a:p>
+          <a:p>
+            <a:endParaRPr lang="it-IT" dirty="0"/>
+          </a:p>
+        </p:txBody>
+      </p:sp>
+      <p:sp>
+        <p:nvSpPr>
+          <p:cNvPr id="4" name="Segnaposto numero diapositiva 3"/>
+          <p:cNvSpPr>
+            <a:spLocks noGrp="1"/>
+          </p:cNvSpPr>
+          <p:nvPr>
+            <p:ph type="sldNum" sz="quarter" idx="10"/>
+          </p:nvPr>
+        </p:nvSpPr>
+        <p:spPr/>
+        <p:txBody>
+          <a:bodyPr/>
+          <a:lstStyle/>
+          <a:p>
+            <a:fld id="{D70604CA-7593-4640-8FA1-5523937B8510}" type="slidenum">
+              <a:rPr lang="it-IT" smtClean="0"/>
+              <a:pPr/>
+              <a:t>15</a:t>
+            </a:fld>
+            <a:endParaRPr lang="it-IT"/>
+          </a:p>
+        </p:txBody>
+      </p:sp>
+    </p:spTree>
+    <p:extLst>
+      <p:ext uri="{BB962C8B-B14F-4D97-AF65-F5344CB8AC3E}">
+        <p14:creationId xmlns:p14="http://schemas.microsoft.com/office/powerpoint/2010/main" val="2716859324"/>
+      </p:ext>
+    </p:extLst>
+  </p:cSld>
+  <p:clrMapOvr>
+    <a:masterClrMapping/>
+  </p:clrMapOvr>
+</p:notes>
 </file>
 
 <file path=ppt/slideLayouts/slideLayout1.xml><?xml version="1.0" encoding="utf-8"?>
@@ -4778,8 +4948,8 @@
         </p:nvSpPr>
         <p:spPr>
           <a:xfrm>
-            <a:off x="0" y="1124743"/>
-            <a:ext cx="9144000" cy="646331"/>
+            <a:off x="0" y="692696"/>
+            <a:ext cx="9144000" cy="707886"/>
           </a:xfrm>
           <a:prstGeom prst="rect">
             <a:avLst/>
@@ -4794,23 +4964,61 @@
           <a:p>
             <a:pPr algn="ctr"/>
             <a:r>
-              <a:rPr lang="it-IT" sz="3600" b="1" dirty="0" smtClean="0"/>
-              <a:t>Tirocinanti </a:t>
-            </a:r>
-            <a:endParaRPr lang="it-IT" sz="3600" b="1" dirty="0"/>
-          </a:p>
-        </p:txBody>
-      </p:sp>
-      <p:sp>
-        <p:nvSpPr>
-          <p:cNvPr id="3" name="CasellaDiTesto 2"/>
+              <a:rPr lang="it-IT" sz="4000" b="1" dirty="0" smtClean="0"/>
+              <a:t>Use Case </a:t>
+            </a:r>
+            <a:r>
+              <a:rPr lang="it-IT" sz="4000" b="1" dirty="0" err="1" smtClean="0"/>
+              <a:t>Diagram</a:t>
+            </a:r>
+            <a:r>
+              <a:rPr lang="it-IT" sz="4000" b="1" smtClean="0"/>
+              <a:t> 3 – RAD 4.0</a:t>
+            </a:r>
+            <a:endParaRPr lang="it-IT" sz="4000" b="1" dirty="0"/>
+          </a:p>
+        </p:txBody>
+      </p:sp>
+      <p:pic>
+        <p:nvPicPr>
+          <p:cNvPr id="3" name="Immagine 2"/>
+          <p:cNvPicPr>
+            <a:picLocks noChangeAspect="1"/>
+          </p:cNvPicPr>
+          <p:nvPr/>
+        </p:nvPicPr>
+        <p:blipFill>
+          <a:blip r:embed="rId2" cstate="print">
+            <a:extLst>
+              <a:ext uri="{28A0092B-C50C-407E-A947-70E740481C1C}">
+                <a14:useLocalDpi xmlns:a14="http://schemas.microsoft.com/office/drawing/2010/main" val="0"/>
+              </a:ext>
+            </a:extLst>
+          </a:blip>
+          <a:stretch>
+            <a:fillRect/>
+          </a:stretch>
+        </p:blipFill>
+        <p:spPr>
+          <a:xfrm>
+            <a:off x="0" y="1400582"/>
+            <a:ext cx="9144000" cy="4764722"/>
+          </a:xfrm>
+          <a:prstGeom prst="rect">
+            <a:avLst/>
+          </a:prstGeom>
+        </p:spPr>
+      </p:pic>
+      <p:sp>
+        <p:nvSpPr>
+          <p:cNvPr id="4" name="CasellaDiTesto 3"/>
           <p:cNvSpPr txBox="1"/>
           <p:nvPr/>
         </p:nvSpPr>
         <p:spPr>
           <a:xfrm>
-            <a:off x="0" y="2132856"/>
-            <a:ext cx="9144000" cy="1938992"/>
+            <a:off x="1979712" y="6165304"/>
+            <a:ext cx="5976664" cy="646331"/>
           </a:xfrm>
           <a:prstGeom prst="rect">
             <a:avLst/>
@@ -4823,23 +5031,26 @@
           </a:bodyPr>
           <a:lstStyle/>
           <a:p>
-            <a:r>
-              <a:rPr lang="it-IT" sz="2400" dirty="0"/>
-              <a:t>Questa funzionalità è stata quella che ci ha impegnati maggiormente.</a:t>
-            </a:r>
-          </a:p>
-          <a:p>
-            <a:r>
-              <a:rPr lang="it-IT" sz="2400" dirty="0"/>
-              <a:t>Infatti in una prima analisi erano stati riscontrati solo 6 casi d’uso, poi in corso d’opera, man mano che il progetto prendeva forma e acquisivamo nuove informazioni su come dovevano interagire i tirocinanti con il sistema i casi d’uso sono diventati 19.</a:t>
-            </a:r>
+            <a:pPr algn="ctr"/>
+            <a:r>
+              <a:rPr lang="it-IT" dirty="0" err="1" smtClean="0"/>
+              <a:t>UCD_Tirocinanti</a:t>
+            </a:r>
+            <a:r>
+              <a:rPr lang="it-IT" dirty="0" smtClean="0"/>
+              <a:t> 3</a:t>
+            </a:r>
+          </a:p>
+          <a:p>
+            <a:pPr algn="ctr"/>
+            <a:endParaRPr lang="it-IT" dirty="0"/>
           </a:p>
         </p:txBody>
       </p:sp>
     </p:spTree>
     <p:extLst>
       <p:ext uri="{BB962C8B-B14F-4D97-AF65-F5344CB8AC3E}">
-        <p14:creationId xmlns:p14="http://schemas.microsoft.com/office/powerpoint/2010/main" val="2537338845"/>
+        <p14:creationId xmlns:p14="http://schemas.microsoft.com/office/powerpoint/2010/main" val="1545582615"/>
       </p:ext>
     </p:extLst>
   </p:cSld>
@@ -5068,11 +5279,11 @@
           <a:p>
             <a:pPr algn="ctr"/>
             <a:r>
-              <a:rPr lang="it-IT" dirty="0" smtClean="0"/>
+              <a:rPr lang="it-IT" i="1" dirty="0" smtClean="0"/>
               <a:t>MKUP_M_31-32-33-34-35_Registro </a:t>
             </a:r>
             <a:r>
-              <a:rPr lang="it-IT" dirty="0"/>
+              <a:rPr lang="it-IT" i="1" dirty="0"/>
               <a:t>Tirocinanti</a:t>
             </a:r>
           </a:p>
@@ -5309,10 +5520,10 @@
           <a:p>
             <a:pPr algn="ctr"/>
             <a:r>
-              <a:rPr lang="it-IT" dirty="0" err="1" smtClean="0"/>
-              <a:t>SD_Tirocinanti</a:t>
-            </a:r>
-            <a:endParaRPr lang="it-IT" dirty="0"/>
+              <a:rPr lang="it-IT" i="1" dirty="0" err="1" smtClean="0"/>
+              <a:t>SD_AggiungiTirocinanti</a:t>
+            </a:r>
+            <a:endParaRPr lang="it-IT" i="1" dirty="0"/>
           </a:p>
         </p:txBody>
       </p:sp>
@@ -5392,8 +5603,8 @@
         </p:nvSpPr>
         <p:spPr>
           <a:xfrm>
-            <a:off x="0" y="1700808"/>
-            <a:ext cx="9144000" cy="3785652"/>
+            <a:off x="204308" y="1700808"/>
+            <a:ext cx="8748464" cy="3970318"/>
           </a:xfrm>
           <a:prstGeom prst="rect">
             <a:avLst/>
@@ -5407,7 +5618,7 @@
           <a:lstStyle/>
           <a:p>
             <a:r>
-              <a:rPr lang="it-IT" sz="2400" dirty="0" smtClean="0">
+              <a:rPr lang="it-IT" sz="2800" b="1" dirty="0" smtClean="0">
                 <a:solidFill>
                   <a:srgbClr val="FF0000"/>
                 </a:solidFill>
@@ -5417,22 +5628,63 @@
           </a:p>
           <a:p>
             <a:r>
+              <a:rPr lang="it-IT" sz="2800" dirty="0" smtClean="0"/>
+              <a:t>Cambiamento e non comprensione dei requisiti</a:t>
+            </a:r>
+          </a:p>
+          <a:p>
+            <a:endParaRPr lang="it-IT" sz="2800" dirty="0" smtClean="0"/>
+          </a:p>
+          <a:p>
+            <a:r>
               <a:rPr lang="it-IT" sz="2400" dirty="0" smtClean="0"/>
-              <a:t>Come detto già in precedenza in una diapositiva, un problema che abbiamo riscontrato nella stesura del RAD, è stato quello dei tirocinanti.</a:t>
-            </a:r>
-          </a:p>
-          <a:p>
+              <a:t>In </a:t>
+            </a:r>
             <a:r>
               <a:rPr lang="it-IT" sz="2400" dirty="0" smtClean="0"/>
-              <a:t>In corso d’opera quando abbiamo appreso meglio tutti i requisiti riguardanti i tirocinanti, abbiamo dovuto modificare tutto quello che avevamo fatto in precedenza.  Aggiungere altri </a:t>
+              <a:t>corso d’opera quando abbiamo appreso meglio tutti i requisiti riguardanti i tirocinanti, abbiamo dovuto modificare tutto quello che avevamo fatto in precedenza.  </a:t>
+            </a:r>
+            <a:endParaRPr lang="it-IT" sz="2400" dirty="0" smtClean="0"/>
+          </a:p>
+          <a:p>
+            <a:pPr marL="342900" indent="-342900">
+              <a:buFont typeface="Wingdings" pitchFamily="2" charset="2"/>
+              <a:buChar char="v"/>
+            </a:pPr>
+            <a:r>
+              <a:rPr lang="it-IT" sz="2400" dirty="0" smtClean="0"/>
+              <a:t>Aggiungere </a:t>
+            </a:r>
+            <a:r>
+              <a:rPr lang="it-IT" sz="2400" dirty="0" smtClean="0"/>
+              <a:t>altri </a:t>
             </a:r>
             <a:r>
               <a:rPr lang="it-IT" sz="2400" u="sng" dirty="0" smtClean="0"/>
-              <a:t>casi d’uso</a:t>
+              <a:t>casi </a:t>
+            </a:r>
+            <a:r>
+              <a:rPr lang="it-IT" sz="2400" u="sng" dirty="0" smtClean="0"/>
+              <a:t>d’uso</a:t>
+            </a:r>
+            <a:endParaRPr lang="it-IT" sz="2400" dirty="0" smtClean="0"/>
+          </a:p>
+          <a:p>
+            <a:pPr marL="342900" indent="-342900">
+              <a:buFont typeface="Wingdings" pitchFamily="2" charset="2"/>
+              <a:buChar char="v"/>
+            </a:pPr>
+            <a:r>
+              <a:rPr lang="it-IT" sz="2400" dirty="0"/>
+              <a:t>M</a:t>
             </a:r>
             <a:r>
               <a:rPr lang="it-IT" sz="2400" dirty="0" smtClean="0"/>
-              <a:t>, modificare i </a:t>
+              <a:t>odificare </a:t>
+            </a:r>
+            <a:r>
+              <a:rPr lang="it-IT" sz="2400" dirty="0" smtClean="0"/>
+              <a:t>i </a:t>
             </a:r>
             <a:r>
               <a:rPr lang="it-IT" sz="2400" u="sng" dirty="0" smtClean="0"/>
@@ -5440,7 +5692,29 @@
             </a:r>
             <a:r>
               <a:rPr lang="it-IT" sz="2400" dirty="0" smtClean="0"/>
-              <a:t> esistenti, aggiornare gli </a:t>
+              <a:t> </a:t>
+            </a:r>
+            <a:r>
+              <a:rPr lang="it-IT" sz="2400" dirty="0" smtClean="0"/>
+              <a:t>esistenti</a:t>
+            </a:r>
+          </a:p>
+          <a:p>
+            <a:pPr marL="342900" indent="-342900">
+              <a:buFont typeface="Wingdings" pitchFamily="2" charset="2"/>
+              <a:buChar char="v"/>
+            </a:pPr>
+            <a:r>
+              <a:rPr lang="it-IT" sz="2400" dirty="0"/>
+              <a:t>A</a:t>
+            </a:r>
+            <a:r>
+              <a:rPr lang="it-IT" sz="2400" dirty="0" smtClean="0"/>
+              <a:t>ggiornare </a:t>
+            </a:r>
+            <a:r>
+              <a:rPr lang="it-IT" sz="2400" dirty="0" smtClean="0"/>
+              <a:t>gli </a:t>
             </a:r>
             <a:r>
               <a:rPr lang="it-IT" sz="2400" u="sng" dirty="0" smtClean="0"/>
@@ -5464,8 +5738,9 @@
             </a:r>
             <a:r>
               <a:rPr lang="it-IT" sz="2400" dirty="0" smtClean="0"/>
-              <a:t>. Tutto questo ha richiesto un maggior impegno che all’inizio non era stato programmato.</a:t>
-            </a:r>
+              <a:t>. </a:t>
+            </a:r>
+            <a:endParaRPr lang="it-IT" sz="2400" dirty="0" smtClean="0"/>
           </a:p>
           <a:p>
             <a:r>
@@ -5867,11 +6142,11 @@
   <p:clrMapOvr>
     <a:masterClrMapping/>
   </p:clrMapOvr>
-  <mc:AlternateContent xmlns:mc="http://schemas.openxmlformats.org/markup-compatibility/2006">
-    <mc:Choice xmlns:p14="http://schemas.microsoft.com/office/powerpoint/2010/main" Requires="p14">
+  <mc:AlternateContent xmlns:mc="http://schemas.openxmlformats.org/markup-compatibility/2006" xmlns:p14="http://schemas.microsoft.com/office/powerpoint/2010/main">
+    <mc:Choice Requires="p14">
       <p:transition spd="slow" p14:dur="2000"/>
     </mc:Choice>
-    <mc:Fallback>
+    <mc:Fallback xmlns="">
       <p:transition spd="slow"/>
     </mc:Fallback>
   </mc:AlternateContent>
@@ -6493,8 +6768,8 @@
         </p:blipFill>
         <p:spPr bwMode="auto">
           <a:xfrm>
-            <a:off x="2411760" y="805853"/>
-            <a:ext cx="4752527" cy="5863507"/>
+            <a:off x="2261679" y="620689"/>
+            <a:ext cx="5052690" cy="6233836"/>
           </a:xfrm>
           <a:prstGeom prst="rect">
             <a:avLst/>
@@ -6511,37 +6786,6 @@
           </a:extLst>
         </p:spPr>
       </p:pic>
-      <p:sp>
-        <p:nvSpPr>
-          <p:cNvPr id="3" name="CasellaDiTesto 2"/>
-          <p:cNvSpPr txBox="1"/>
-          <p:nvPr/>
-        </p:nvSpPr>
-        <p:spPr>
-          <a:xfrm>
-            <a:off x="107504" y="116632"/>
-            <a:ext cx="8712968" cy="830997"/>
-          </a:xfrm>
-          <a:prstGeom prst="rect">
-            <a:avLst/>
-          </a:prstGeom>
-          <a:noFill/>
-        </p:spPr>
-        <p:txBody>
-          <a:bodyPr wrap="square" rtlCol="0">
-            <a:spAutoFit/>
-          </a:bodyPr>
-          <a:lstStyle/>
-          <a:p>
-            <a:pPr algn="ctr"/>
-            <a:r>
-              <a:rPr lang="it-IT" sz="4800" b="1" dirty="0" smtClean="0"/>
-              <a:t>Attori</a:t>
-            </a:r>
-            <a:endParaRPr lang="it-IT" sz="4800" b="1" dirty="0"/>
-          </a:p>
-        </p:txBody>
-      </p:sp>
       <p:cxnSp>
         <p:nvCxnSpPr>
           <p:cNvPr id="4" name="Connettore 1 3"/>
@@ -6551,7 +6795,7 @@
         <p:spPr>
           <a:xfrm>
             <a:off x="3023828" y="1628800"/>
-            <a:ext cx="468052" cy="0"/>
+            <a:ext cx="482235" cy="0"/>
           </a:xfrm>
           <a:prstGeom prst="line">
             <a:avLst/>
@@ -6593,8 +6837,8 @@
         </p:nvCxnSpPr>
         <p:spPr>
           <a:xfrm>
-            <a:off x="3779912" y="3140968"/>
-            <a:ext cx="684076" cy="0"/>
+            <a:off x="3779912" y="3068960"/>
+            <a:ext cx="704806" cy="0"/>
           </a:xfrm>
           <a:prstGeom prst="line">
             <a:avLst/>
@@ -6636,8 +6880,8 @@
         </p:nvCxnSpPr>
         <p:spPr>
           <a:xfrm>
-            <a:off x="3105454" y="6093296"/>
-            <a:ext cx="818474" cy="0"/>
+            <a:off x="2987824" y="6237312"/>
+            <a:ext cx="843276" cy="0"/>
           </a:xfrm>
           <a:prstGeom prst="line">
             <a:avLst/>
@@ -6679,8 +6923,8 @@
         </p:nvCxnSpPr>
         <p:spPr>
           <a:xfrm>
-            <a:off x="3095836" y="6453336"/>
-            <a:ext cx="540060" cy="0"/>
+            <a:off x="2915816" y="6597352"/>
+            <a:ext cx="556426" cy="0"/>
           </a:xfrm>
           <a:prstGeom prst="line">
             <a:avLst/>
@@ -6722,8 +6966,8 @@
         </p:nvCxnSpPr>
         <p:spPr>
           <a:xfrm>
-            <a:off x="4175956" y="3501008"/>
-            <a:ext cx="396044" cy="0"/>
+            <a:off x="4139952" y="3429000"/>
+            <a:ext cx="408045" cy="0"/>
           </a:xfrm>
           <a:prstGeom prst="line">
             <a:avLst/>
@@ -6765,7 +7009,7 @@
         </p:nvSpPr>
         <p:spPr>
           <a:xfrm>
-            <a:off x="3095836" y="6237312"/>
+            <a:off x="2951820" y="6381328"/>
             <a:ext cx="540060" cy="216024"/>
           </a:xfrm>
           <a:prstGeom prst="ellipse">
@@ -7080,8 +7324,8 @@
         </p:nvSpPr>
         <p:spPr>
           <a:xfrm>
-            <a:off x="0" y="1124744"/>
-            <a:ext cx="9144000" cy="1323439"/>
+            <a:off x="0" y="764704"/>
+            <a:ext cx="9144000" cy="830997"/>
           </a:xfrm>
           <a:prstGeom prst="rect">
             <a:avLst/>
@@ -7099,14 +7343,7 @@
               <a:rPr lang="it-IT" sz="4800" b="1" dirty="0" smtClean="0"/>
               <a:t>Tirocinanti</a:t>
             </a:r>
-          </a:p>
-          <a:p>
-            <a:pPr algn="ctr"/>
-            <a:r>
-              <a:rPr lang="it-IT" sz="3200" b="1" dirty="0" smtClean="0"/>
-              <a:t>Requisiti funzionali</a:t>
-            </a:r>
-            <a:endParaRPr lang="it-IT" sz="3200" b="1" dirty="0"/>
+            <a:endParaRPr lang="it-IT" sz="4800" b="1" dirty="0" smtClean="0"/>
           </a:p>
         </p:txBody>
       </p:sp>
@@ -7118,8 +7355,8 @@
         </p:nvSpPr>
         <p:spPr>
           <a:xfrm>
-            <a:off x="0" y="2204864"/>
-            <a:ext cx="9144000" cy="3170099"/>
+            <a:off x="428672" y="1916832"/>
+            <a:ext cx="5079432" cy="3539430"/>
           </a:xfrm>
           <a:prstGeom prst="rect">
             <a:avLst/>
@@ -7132,68 +7369,47 @@
           </a:bodyPr>
           <a:lstStyle/>
           <a:p>
-            <a:endParaRPr lang="it-IT" sz="2000" dirty="0" smtClean="0"/>
-          </a:p>
-          <a:p>
-            <a:pPr marL="342900" indent="-342900">
+            <a:r>
+              <a:rPr lang="it-IT" sz="2800" dirty="0" smtClean="0"/>
+              <a:t>INIZIALMENTE</a:t>
+            </a:r>
+          </a:p>
+          <a:p>
+            <a:endParaRPr lang="it-IT" sz="2800" dirty="0" smtClean="0"/>
+          </a:p>
+          <a:p>
+            <a:pPr marL="457200" indent="-457200">
+              <a:buFont typeface="Wingdings" pitchFamily="2" charset="2"/>
+              <a:buChar char="v"/>
+            </a:pPr>
+            <a:r>
+              <a:rPr lang="it-IT" sz="2800" dirty="0"/>
+              <a:t> </a:t>
+            </a:r>
+            <a:r>
+              <a:rPr lang="it-IT" sz="2800" dirty="0" smtClean="0"/>
+              <a:t>Tirocinanti esclusi dal sistema</a:t>
+            </a:r>
+          </a:p>
+          <a:p>
+            <a:pPr marL="914400" lvl="1" indent="-457200">
+              <a:buFont typeface="Courier New" pitchFamily="49" charset="0"/>
+              <a:buChar char="o"/>
+            </a:pPr>
+            <a:r>
+              <a:rPr lang="it-IT" sz="2800" dirty="0" smtClean="0"/>
+              <a:t>Non avevano un account</a:t>
+            </a:r>
+          </a:p>
+          <a:p>
+            <a:pPr marL="1371600" lvl="2" indent="-457200">
               <a:buFont typeface="Arial" pitchFamily="34" charset="0"/>
               <a:buChar char="•"/>
             </a:pPr>
             <a:r>
-              <a:rPr lang="it-IT" sz="2000" b="1" dirty="0" smtClean="0"/>
-              <a:t>RF_M_2.10 </a:t>
-            </a:r>
-            <a:r>
-              <a:rPr lang="it-IT" sz="2000" dirty="0" smtClean="0"/>
-              <a:t>Possibilità </a:t>
-            </a:r>
-            <a:r>
-              <a:rPr lang="it-IT" sz="2000" dirty="0"/>
-              <a:t>di visualizzare il registro delle attività del tirocinante da parte del tirocinante, responsabile tirocini e della segreteria dell'asilo</a:t>
-            </a:r>
-          </a:p>
-          <a:p>
-            <a:endParaRPr lang="it-IT" sz="2000" dirty="0"/>
-          </a:p>
-          <a:p>
-            <a:pPr marL="342900" indent="-342900">
-              <a:buFont typeface="Arial" pitchFamily="34" charset="0"/>
-              <a:buChar char="•"/>
-            </a:pPr>
-            <a:r>
-              <a:rPr lang="it-IT" sz="2000" b="1" dirty="0"/>
-              <a:t>RF_M_2.14</a:t>
-            </a:r>
-            <a:r>
-              <a:rPr lang="it-IT" sz="2000" dirty="0"/>
-              <a:t>Possibilità di poter contestare l'allocazione da parte del </a:t>
-            </a:r>
-            <a:r>
-              <a:rPr lang="it-IT" sz="2000" dirty="0" smtClean="0"/>
-              <a:t>tirocinante</a:t>
-            </a:r>
-            <a:r>
-              <a:rPr lang="it-IT" sz="2000" dirty="0"/>
-              <a:t>.</a:t>
-            </a:r>
-          </a:p>
-          <a:p>
-            <a:endParaRPr lang="it-IT" sz="2000" dirty="0"/>
-          </a:p>
-          <a:p>
-            <a:endParaRPr lang="it-IT" sz="2000" dirty="0"/>
-          </a:p>
-          <a:p>
-            <a:endParaRPr lang="it-IT" sz="2000" dirty="0"/>
-          </a:p>
-          <a:p>
-            <a:r>
-              <a:rPr lang="it-IT" sz="2000" dirty="0" smtClean="0"/>
-              <a:t> </a:t>
-            </a:r>
-          </a:p>
-          <a:p>
-            <a:endParaRPr lang="it-IT" sz="2000" dirty="0"/>
+              <a:rPr lang="it-IT" sz="2800" dirty="0" smtClean="0"/>
+              <a:t>quindi non potevano visualizzare i propri dati né la schedulazione degli orari 	</a:t>
+            </a:r>
           </a:p>
         </p:txBody>
       </p:sp>
@@ -7243,7 +7459,7 @@
         <p:spPr>
           <a:xfrm>
             <a:off x="0" y="764704"/>
-            <a:ext cx="9144000" cy="1815882"/>
+            <a:ext cx="9144000" cy="1323439"/>
           </a:xfrm>
           <a:prstGeom prst="rect">
             <a:avLst/>
@@ -7259,15 +7475,9 @@
             <a:pPr algn="ctr"/>
             <a:r>
               <a:rPr lang="it-IT" sz="4000" b="1" dirty="0" smtClean="0"/>
-              <a:t>Responsabile Tirocini</a:t>
-            </a:r>
-          </a:p>
-          <a:p>
-            <a:pPr algn="ctr"/>
-            <a:r>
-              <a:rPr lang="it-IT" sz="3200" b="1" dirty="0" smtClean="0"/>
-              <a:t>Requisiti Funzionali</a:t>
-            </a:r>
+              <a:t>Tirocinanti</a:t>
+            </a:r>
+            <a:endParaRPr lang="it-IT" sz="4000" b="1" dirty="0" smtClean="0"/>
           </a:p>
           <a:p>
             <a:pPr algn="ctr"/>
@@ -7283,8 +7493,8 @@
         </p:nvSpPr>
         <p:spPr>
           <a:xfrm>
-            <a:off x="-1844" y="1768748"/>
-            <a:ext cx="9144000" cy="5909310"/>
+            <a:off x="-1844" y="1412776"/>
+            <a:ext cx="9144000" cy="7848302"/>
           </a:xfrm>
           <a:prstGeom prst="rect">
             <a:avLst/>
@@ -7300,6 +7510,98 @@
             <a:endParaRPr lang="it-IT" dirty="0" smtClean="0"/>
           </a:p>
           <a:p>
+            <a:r>
+              <a:rPr lang="it-IT" sz="2800" dirty="0" smtClean="0"/>
+              <a:t>POI</a:t>
+            </a:r>
+          </a:p>
+          <a:p>
+            <a:pPr marL="457200" indent="-457200">
+              <a:buFont typeface="Wingdings" pitchFamily="2" charset="2"/>
+              <a:buChar char="v"/>
+            </a:pPr>
+            <a:r>
+              <a:rPr lang="it-IT" sz="2800" dirty="0" smtClean="0"/>
+              <a:t>Aggiunti nuovi requisiti funzionali come:</a:t>
+            </a:r>
+            <a:endParaRPr lang="it-IT" sz="2800" dirty="0"/>
+          </a:p>
+          <a:p>
+            <a:endParaRPr lang="it-IT" sz="2800" dirty="0"/>
+          </a:p>
+          <a:p>
+            <a:pPr lvl="1" indent="-285750">
+              <a:buFont typeface="Arial" pitchFamily="34" charset="0"/>
+              <a:buChar char="•"/>
+            </a:pPr>
+            <a:r>
+              <a:rPr lang="it-IT" sz="2400" dirty="0" smtClean="0">
+                <a:solidFill>
+                  <a:schemeClr val="accent4"/>
+                </a:solidFill>
+              </a:rPr>
+              <a:t>RF_M_2.10 </a:t>
+            </a:r>
+            <a:r>
+              <a:rPr lang="it-IT" sz="2400" dirty="0" smtClean="0"/>
+              <a:t>Possibilità </a:t>
+            </a:r>
+            <a:r>
+              <a:rPr lang="it-IT" sz="2400" dirty="0"/>
+              <a:t>di visualizzare il registro delle attività del tirocinante da parte del tirocinante, responsabile tirocini e della segreteria dell'asilo.</a:t>
+            </a:r>
+          </a:p>
+          <a:p>
+            <a:endParaRPr lang="it-IT" sz="2400" dirty="0"/>
+          </a:p>
+          <a:p>
+            <a:pPr lvl="1" indent="-285750">
+              <a:buFont typeface="Arial" pitchFamily="34" charset="0"/>
+              <a:buChar char="•"/>
+            </a:pPr>
+            <a:r>
+              <a:rPr lang="it-IT" sz="2400" dirty="0">
+                <a:solidFill>
+                  <a:schemeClr val="accent4"/>
+                </a:solidFill>
+              </a:rPr>
+              <a:t>RF_M_2.12 </a:t>
+            </a:r>
+            <a:r>
+              <a:rPr lang="it-IT" sz="2400" dirty="0" smtClean="0"/>
+              <a:t>Possibilità </a:t>
+            </a:r>
+            <a:r>
+              <a:rPr lang="it-IT" sz="2400" dirty="0"/>
+              <a:t>di visualizzare la schedulazione dei tirocinanti da parte del responsabile tirocini e dalla segreteria dell'asilo e del tirocinante.</a:t>
+            </a:r>
+          </a:p>
+          <a:p>
+            <a:endParaRPr lang="it-IT" sz="2400" dirty="0"/>
+          </a:p>
+          <a:p>
+            <a:pPr lvl="1" indent="-285750">
+              <a:buFont typeface="Arial" pitchFamily="34" charset="0"/>
+              <a:buChar char="•"/>
+            </a:pPr>
+            <a:r>
+              <a:rPr lang="it-IT" sz="2400" dirty="0" smtClean="0">
+                <a:solidFill>
+                  <a:schemeClr val="accent4"/>
+                </a:solidFill>
+              </a:rPr>
+              <a:t>RF_M_2.14 </a:t>
+            </a:r>
+            <a:r>
+              <a:rPr lang="it-IT" sz="2400" dirty="0" smtClean="0"/>
+              <a:t>Possibilità </a:t>
+            </a:r>
+            <a:r>
+              <a:rPr lang="it-IT" sz="2400" dirty="0"/>
+              <a:t>di poter contestare l'allocazione da parte del tirocinante</a:t>
+            </a:r>
+          </a:p>
+          <a:p>
             <a:endParaRPr lang="it-IT" dirty="0"/>
           </a:p>
           <a:p>
@@ -7307,110 +7609,13 @@
               <a:buFont typeface="Arial" pitchFamily="34" charset="0"/>
               <a:buChar char="•"/>
             </a:pPr>
-            <a:r>
-              <a:rPr lang="it-IT" b="1" dirty="0" smtClean="0"/>
-              <a:t>RF_M_2.6 </a:t>
-            </a:r>
-            <a:r>
-              <a:rPr lang="it-IT" dirty="0" smtClean="0"/>
-              <a:t>Possibilità </a:t>
-            </a:r>
-            <a:r>
-              <a:rPr lang="it-IT" dirty="0"/>
-              <a:t>di aggiungere il feedback sulla schedulazione di un tirocinante da parte del responsabile </a:t>
-            </a:r>
-            <a:r>
-              <a:rPr lang="it-IT" dirty="0" smtClean="0"/>
-              <a:t>tirocini</a:t>
-            </a:r>
-          </a:p>
-          <a:p>
             <a:endParaRPr lang="it-IT" dirty="0"/>
           </a:p>
           <a:p>
-            <a:pPr marL="285750" indent="-285750">
-              <a:buFont typeface="Arial" pitchFamily="34" charset="0"/>
-              <a:buChar char="•"/>
-            </a:pPr>
-            <a:r>
-              <a:rPr lang="it-IT" b="1" dirty="0" smtClean="0"/>
-              <a:t>RF_M_2.10 </a:t>
-            </a:r>
-            <a:r>
-              <a:rPr lang="it-IT" dirty="0" smtClean="0"/>
-              <a:t>Possibilità </a:t>
-            </a:r>
-            <a:r>
-              <a:rPr lang="it-IT" dirty="0"/>
-              <a:t>di visualizzare il registro delle attività del tirocinante da parte del tirocinante, responsabile tirocini e della segreteria dell'asilo;</a:t>
-            </a:r>
-          </a:p>
-          <a:p>
             <a:endParaRPr lang="it-IT" dirty="0"/>
           </a:p>
           <a:p>
-            <a:pPr marL="285750" indent="-285750">
-              <a:buFont typeface="Arial" pitchFamily="34" charset="0"/>
-              <a:buChar char="•"/>
-            </a:pPr>
-            <a:r>
-              <a:rPr lang="it-IT" b="1" dirty="0" smtClean="0"/>
-              <a:t>RF_M_2.12 </a:t>
-            </a:r>
-            <a:r>
-              <a:rPr lang="it-IT" dirty="0" smtClean="0"/>
-              <a:t>Possibilità </a:t>
-            </a:r>
-            <a:r>
-              <a:rPr lang="it-IT" dirty="0"/>
-              <a:t>di visualizzare la schedulazione dei tirocinanti da parte del responsabile tirocini e dalla segreteria dell'asilo e del tirocinante.</a:t>
-            </a:r>
-          </a:p>
-          <a:p>
             <a:endParaRPr lang="it-IT" dirty="0"/>
-          </a:p>
-          <a:p>
-            <a:pPr marL="285750" indent="-285750">
-              <a:buFont typeface="Arial" pitchFamily="34" charset="0"/>
-              <a:buChar char="•"/>
-            </a:pPr>
-            <a:r>
-              <a:rPr lang="it-IT" b="1" dirty="0" smtClean="0"/>
-              <a:t>RF_M_2.13 </a:t>
-            </a:r>
-            <a:r>
-              <a:rPr lang="it-IT" dirty="0" smtClean="0"/>
-              <a:t>Possibilità </a:t>
-            </a:r>
-            <a:r>
-              <a:rPr lang="it-IT" dirty="0"/>
-              <a:t>di inserimento della schedulazione dei tirocinanti da parte del responsabile tirocini</a:t>
-            </a:r>
-            <a:r>
-              <a:rPr lang="it-IT" dirty="0" smtClean="0"/>
-              <a:t>.</a:t>
-            </a:r>
-          </a:p>
-          <a:p>
-            <a:endParaRPr lang="it-IT" dirty="0"/>
-          </a:p>
-          <a:p>
-            <a:pPr marL="285750" indent="-285750">
-              <a:buFont typeface="Arial" pitchFamily="34" charset="0"/>
-              <a:buChar char="•"/>
-            </a:pPr>
-            <a:r>
-              <a:rPr lang="it-IT" b="1" dirty="0" smtClean="0"/>
-              <a:t>RF_M_2.15 </a:t>
-            </a:r>
-            <a:r>
-              <a:rPr lang="it-IT" dirty="0" smtClean="0"/>
-              <a:t>Possibilità </a:t>
-            </a:r>
-            <a:r>
-              <a:rPr lang="it-IT" dirty="0"/>
-              <a:t>di modifica della schedulazione dei tirocinanti da parte del responsabile tirocini.</a:t>
-            </a:r>
           </a:p>
           <a:p>
             <a:endParaRPr lang="it-IT" dirty="0"/>
@@ -7474,8 +7679,8 @@
         </p:nvSpPr>
         <p:spPr>
           <a:xfrm>
-            <a:off x="0" y="548680"/>
-            <a:ext cx="9144000" cy="646331"/>
+            <a:off x="0" y="908720"/>
+            <a:ext cx="9144000" cy="784830"/>
           </a:xfrm>
           <a:prstGeom prst="rect">
             <a:avLst/>
@@ -7490,61 +7695,23 @@
           <a:p>
             <a:pPr algn="ctr"/>
             <a:r>
-              <a:rPr lang="it-IT" sz="3600" b="1" dirty="0" smtClean="0"/>
-              <a:t>Use Case </a:t>
-            </a:r>
-            <a:r>
-              <a:rPr lang="it-IT" sz="3600" b="1" dirty="0" err="1" smtClean="0"/>
-              <a:t>Diagram</a:t>
-            </a:r>
-            <a:r>
-              <a:rPr lang="it-IT" sz="3600" b="1" dirty="0" smtClean="0"/>
-              <a:t> - RAD 1</a:t>
-            </a:r>
-            <a:endParaRPr lang="it-IT" sz="3600" b="1" dirty="0"/>
-          </a:p>
-        </p:txBody>
-      </p:sp>
-      <p:pic>
-        <p:nvPicPr>
-          <p:cNvPr id="3" name="Immagine 2"/>
-          <p:cNvPicPr>
-            <a:picLocks noChangeAspect="1"/>
-          </p:cNvPicPr>
+              <a:rPr lang="it-IT" sz="4500" b="1" dirty="0" smtClean="0"/>
+              <a:t>Tirocinanti </a:t>
+            </a:r>
+            <a:endParaRPr lang="it-IT" sz="4500" b="1" dirty="0"/>
+          </a:p>
+        </p:txBody>
+      </p:sp>
+      <p:sp>
+        <p:nvSpPr>
+          <p:cNvPr id="3" name="CasellaDiTesto 2"/>
+          <p:cNvSpPr txBox="1"/>
           <p:nvPr/>
-        </p:nvPicPr>
-        <p:blipFill>
-          <a:blip r:embed="rId2" cstate="print">
-            <a:extLst>
-              <a:ext uri="{28A0092B-C50C-407E-A947-70E740481C1C}">
-                <a14:useLocalDpi xmlns:a14="http://schemas.microsoft.com/office/drawing/2010/main" val="0"/>
-              </a:ext>
-            </a:extLst>
-          </a:blip>
-          <a:stretch>
-            <a:fillRect/>
-          </a:stretch>
-        </p:blipFill>
+        </p:nvSpPr>
         <p:spPr>
           <a:xfrm>
-            <a:off x="1125828" y="1481394"/>
-            <a:ext cx="6954221" cy="4020111"/>
-          </a:xfrm>
-          <a:prstGeom prst="rect">
-            <a:avLst/>
-          </a:prstGeom>
-        </p:spPr>
-      </p:pic>
-      <p:sp>
-        <p:nvSpPr>
-          <p:cNvPr id="5" name="CasellaDiTesto 4"/>
-          <p:cNvSpPr txBox="1"/>
-          <p:nvPr/>
-        </p:nvSpPr>
-        <p:spPr>
-          <a:xfrm>
-            <a:off x="2555776" y="5085184"/>
-            <a:ext cx="3600400" cy="369332"/>
+            <a:off x="216024" y="2132856"/>
+            <a:ext cx="8748464" cy="3108543"/>
           </a:xfrm>
           <a:prstGeom prst="rect">
             <a:avLst/>
@@ -7557,23 +7724,39 @@
           </a:bodyPr>
           <a:lstStyle/>
           <a:p>
-            <a:pPr algn="ctr"/>
-            <a:r>
-              <a:rPr lang="it-IT" dirty="0" err="1" smtClean="0"/>
-              <a:t>UCD_Tirocinanti</a:t>
-            </a:r>
-            <a:r>
-              <a:rPr lang="it-IT" dirty="0" smtClean="0"/>
-              <a:t> 1</a:t>
-            </a:r>
-            <a:endParaRPr lang="it-IT" dirty="0"/>
+            <a:r>
+              <a:rPr lang="it-IT" sz="2800" dirty="0"/>
+              <a:t>Questa funzionalità è stata quella che ci ha impegnati maggiormente.</a:t>
+            </a:r>
+          </a:p>
+          <a:p>
+            <a:r>
+              <a:rPr lang="it-IT" sz="2800" dirty="0"/>
+              <a:t>Infatti in una prima analisi erano stati riscontrati solo </a:t>
+            </a:r>
+            <a:r>
+              <a:rPr lang="it-IT" sz="2800" b="1" dirty="0"/>
+              <a:t>6 casi d’uso</a:t>
+            </a:r>
+            <a:r>
+              <a:rPr lang="it-IT" sz="2800" dirty="0"/>
+              <a:t>, poi in corso d’opera, man mano che il progetto prendeva forma e acquisivamo nuove </a:t>
+            </a:r>
+            <a:r>
+              <a:rPr lang="it-IT" sz="2800" dirty="0"/>
+              <a:t>informazioni da parte del committente </a:t>
+            </a:r>
+            <a:r>
+              <a:rPr lang="it-IT" sz="2800" dirty="0"/>
+              <a:t>su come dovevano interagire i tirocinanti con il sistema i casi d’uso sono diventati 19.</a:t>
+            </a:r>
           </a:p>
         </p:txBody>
       </p:sp>
     </p:spTree>
     <p:extLst>
       <p:ext uri="{BB962C8B-B14F-4D97-AF65-F5344CB8AC3E}">
-        <p14:creationId xmlns:p14="http://schemas.microsoft.com/office/powerpoint/2010/main" val="422123805"/>
+        <p14:creationId xmlns:p14="http://schemas.microsoft.com/office/powerpoint/2010/main" val="2537338845"/>
       </p:ext>
     </p:extLst>
   </p:cSld>
@@ -7615,8 +7798,8 @@
         </p:nvSpPr>
         <p:spPr>
           <a:xfrm>
-            <a:off x="0" y="908720"/>
-            <a:ext cx="9144000" cy="984885"/>
+            <a:off x="0" y="548680"/>
+            <a:ext cx="9144000" cy="646331"/>
           </a:xfrm>
           <a:prstGeom prst="rect">
             <a:avLst/>
@@ -7631,58 +7814,24 @@
           <a:p>
             <a:pPr algn="ctr"/>
             <a:r>
-              <a:rPr lang="it-IT" sz="4000" b="1" dirty="0" smtClean="0"/>
+              <a:rPr lang="it-IT" sz="3600" b="1" dirty="0" smtClean="0"/>
               <a:t>Use Case </a:t>
             </a:r>
             <a:r>
-              <a:rPr lang="it-IT" sz="4000" b="1" dirty="0" err="1" smtClean="0"/>
+              <a:rPr lang="it-IT" sz="3600" b="1" dirty="0" err="1" smtClean="0"/>
               <a:t>Diagram</a:t>
             </a:r>
             <a:r>
-              <a:rPr lang="it-IT" sz="4000" b="1" dirty="0" smtClean="0"/>
-              <a:t> 1 – RAD 4.0</a:t>
-            </a:r>
-            <a:endParaRPr lang="it-IT" sz="4000" dirty="0"/>
-          </a:p>
-          <a:p>
-            <a:endParaRPr lang="it-IT" dirty="0"/>
-          </a:p>
-        </p:txBody>
-      </p:sp>
-      <p:sp>
-        <p:nvSpPr>
-          <p:cNvPr id="5" name="CasellaDiTesto 4"/>
-          <p:cNvSpPr txBox="1"/>
-          <p:nvPr/>
-        </p:nvSpPr>
-        <p:spPr>
-          <a:xfrm>
-            <a:off x="539552" y="5589240"/>
-            <a:ext cx="7848872" cy="369332"/>
-          </a:xfrm>
-          <a:prstGeom prst="rect">
-            <a:avLst/>
-          </a:prstGeom>
-          <a:noFill/>
-        </p:spPr>
-        <p:txBody>
-          <a:bodyPr wrap="square" rtlCol="0">
-            <a:spAutoFit/>
-          </a:bodyPr>
-          <a:lstStyle/>
-          <a:p>
-            <a:pPr algn="ctr"/>
-            <a:r>
-              <a:rPr lang="it-IT" dirty="0" err="1"/>
-              <a:t>UCD_Tirocinanti_Registro</a:t>
-            </a:r>
-            <a:endParaRPr lang="it-IT" dirty="0"/>
+              <a:rPr lang="it-IT" sz="3600" b="1" dirty="0" smtClean="0"/>
+              <a:t> - RAD 1</a:t>
+            </a:r>
+            <a:endParaRPr lang="it-IT" sz="3600" b="1" dirty="0"/>
           </a:p>
         </p:txBody>
       </p:sp>
       <p:pic>
         <p:nvPicPr>
-          <p:cNvPr id="6" name="Immagine 5"/>
+          <p:cNvPr id="3" name="Immagine 2"/>
           <p:cNvPicPr>
             <a:picLocks noChangeAspect="1"/>
           </p:cNvPicPr>
@@ -7702,8 +7851,8 @@
         </p:blipFill>
         <p:spPr>
           <a:xfrm>
-            <a:off x="267639" y="1579568"/>
-            <a:ext cx="8392697" cy="4379004"/>
+            <a:off x="1125828" y="1481394"/>
+            <a:ext cx="6954221" cy="4020111"/>
           </a:xfrm>
           <a:prstGeom prst="rect">
             <a:avLst/>
@@ -7712,14 +7861,14 @@
       </p:pic>
       <p:sp>
         <p:nvSpPr>
-          <p:cNvPr id="7" name="CasellaDiTesto 6"/>
+          <p:cNvPr id="5" name="CasellaDiTesto 4"/>
           <p:cNvSpPr txBox="1"/>
           <p:nvPr/>
         </p:nvSpPr>
         <p:spPr>
           <a:xfrm>
-            <a:off x="1547664" y="5958572"/>
-            <a:ext cx="5040560" cy="369332"/>
+            <a:off x="2555776" y="5085184"/>
+            <a:ext cx="3600400" cy="369332"/>
           </a:xfrm>
           <a:prstGeom prst="rect">
             <a:avLst/>
@@ -7741,13 +7890,14 @@
               <a:rPr lang="it-IT" dirty="0" smtClean="0"/>
               <a:t> 1</a:t>
             </a:r>
+            <a:endParaRPr lang="it-IT" dirty="0"/>
           </a:p>
         </p:txBody>
       </p:sp>
     </p:spTree>
     <p:extLst>
       <p:ext uri="{BB962C8B-B14F-4D97-AF65-F5344CB8AC3E}">
-        <p14:creationId xmlns:p14="http://schemas.microsoft.com/office/powerpoint/2010/main" val="247169405"/>
+        <p14:creationId xmlns:p14="http://schemas.microsoft.com/office/powerpoint/2010/main" val="422123805"/>
       </p:ext>
     </p:extLst>
   </p:cSld>
@@ -7783,14 +7933,14 @@
       </p:grpSpPr>
       <p:sp>
         <p:nvSpPr>
-          <p:cNvPr id="3" name="CasellaDiTesto 2"/>
+          <p:cNvPr id="2" name="CasellaDiTesto 1"/>
           <p:cNvSpPr txBox="1"/>
           <p:nvPr/>
         </p:nvSpPr>
         <p:spPr>
           <a:xfrm>
-            <a:off x="0" y="1052736"/>
-            <a:ext cx="9144000" cy="707886"/>
+            <a:off x="0" y="908720"/>
+            <a:ext cx="9144000" cy="984885"/>
           </a:xfrm>
           <a:prstGeom prst="rect">
             <a:avLst/>
@@ -7814,15 +7964,49 @@
             </a:r>
             <a:r>
               <a:rPr lang="it-IT" sz="4000" b="1" dirty="0" smtClean="0"/>
-              <a:t> 2 – RAD 4.0</a:t>
-            </a:r>
-            <a:endParaRPr lang="it-IT" sz="4000" b="1" dirty="0"/>
+              <a:t> 1 – RAD 4.0</a:t>
+            </a:r>
+            <a:endParaRPr lang="it-IT" sz="4000" dirty="0"/>
+          </a:p>
+          <a:p>
+            <a:endParaRPr lang="it-IT" dirty="0"/>
+          </a:p>
+        </p:txBody>
+      </p:sp>
+      <p:sp>
+        <p:nvSpPr>
+          <p:cNvPr id="5" name="CasellaDiTesto 4"/>
+          <p:cNvSpPr txBox="1"/>
+          <p:nvPr/>
+        </p:nvSpPr>
+        <p:spPr>
+          <a:xfrm>
+            <a:off x="539552" y="5589240"/>
+            <a:ext cx="7848872" cy="369332"/>
+          </a:xfrm>
+          <a:prstGeom prst="rect">
+            <a:avLst/>
+          </a:prstGeom>
+          <a:noFill/>
+        </p:spPr>
+        <p:txBody>
+          <a:bodyPr wrap="square" rtlCol="0">
+            <a:spAutoFit/>
+          </a:bodyPr>
+          <a:lstStyle/>
+          <a:p>
+            <a:pPr algn="ctr"/>
+            <a:r>
+              <a:rPr lang="it-IT" dirty="0" err="1"/>
+              <a:t>UCD_Tirocinanti_Registro</a:t>
+            </a:r>
+            <a:endParaRPr lang="it-IT" dirty="0"/>
           </a:p>
         </p:txBody>
       </p:sp>
       <p:pic>
         <p:nvPicPr>
-          <p:cNvPr id="4" name="Immagine 3"/>
+          <p:cNvPr id="6" name="Immagine 5"/>
           <p:cNvPicPr>
             <a:picLocks noChangeAspect="1"/>
           </p:cNvPicPr>
@@ -7842,8 +8026,8 @@
         </p:blipFill>
         <p:spPr>
           <a:xfrm>
-            <a:off x="539552" y="1628801"/>
-            <a:ext cx="8278381" cy="4752528"/>
+            <a:off x="267639" y="1579568"/>
+            <a:ext cx="8392697" cy="4379004"/>
           </a:xfrm>
           <a:prstGeom prst="rect">
             <a:avLst/>
@@ -7852,14 +8036,14 @@
       </p:pic>
       <p:sp>
         <p:nvSpPr>
-          <p:cNvPr id="5" name="CasellaDiTesto 4"/>
+          <p:cNvPr id="7" name="CasellaDiTesto 6"/>
           <p:cNvSpPr txBox="1"/>
           <p:nvPr/>
         </p:nvSpPr>
         <p:spPr>
           <a:xfrm>
-            <a:off x="1475656" y="6165304"/>
-            <a:ext cx="6048672" cy="369332"/>
+            <a:off x="1547664" y="5958572"/>
+            <a:ext cx="5040560" cy="369332"/>
           </a:xfrm>
           <a:prstGeom prst="rect">
             <a:avLst/>
@@ -7879,16 +8063,15 @@
             </a:r>
             <a:r>
               <a:rPr lang="it-IT" dirty="0" smtClean="0"/>
-              <a:t> 2</a:t>
-            </a:r>
-            <a:endParaRPr lang="it-IT" dirty="0"/>
+              <a:t> 1</a:t>
+            </a:r>
           </a:p>
         </p:txBody>
       </p:sp>
     </p:spTree>
     <p:extLst>
       <p:ext uri="{BB962C8B-B14F-4D97-AF65-F5344CB8AC3E}">
-        <p14:creationId xmlns:p14="http://schemas.microsoft.com/office/powerpoint/2010/main" val="1376204328"/>
+        <p14:creationId xmlns:p14="http://schemas.microsoft.com/office/powerpoint/2010/main" val="247169405"/>
       </p:ext>
     </p:extLst>
   </p:cSld>
@@ -7924,13 +8107,13 @@
       </p:grpSpPr>
       <p:sp>
         <p:nvSpPr>
-          <p:cNvPr id="2" name="CasellaDiTesto 1"/>
+          <p:cNvPr id="3" name="CasellaDiTesto 2"/>
           <p:cNvSpPr txBox="1"/>
           <p:nvPr/>
         </p:nvSpPr>
         <p:spPr>
           <a:xfrm>
-            <a:off x="0" y="692696"/>
+            <a:off x="0" y="1052736"/>
             <a:ext cx="9144000" cy="707886"/>
           </a:xfrm>
           <a:prstGeom prst="rect">
@@ -7954,8 +8137,8 @@
               <a:t>Diagram</a:t>
             </a:r>
             <a:r>
-              <a:rPr lang="it-IT" sz="4000" b="1" smtClean="0"/>
-              <a:t> 3 – RAD 4.0</a:t>
+              <a:rPr lang="it-IT" sz="4000" b="1" dirty="0" smtClean="0"/>
+              <a:t> 2 – RAD 4.0</a:t>
             </a:r>
             <a:endParaRPr lang="it-IT" sz="4000" b="1" dirty="0"/>
           </a:p>
@@ -7963,7 +8146,7 @@
       </p:sp>
       <p:pic>
         <p:nvPicPr>
-          <p:cNvPr id="3" name="Immagine 2"/>
+          <p:cNvPr id="4" name="Immagine 3"/>
           <p:cNvPicPr>
             <a:picLocks noChangeAspect="1"/>
           </p:cNvPicPr>
@@ -7983,8 +8166,8 @@
         </p:blipFill>
         <p:spPr>
           <a:xfrm>
-            <a:off x="0" y="1400582"/>
-            <a:ext cx="9144000" cy="4764722"/>
+            <a:off x="539552" y="1628801"/>
+            <a:ext cx="8278381" cy="4752528"/>
           </a:xfrm>
           <a:prstGeom prst="rect">
             <a:avLst/>
@@ -7993,14 +8176,14 @@
       </p:pic>
       <p:sp>
         <p:nvSpPr>
-          <p:cNvPr id="4" name="CasellaDiTesto 3"/>
+          <p:cNvPr id="5" name="CasellaDiTesto 4"/>
           <p:cNvSpPr txBox="1"/>
           <p:nvPr/>
         </p:nvSpPr>
         <p:spPr>
           <a:xfrm>
-            <a:off x="1979712" y="6165304"/>
-            <a:ext cx="5976664" cy="646331"/>
+            <a:off x="1475656" y="6165304"/>
+            <a:ext cx="6048672" cy="369332"/>
           </a:xfrm>
           <a:prstGeom prst="rect">
             <a:avLst/>
@@ -8020,11 +8203,8 @@
             </a:r>
             <a:r>
               <a:rPr lang="it-IT" dirty="0" smtClean="0"/>
-              <a:t> 3</a:t>
-            </a:r>
-          </a:p>
-          <a:p>
-            <a:pPr algn="ctr"/>
+              <a:t> 2</a:t>
+            </a:r>
             <a:endParaRPr lang="it-IT" dirty="0"/>
           </a:p>
         </p:txBody>
@@ -8032,7 +8212,7 @@
     </p:spTree>
     <p:extLst>
       <p:ext uri="{BB962C8B-B14F-4D97-AF65-F5344CB8AC3E}">
-        <p14:creationId xmlns:p14="http://schemas.microsoft.com/office/powerpoint/2010/main" val="1545582615"/>
+        <p14:creationId xmlns:p14="http://schemas.microsoft.com/office/powerpoint/2010/main" val="1376204328"/>
       </p:ext>
     </p:extLst>
   </p:cSld>

--- a/trunk/Presentazione/Atsilo2/Durante/Atsilo_M_PresentazioneFinale.pptx
+++ b/trunk/Presentazione/Atsilo2/Durante/Atsilo_M_PresentazioneFinale.pptx
@@ -5,7 +5,7 @@
     <p:sldMasterId id="2147483684" r:id="rId1"/>
   </p:sldMasterIdLst>
   <p:notesMasterIdLst>
-    <p:notesMasterId r:id="rId19"/>
+    <p:notesMasterId r:id="rId20"/>
   </p:notesMasterIdLst>
   <p:sldIdLst>
     <p:sldId id="256" r:id="rId2"/>
@@ -23,8 +23,9 @@
     <p:sldId id="265" r:id="rId14"/>
     <p:sldId id="271" r:id="rId15"/>
     <p:sldId id="272" r:id="rId16"/>
-    <p:sldId id="273" r:id="rId17"/>
-    <p:sldId id="274" r:id="rId18"/>
+    <p:sldId id="278" r:id="rId17"/>
+    <p:sldId id="273" r:id="rId18"/>
+    <p:sldId id="274" r:id="rId19"/>
   </p:sldIdLst>
   <p:sldSz cx="9144000" cy="6858000" type="screen4x3"/>
   <p:notesSz cx="6858000" cy="9144000"/>
@@ -5638,13 +5639,8 @@
           <a:p>
             <a:r>
               <a:rPr lang="it-IT" sz="2400" dirty="0" smtClean="0"/>
-              <a:t>In </a:t>
-            </a:r>
-            <a:r>
-              <a:rPr lang="it-IT" sz="2400" dirty="0" smtClean="0"/>
-              <a:t>corso d’opera quando abbiamo appreso meglio tutti i requisiti riguardanti i tirocinanti, abbiamo dovuto modificare tutto quello che avevamo fatto in precedenza.  </a:t>
-            </a:r>
-            <a:endParaRPr lang="it-IT" sz="2400" dirty="0" smtClean="0"/>
+              <a:t>In corso d’opera quando abbiamo appreso meglio tutti i requisiti riguardanti i tirocinanti, abbiamo dovuto modificare tutto quello che avevamo fatto in precedenza.  </a:t>
+            </a:r>
           </a:p>
           <a:p>
             <a:pPr marL="342900" indent="-342900">
@@ -5653,19 +5649,11 @@
             </a:pPr>
             <a:r>
               <a:rPr lang="it-IT" sz="2400" dirty="0" smtClean="0"/>
-              <a:t>Aggiungere </a:t>
-            </a:r>
-            <a:r>
-              <a:rPr lang="it-IT" sz="2400" dirty="0" smtClean="0"/>
-              <a:t>altri </a:t>
+              <a:t>Aggiungere altri </a:t>
             </a:r>
             <a:r>
               <a:rPr lang="it-IT" sz="2400" u="sng" dirty="0" smtClean="0"/>
-              <a:t>casi </a:t>
-            </a:r>
-            <a:r>
-              <a:rPr lang="it-IT" sz="2400" u="sng" dirty="0" smtClean="0"/>
-              <a:t>d’uso</a:t>
+              <a:t>casi d’uso</a:t>
             </a:r>
             <a:endParaRPr lang="it-IT" sz="2400" dirty="0" smtClean="0"/>
           </a:p>
@@ -5680,11 +5668,7 @@
             </a:r>
             <a:r>
               <a:rPr lang="it-IT" sz="2400" dirty="0" smtClean="0"/>
-              <a:t>odificare </a:t>
-            </a:r>
-            <a:r>
-              <a:rPr lang="it-IT" sz="2400" dirty="0" smtClean="0"/>
-              <a:t>i </a:t>
+              <a:t>odificare i </a:t>
             </a:r>
             <a:r>
               <a:rPr lang="it-IT" sz="2400" u="sng" dirty="0" smtClean="0"/>
@@ -5692,11 +5676,7 @@
             </a:r>
             <a:r>
               <a:rPr lang="it-IT" sz="2400" dirty="0" smtClean="0"/>
-              <a:t> </a:t>
-            </a:r>
-            <a:r>
-              <a:rPr lang="it-IT" sz="2400" dirty="0" smtClean="0"/>
-              <a:t>esistenti</a:t>
+              <a:t> esistenti</a:t>
             </a:r>
           </a:p>
           <a:p>
@@ -5710,11 +5690,7 @@
             </a:r>
             <a:r>
               <a:rPr lang="it-IT" sz="2400" dirty="0" smtClean="0"/>
-              <a:t>ggiornare </a:t>
-            </a:r>
-            <a:r>
-              <a:rPr lang="it-IT" sz="2400" dirty="0" smtClean="0"/>
-              <a:t>gli </a:t>
+              <a:t>ggiornare gli </a:t>
             </a:r>
             <a:r>
               <a:rPr lang="it-IT" sz="2400" u="sng" dirty="0" smtClean="0"/>
@@ -5740,7 +5716,6 @@
               <a:rPr lang="it-IT" sz="2400" dirty="0" smtClean="0"/>
               <a:t>. </a:t>
             </a:r>
-            <a:endParaRPr lang="it-IT" sz="2400" dirty="0" smtClean="0"/>
           </a:p>
           <a:p>
             <a:r>
@@ -5790,6 +5765,110 @@
       </p:grpSpPr>
       <p:sp>
         <p:nvSpPr>
+          <p:cNvPr id="2" name="CasellaDiTesto 1"/>
+          <p:cNvSpPr txBox="1"/>
+          <p:nvPr/>
+        </p:nvSpPr>
+        <p:spPr>
+          <a:xfrm>
+            <a:off x="0" y="1124744"/>
+            <a:ext cx="9144000" cy="2677656"/>
+          </a:xfrm>
+          <a:prstGeom prst="rect">
+            <a:avLst/>
+          </a:prstGeom>
+          <a:noFill/>
+        </p:spPr>
+        <p:txBody>
+          <a:bodyPr wrap="square" rtlCol="0">
+            <a:spAutoFit/>
+          </a:bodyPr>
+          <a:lstStyle/>
+          <a:p>
+            <a:r>
+              <a:rPr lang="it-IT" sz="2800" dirty="0" smtClean="0">
+                <a:solidFill>
+                  <a:schemeClr val="accent3">
+                    <a:lumMod val="50000"/>
+                  </a:schemeClr>
+                </a:solidFill>
+              </a:rPr>
+              <a:t>Pro:</a:t>
+            </a:r>
+          </a:p>
+          <a:p>
+            <a:r>
+              <a:rPr lang="it-IT" sz="2800" dirty="0" smtClean="0"/>
+              <a:t>Il tirocinanti è stato gestito in tutti i loro aspetti:</a:t>
+            </a:r>
+          </a:p>
+          <a:p>
+            <a:pPr marL="457200" indent="-457200">
+              <a:buFont typeface="Wingdings" pitchFamily="2" charset="2"/>
+              <a:buChar char="v"/>
+            </a:pPr>
+            <a:r>
+              <a:rPr lang="it-IT" sz="2800" dirty="0" smtClean="0"/>
+              <a:t>Registro</a:t>
+            </a:r>
+          </a:p>
+          <a:p>
+            <a:pPr marL="457200" indent="-457200">
+              <a:buFont typeface="Wingdings" pitchFamily="2" charset="2"/>
+              <a:buChar char="v"/>
+            </a:pPr>
+            <a:r>
+              <a:rPr lang="it-IT" sz="2800" dirty="0" smtClean="0"/>
+              <a:t>Pianificazione attività</a:t>
+            </a:r>
+          </a:p>
+          <a:p>
+            <a:pPr marL="457200" indent="-457200">
+              <a:buFont typeface="Wingdings" pitchFamily="2" charset="2"/>
+              <a:buChar char="v"/>
+            </a:pPr>
+            <a:r>
+              <a:rPr lang="it-IT" sz="2800" dirty="0" smtClean="0"/>
+              <a:t>Schedulazione</a:t>
+            </a:r>
+          </a:p>
+          <a:p>
+            <a:endParaRPr lang="it-IT" sz="2800" dirty="0"/>
+          </a:p>
+        </p:txBody>
+      </p:sp>
+    </p:spTree>
+    <p:extLst>
+      <p:ext uri="{BB962C8B-B14F-4D97-AF65-F5344CB8AC3E}">
+        <p14:creationId xmlns:p14="http://schemas.microsoft.com/office/powerpoint/2010/main" val="1143488046"/>
+      </p:ext>
+    </p:extLst>
+  </p:cSld>
+  <p:clrMapOvr>
+    <a:masterClrMapping/>
+  </p:clrMapOvr>
+</p:sld>
+</file>
+
+<file path=ppt/slides/slide17.xml><?xml version="1.0" encoding="utf-8"?>
+<p:sld xmlns:a="http://schemas.openxmlformats.org/drawingml/2006/main" xmlns:r="http://schemas.openxmlformats.org/officeDocument/2006/relationships" xmlns:p="http://schemas.openxmlformats.org/presentationml/2006/main">
+  <p:cSld>
+    <p:spTree>
+      <p:nvGrpSpPr>
+        <p:cNvPr id="1" name=""/>
+        <p:cNvGrpSpPr/>
+        <p:nvPr/>
+      </p:nvGrpSpPr>
+      <p:grpSpPr>
+        <a:xfrm>
+          <a:off x="0" y="0"/>
+          <a:ext cx="0" cy="0"/>
+          <a:chOff x="0" y="0"/>
+          <a:chExt cx="0" cy="0"/>
+        </a:xfrm>
+      </p:grpSpPr>
+      <p:sp>
+        <p:nvSpPr>
           <p:cNvPr id="3" name="CasellaDiTesto 2"/>
           <p:cNvSpPr txBox="1"/>
           <p:nvPr/>
@@ -5999,7 +6078,7 @@
 </p:sld>
 </file>
 
-<file path=ppt/slides/slide17.xml><?xml version="1.0" encoding="utf-8"?>
+<file path=ppt/slides/slide18.xml><?xml version="1.0" encoding="utf-8"?>
 <p:sld xmlns:a="http://schemas.openxmlformats.org/drawingml/2006/main" xmlns:r="http://schemas.openxmlformats.org/officeDocument/2006/relationships" xmlns:p="http://schemas.openxmlformats.org/presentationml/2006/main" show="0">
   <p:cSld>
     <p:spTree>
@@ -7343,7 +7422,6 @@
               <a:rPr lang="it-IT" sz="4800" b="1" dirty="0" smtClean="0"/>
               <a:t>Tirocinanti</a:t>
             </a:r>
-            <a:endParaRPr lang="it-IT" sz="4800" b="1" dirty="0" smtClean="0"/>
           </a:p>
         </p:txBody>
       </p:sp>
@@ -7413,6 +7491,36 @@
           </a:p>
         </p:txBody>
       </p:sp>
+      <p:pic>
+        <p:nvPicPr>
+          <p:cNvPr id="2" name="Immagine 1"/>
+          <p:cNvPicPr>
+            <a:picLocks noChangeAspect="1"/>
+          </p:cNvPicPr>
+          <p:nvPr/>
+        </p:nvPicPr>
+        <p:blipFill>
+          <a:blip r:embed="rId2">
+            <a:extLst>
+              <a:ext uri="{28A0092B-C50C-407E-A947-70E740481C1C}">
+                <a14:useLocalDpi xmlns:a14="http://schemas.microsoft.com/office/drawing/2010/main" val="0"/>
+              </a:ext>
+            </a:extLst>
+          </a:blip>
+          <a:stretch>
+            <a:fillRect/>
+          </a:stretch>
+        </p:blipFill>
+        <p:spPr>
+          <a:xfrm>
+            <a:off x="6084168" y="1595701"/>
+            <a:ext cx="2514600" cy="4067175"/>
+          </a:xfrm>
+          <a:prstGeom prst="rect">
+            <a:avLst/>
+          </a:prstGeom>
+        </p:spPr>
+      </p:pic>
     </p:spTree>
     <p:extLst>
       <p:ext uri="{BB962C8B-B14F-4D97-AF65-F5344CB8AC3E}">
@@ -7477,7 +7585,6 @@
               <a:rPr lang="it-IT" sz="4000" b="1" dirty="0" smtClean="0"/>
               <a:t>Tirocinanti</a:t>
             </a:r>
-            <a:endParaRPr lang="it-IT" sz="4000" b="1" dirty="0" smtClean="0"/>
           </a:p>
           <a:p>
             <a:pPr algn="ctr"/>
@@ -7740,15 +7847,7 @@
             </a:r>
             <a:r>
               <a:rPr lang="it-IT" sz="2800" dirty="0"/>
-              <a:t>, poi in corso d’opera, man mano che il progetto prendeva forma e acquisivamo nuove </a:t>
-            </a:r>
-            <a:r>
-              <a:rPr lang="it-IT" sz="2800" dirty="0"/>
-              <a:t>informazioni da parte del committente </a:t>
-            </a:r>
-            <a:r>
-              <a:rPr lang="it-IT" sz="2800" dirty="0"/>
-              <a:t>su come dovevano interagire i tirocinanti con il sistema i casi d’uso sono diventati 19.</a:t>
+              <a:t>, poi in corso d’opera, man mano che il progetto prendeva forma e acquisivamo nuove informazioni da parte del committente su come dovevano interagire i tirocinanti con il sistema i casi d’uso sono diventati 19.</a:t>
             </a:r>
           </a:p>
         </p:txBody>

--- a/trunk/Presentazione/Atsilo2/Durante/Atsilo_M_PresentazioneFinale.pptx
+++ b/trunk/Presentazione/Atsilo2/Durante/Atsilo_M_PresentazioneFinale.pptx
@@ -292,7 +292,7 @@
             <a:fld id="{38D78F4D-402C-46E0-A4BB-DF91EA86B14C}" type="datetimeFigureOut">
               <a:rPr lang="it-IT" smtClean="0"/>
               <a:pPr/>
-              <a:t>03/01/2013</a:t>
+              <a:t>04/01/2013</a:t>
             </a:fld>
             <a:endParaRPr lang="it-IT"/>
           </a:p>
@@ -605,6 +605,91 @@
           <a:bodyPr/>
           <a:lstStyle/>
           <a:p>
+            <a:endParaRPr lang="it-IT" dirty="0"/>
+          </a:p>
+        </p:txBody>
+      </p:sp>
+      <p:sp>
+        <p:nvSpPr>
+          <p:cNvPr id="4" name="Segnaposto numero diapositiva 3"/>
+          <p:cNvSpPr>
+            <a:spLocks noGrp="1"/>
+          </p:cNvSpPr>
+          <p:nvPr>
+            <p:ph type="sldNum" sz="quarter" idx="10"/>
+          </p:nvPr>
+        </p:nvSpPr>
+        <p:spPr/>
+        <p:txBody>
+          <a:bodyPr/>
+          <a:lstStyle/>
+          <a:p>
+            <a:fld id="{D70604CA-7593-4640-8FA1-5523937B8510}" type="slidenum">
+              <a:rPr lang="it-IT" smtClean="0"/>
+              <a:pPr/>
+              <a:t>2</a:t>
+            </a:fld>
+            <a:endParaRPr lang="it-IT"/>
+          </a:p>
+        </p:txBody>
+      </p:sp>
+    </p:spTree>
+    <p:extLst>
+      <p:ext uri="{BB962C8B-B14F-4D97-AF65-F5344CB8AC3E}">
+        <p14:creationId xmlns:p14="http://schemas.microsoft.com/office/powerpoint/2010/main" val="1886647183"/>
+      </p:ext>
+    </p:extLst>
+  </p:cSld>
+  <p:clrMapOvr>
+    <a:masterClrMapping/>
+  </p:clrMapOvr>
+</p:notes>
+</file>
+
+<file path=ppt/notesSlides/notesSlide2.xml><?xml version="1.0" encoding="utf-8"?>
+<p:notes xmlns:a="http://schemas.openxmlformats.org/drawingml/2006/main" xmlns:r="http://schemas.openxmlformats.org/officeDocument/2006/relationships" xmlns:p="http://schemas.openxmlformats.org/presentationml/2006/main">
+  <p:cSld>
+    <p:spTree>
+      <p:nvGrpSpPr>
+        <p:cNvPr id="1" name=""/>
+        <p:cNvGrpSpPr/>
+        <p:nvPr/>
+      </p:nvGrpSpPr>
+      <p:grpSpPr>
+        <a:xfrm>
+          <a:off x="0" y="0"/>
+          <a:ext cx="0" cy="0"/>
+          <a:chOff x="0" y="0"/>
+          <a:chExt cx="0" cy="0"/>
+        </a:xfrm>
+      </p:grpSpPr>
+      <p:sp>
+        <p:nvSpPr>
+          <p:cNvPr id="2" name="Segnaposto immagine diapositiva 1"/>
+          <p:cNvSpPr>
+            <a:spLocks noGrp="1" noRot="1" noChangeAspect="1"/>
+          </p:cNvSpPr>
+          <p:nvPr>
+            <p:ph type="sldImg"/>
+          </p:nvPr>
+        </p:nvSpPr>
+        <p:spPr/>
+      </p:sp>
+      <p:sp>
+        <p:nvSpPr>
+          <p:cNvPr id="3" name="Segnaposto note 2"/>
+          <p:cNvSpPr>
+            <a:spLocks noGrp="1"/>
+          </p:cNvSpPr>
+          <p:nvPr>
+            <p:ph type="body" idx="1"/>
+          </p:nvPr>
+        </p:nvSpPr>
+        <p:spPr/>
+        <p:txBody>
+          <a:bodyPr/>
+          <a:lstStyle/>
+          <a:p>
             <a:pPr marL="0" marR="0" indent="0" algn="l" defTabSz="914400" rtl="0" eaLnBrk="1" fontAlgn="auto" latinLnBrk="0" hangingPunct="1">
               <a:lnSpc>
                 <a:spcPct val="100000"/>
@@ -727,6 +812,98 @@
     <p:extLst>
       <p:ext uri="{BB962C8B-B14F-4D97-AF65-F5344CB8AC3E}">
         <p14:creationId xmlns:p14="http://schemas.microsoft.com/office/powerpoint/2010/main" val="2716859324"/>
+      </p:ext>
+    </p:extLst>
+  </p:cSld>
+  <p:clrMapOvr>
+    <a:masterClrMapping/>
+  </p:clrMapOvr>
+</p:notes>
+</file>
+
+<file path=ppt/notesSlides/notesSlide3.xml><?xml version="1.0" encoding="utf-8"?>
+<p:notes xmlns:a="http://schemas.openxmlformats.org/drawingml/2006/main" xmlns:r="http://schemas.openxmlformats.org/officeDocument/2006/relationships" xmlns:p="http://schemas.openxmlformats.org/presentationml/2006/main">
+  <p:cSld>
+    <p:spTree>
+      <p:nvGrpSpPr>
+        <p:cNvPr id="1" name=""/>
+        <p:cNvGrpSpPr/>
+        <p:nvPr/>
+      </p:nvGrpSpPr>
+      <p:grpSpPr>
+        <a:xfrm>
+          <a:off x="0" y="0"/>
+          <a:ext cx="0" cy="0"/>
+          <a:chOff x="0" y="0"/>
+          <a:chExt cx="0" cy="0"/>
+        </a:xfrm>
+      </p:grpSpPr>
+      <p:sp>
+        <p:nvSpPr>
+          <p:cNvPr id="2" name="Segnaposto immagine diapositiva 1"/>
+          <p:cNvSpPr>
+            <a:spLocks noGrp="1" noRot="1" noChangeAspect="1"/>
+          </p:cNvSpPr>
+          <p:nvPr>
+            <p:ph type="sldImg"/>
+          </p:nvPr>
+        </p:nvSpPr>
+        <p:spPr/>
+      </p:sp>
+      <p:sp>
+        <p:nvSpPr>
+          <p:cNvPr id="3" name="Segnaposto note 2"/>
+          <p:cNvSpPr>
+            <a:spLocks noGrp="1"/>
+          </p:cNvSpPr>
+          <p:nvPr>
+            <p:ph type="body" idx="1"/>
+          </p:nvPr>
+        </p:nvSpPr>
+        <p:spPr/>
+        <p:txBody>
+          <a:bodyPr/>
+          <a:lstStyle/>
+          <a:p>
+            <a:r>
+              <a:rPr lang="it-IT" smtClean="0">
+                <a:latin typeface="Arial" pitchFamily="34" charset="0"/>
+                <a:cs typeface="Arial" pitchFamily="34" charset="0"/>
+              </a:rPr>
+              <a:t>1)  una volta superate le prime difficoltà, il lavoro è continuato in modo uniforme.</a:t>
+            </a:r>
+            <a:endParaRPr lang="it-IT" dirty="0"/>
+          </a:p>
+        </p:txBody>
+      </p:sp>
+      <p:sp>
+        <p:nvSpPr>
+          <p:cNvPr id="4" name="Segnaposto numero diapositiva 3"/>
+          <p:cNvSpPr>
+            <a:spLocks noGrp="1"/>
+          </p:cNvSpPr>
+          <p:nvPr>
+            <p:ph type="sldNum" sz="quarter" idx="10"/>
+          </p:nvPr>
+        </p:nvSpPr>
+        <p:spPr/>
+        <p:txBody>
+          <a:bodyPr/>
+          <a:lstStyle/>
+          <a:p>
+            <a:fld id="{D70604CA-7593-4640-8FA1-5523937B8510}" type="slidenum">
+              <a:rPr lang="it-IT" smtClean="0"/>
+              <a:pPr/>
+              <a:t>17</a:t>
+            </a:fld>
+            <a:endParaRPr lang="it-IT"/>
+          </a:p>
+        </p:txBody>
+      </p:sp>
+    </p:spTree>
+    <p:extLst>
+      <p:ext uri="{BB962C8B-B14F-4D97-AF65-F5344CB8AC3E}">
+        <p14:creationId xmlns:p14="http://schemas.microsoft.com/office/powerpoint/2010/main" val="1159000954"/>
       </p:ext>
     </p:extLst>
   </p:cSld>
@@ -902,7 +1079,7 @@
             <a:fld id="{63CABBC0-75E4-43BB-A6A6-84C2A96BDB82}" type="datetimeFigureOut">
               <a:rPr lang="it-IT" smtClean="0"/>
               <a:pPr/>
-              <a:t>03/01/2013</a:t>
+              <a:t>04/01/2013</a:t>
             </a:fld>
             <a:endParaRPr lang="it-IT"/>
           </a:p>
@@ -1084,7 +1261,7 @@
             <a:fld id="{63CABBC0-75E4-43BB-A6A6-84C2A96BDB82}" type="datetimeFigureOut">
               <a:rPr lang="it-IT" smtClean="0"/>
               <a:pPr/>
-              <a:t>03/01/2013</a:t>
+              <a:t>04/01/2013</a:t>
             </a:fld>
             <a:endParaRPr lang="it-IT"/>
           </a:p>
@@ -1276,7 +1453,7 @@
             <a:fld id="{63CABBC0-75E4-43BB-A6A6-84C2A96BDB82}" type="datetimeFigureOut">
               <a:rPr lang="it-IT" smtClean="0"/>
               <a:pPr/>
-              <a:t>03/01/2013</a:t>
+              <a:t>04/01/2013</a:t>
             </a:fld>
             <a:endParaRPr lang="it-IT"/>
           </a:p>
@@ -1458,7 +1635,7 @@
             <a:fld id="{63CABBC0-75E4-43BB-A6A6-84C2A96BDB82}" type="datetimeFigureOut">
               <a:rPr lang="it-IT" smtClean="0"/>
               <a:pPr/>
-              <a:t>03/01/2013</a:t>
+              <a:t>04/01/2013</a:t>
             </a:fld>
             <a:endParaRPr lang="it-IT"/>
           </a:p>
@@ -1701,7 +1878,7 @@
             <a:fld id="{63CABBC0-75E4-43BB-A6A6-84C2A96BDB82}" type="datetimeFigureOut">
               <a:rPr lang="it-IT" smtClean="0"/>
               <a:pPr/>
-              <a:t>03/01/2013</a:t>
+              <a:t>04/01/2013</a:t>
             </a:fld>
             <a:endParaRPr lang="it-IT"/>
           </a:p>
@@ -1982,7 +2159,7 @@
             <a:fld id="{63CABBC0-75E4-43BB-A6A6-84C2A96BDB82}" type="datetimeFigureOut">
               <a:rPr lang="it-IT" smtClean="0"/>
               <a:pPr/>
-              <a:t>03/01/2013</a:t>
+              <a:t>04/01/2013</a:t>
             </a:fld>
             <a:endParaRPr lang="it-IT"/>
           </a:p>
@@ -2373,7 +2550,7 @@
             <a:fld id="{63CABBC0-75E4-43BB-A6A6-84C2A96BDB82}" type="datetimeFigureOut">
               <a:rPr lang="it-IT" smtClean="0"/>
               <a:pPr/>
-              <a:t>03/01/2013</a:t>
+              <a:t>04/01/2013</a:t>
             </a:fld>
             <a:endParaRPr lang="it-IT"/>
           </a:p>
@@ -2532,7 +2709,7 @@
             <a:fld id="{63CABBC0-75E4-43BB-A6A6-84C2A96BDB82}" type="datetimeFigureOut">
               <a:rPr lang="it-IT" smtClean="0"/>
               <a:pPr/>
-              <a:t>03/01/2013</a:t>
+              <a:t>04/01/2013</a:t>
             </a:fld>
             <a:endParaRPr lang="it-IT"/>
           </a:p>
@@ -2631,7 +2808,7 @@
             <a:fld id="{63CABBC0-75E4-43BB-A6A6-84C2A96BDB82}" type="datetimeFigureOut">
               <a:rPr lang="it-IT" smtClean="0"/>
               <a:pPr/>
-              <a:t>03/01/2013</a:t>
+              <a:t>04/01/2013</a:t>
             </a:fld>
             <a:endParaRPr lang="it-IT"/>
           </a:p>
@@ -2901,7 +3078,7 @@
             <a:fld id="{63CABBC0-75E4-43BB-A6A6-84C2A96BDB82}" type="datetimeFigureOut">
               <a:rPr lang="it-IT" smtClean="0"/>
               <a:pPr/>
-              <a:t>03/01/2013</a:t>
+              <a:t>04/01/2013</a:t>
             </a:fld>
             <a:endParaRPr lang="it-IT"/>
           </a:p>
@@ -3198,7 +3375,7 @@
             <a:fld id="{63CABBC0-75E4-43BB-A6A6-84C2A96BDB82}" type="datetimeFigureOut">
               <a:rPr lang="it-IT" smtClean="0"/>
               <a:pPr/>
-              <a:t>03/01/2013</a:t>
+              <a:t>04/01/2013</a:t>
             </a:fld>
             <a:endParaRPr lang="it-IT"/>
           </a:p>
@@ -3978,7 +4155,7 @@
             <a:fld id="{63CABBC0-75E4-43BB-A6A6-84C2A96BDB82}" type="datetimeFigureOut">
               <a:rPr lang="it-IT" smtClean="0"/>
               <a:pPr/>
-              <a:t>03/01/2013</a:t>
+              <a:t>04/01/2013</a:t>
             </a:fld>
             <a:endParaRPr lang="it-IT"/>
           </a:p>
@@ -5906,7 +6083,7 @@
         <p:spPr>
           <a:xfrm>
             <a:off x="0" y="1628800"/>
-            <a:ext cx="9144000" cy="1477328"/>
+            <a:ext cx="9144000" cy="2031325"/>
           </a:xfrm>
           <a:prstGeom prst="rect">
             <a:avLst/>
@@ -5932,6 +6109,16 @@
             </a:r>
           </a:p>
           <a:p>
+            <a:endParaRPr lang="it-IT" dirty="0" smtClean="0">
+              <a:latin typeface="Arial" pitchFamily="34" charset="0"/>
+              <a:cs typeface="Arial" pitchFamily="34" charset="0"/>
+            </a:endParaRPr>
+          </a:p>
+          <a:p>
+            <a:pPr marL="285750" indent="-285750">
+              <a:buFont typeface="Wingdings" pitchFamily="2" charset="2"/>
+              <a:buChar char="v"/>
+            </a:pPr>
             <a:r>
               <a:rPr lang="it-IT" dirty="0" smtClean="0">
                 <a:latin typeface="Arial" pitchFamily="34" charset="0"/>
@@ -6007,19 +6194,57 @@
                 <a:latin typeface="Arial" pitchFamily="34" charset="0"/>
                 <a:cs typeface="Arial" pitchFamily="34" charset="0"/>
               </a:rPr>
-              <a:t>team: una volta superate le prime difficoltà, il lavoro è continuato in modo uniforme.</a:t>
-            </a:r>
-          </a:p>
-          <a:p>
+              <a:t>team</a:t>
+            </a:r>
+          </a:p>
+          <a:p>
+            <a:pPr marL="285750" indent="-285750">
+              <a:buFont typeface="Wingdings" pitchFamily="2" charset="2"/>
+              <a:buChar char="v"/>
+            </a:pPr>
+            <a:endParaRPr lang="it-IT" dirty="0" smtClean="0">
+              <a:latin typeface="Arial" pitchFamily="34" charset="0"/>
+              <a:cs typeface="Arial" pitchFamily="34" charset="0"/>
+            </a:endParaRPr>
+          </a:p>
+          <a:p>
+            <a:pPr marL="285750" indent="-285750">
+              <a:buFont typeface="Wingdings" pitchFamily="2" charset="2"/>
+              <a:buChar char="v"/>
+            </a:pPr>
             <a:r>
               <a:rPr lang="it-IT" dirty="0" smtClean="0">
                 <a:latin typeface="Arial" pitchFamily="34" charset="0"/>
                 <a:cs typeface="Arial" pitchFamily="34" charset="0"/>
               </a:rPr>
-              <a:t>Il RAD è stato raffinato  con l’aumentare delle conoscenze sulla materia.</a:t>
-            </a:r>
-          </a:p>
-          <a:p>
+              <a:t>Il RAD è stato raffinato  con l’aumentare delle conoscenze sulla </a:t>
+            </a:r>
+            <a:r>
+              <a:rPr lang="it-IT" smtClean="0">
+                <a:latin typeface="Arial" pitchFamily="34" charset="0"/>
+                <a:cs typeface="Arial" pitchFamily="34" charset="0"/>
+              </a:rPr>
+              <a:t>materia</a:t>
+            </a:r>
+            <a:r>
+              <a:rPr lang="it-IT" smtClean="0">
+                <a:latin typeface="Arial" pitchFamily="34" charset="0"/>
+                <a:cs typeface="Arial" pitchFamily="34" charset="0"/>
+              </a:rPr>
+              <a:t>.</a:t>
+            </a:r>
+          </a:p>
+          <a:p>
+            <a:endParaRPr lang="it-IT" dirty="0" smtClean="0">
+              <a:latin typeface="Arial" pitchFamily="34" charset="0"/>
+              <a:cs typeface="Arial" pitchFamily="34" charset="0"/>
+            </a:endParaRPr>
+          </a:p>
+          <a:p>
+            <a:pPr marL="285750" indent="-285750">
+              <a:buFont typeface="Wingdings" pitchFamily="2" charset="2"/>
+              <a:buChar char="v"/>
+            </a:pPr>
             <a:r>
               <a:rPr lang="it-IT" dirty="0" smtClean="0">
                 <a:latin typeface="Arial" pitchFamily="34" charset="0"/>
@@ -7833,25 +8058,82 @@
           <a:p>
             <a:r>
               <a:rPr lang="it-IT" sz="2800" dirty="0"/>
-              <a:t>Questa funzionalità è stata quella che ci ha impegnati maggiormente.</a:t>
-            </a:r>
-          </a:p>
-          <a:p>
-            <a:r>
-              <a:rPr lang="it-IT" sz="2800" dirty="0"/>
-              <a:t>Infatti in una prima analisi erano stati riscontrati solo </a:t>
-            </a:r>
-            <a:r>
-              <a:rPr lang="it-IT" sz="2800" b="1" dirty="0"/>
+              <a:t>Questa funzionalità è stata quella che ci ha impegnati maggiormente</a:t>
+            </a:r>
+            <a:r>
+              <a:rPr lang="it-IT" sz="2800" dirty="0" smtClean="0"/>
+              <a:t>.</a:t>
+            </a:r>
+          </a:p>
+          <a:p>
+            <a:endParaRPr lang="it-IT" sz="2800" dirty="0"/>
+          </a:p>
+          <a:p>
+            <a:pPr marL="457200" indent="-457200">
+              <a:buFont typeface="Wingdings" pitchFamily="2" charset="2"/>
+              <a:buChar char="v"/>
+            </a:pPr>
+            <a:r>
+              <a:rPr lang="it-IT" sz="2800" dirty="0" smtClean="0"/>
               <a:t>6 casi d’uso</a:t>
             </a:r>
-            <a:r>
-              <a:rPr lang="it-IT" sz="2800" dirty="0"/>
-              <a:t>, poi in corso d’opera, man mano che il progetto prendeva forma e acquisivamo nuove informazioni da parte del committente su come dovevano interagire i tirocinanti con il sistema i casi d’uso sono diventati 19.</a:t>
-            </a:r>
-          </a:p>
-        </p:txBody>
-      </p:sp>
+          </a:p>
+          <a:p>
+            <a:r>
+              <a:rPr lang="it-IT" sz="2800" dirty="0" smtClean="0"/>
+              <a:t>Invece poi……..</a:t>
+            </a:r>
+          </a:p>
+          <a:p>
+            <a:pPr marL="457200" indent="-457200">
+              <a:buFont typeface="Wingdings" pitchFamily="2" charset="2"/>
+              <a:buChar char="v"/>
+            </a:pPr>
+            <a:r>
+              <a:rPr lang="it-IT" sz="2800" dirty="0" smtClean="0"/>
+              <a:t>19 casi d’uso</a:t>
+            </a:r>
+            <a:endParaRPr lang="it-IT" sz="2800" dirty="0"/>
+          </a:p>
+          <a:p>
+            <a:pPr marL="457200" indent="-457200">
+              <a:buFont typeface="Wingdings" pitchFamily="2" charset="2"/>
+              <a:buChar char="v"/>
+            </a:pPr>
+            <a:endParaRPr lang="it-IT" sz="2800" dirty="0"/>
+          </a:p>
+        </p:txBody>
+      </p:sp>
+      <p:pic>
+        <p:nvPicPr>
+          <p:cNvPr id="4" name="Immagine 3"/>
+          <p:cNvPicPr>
+            <a:picLocks noChangeAspect="1"/>
+          </p:cNvPicPr>
+          <p:nvPr/>
+        </p:nvPicPr>
+        <p:blipFill>
+          <a:blip r:embed="rId2">
+            <a:extLst>
+              <a:ext uri="{28A0092B-C50C-407E-A947-70E740481C1C}">
+                <a14:useLocalDpi xmlns:a14="http://schemas.microsoft.com/office/drawing/2010/main" val="0"/>
+              </a:ext>
+            </a:extLst>
+          </a:blip>
+          <a:stretch>
+            <a:fillRect/>
+          </a:stretch>
+        </p:blipFill>
+        <p:spPr>
+          <a:xfrm>
+            <a:off x="4355976" y="3212975"/>
+            <a:ext cx="2160239" cy="2028423"/>
+          </a:xfrm>
+          <a:prstGeom prst="rect">
+            <a:avLst/>
+          </a:prstGeom>
+        </p:spPr>
+      </p:pic>
     </p:spTree>
     <p:extLst>
       <p:ext uri="{BB962C8B-B14F-4D97-AF65-F5344CB8AC3E}">

--- a/trunk/Presentazione/Atsilo2/Durante/Atsilo_M_PresentazioneFinale.pptx
+++ b/trunk/Presentazione/Atsilo2/Durante/Atsilo_M_PresentazioneFinale.pptx
@@ -6224,14 +6224,7 @@
                 <a:latin typeface="Arial" pitchFamily="34" charset="0"/>
                 <a:cs typeface="Arial" pitchFamily="34" charset="0"/>
               </a:rPr>
-              <a:t>materia</a:t>
-            </a:r>
-            <a:r>
-              <a:rPr lang="it-IT" smtClean="0">
-                <a:latin typeface="Arial" pitchFamily="34" charset="0"/>
-                <a:cs typeface="Arial" pitchFamily="34" charset="0"/>
-              </a:rPr>
-              <a:t>.</a:t>
+              <a:t>materia.</a:t>
             </a:r>
           </a:p>
           <a:p>
@@ -8106,7 +8099,7 @@
       </p:sp>
       <p:pic>
         <p:nvPicPr>
-          <p:cNvPr id="4" name="Immagine 3"/>
+          <p:cNvPr id="5" name="Immagine 4"/>
           <p:cNvPicPr>
             <a:picLocks noChangeAspect="1"/>
           </p:cNvPicPr>
@@ -8126,8 +8119,8 @@
         </p:blipFill>
         <p:spPr>
           <a:xfrm>
-            <a:off x="4355976" y="3212975"/>
-            <a:ext cx="2160239" cy="2028423"/>
+            <a:off x="4283968" y="3068960"/>
+            <a:ext cx="3333750" cy="3333750"/>
           </a:xfrm>
           <a:prstGeom prst="rect">
             <a:avLst/>
